--- a/LLM Final Presentation.pptx
+++ b/LLM Final Presentation.pptx
@@ -33,23 +33,24 @@
     <p:sldId id="277" r:id="rId29"/>
     <p:sldId id="278" r:id="rId30"/>
     <p:sldId id="279" r:id="rId31"/>
+    <p:sldId id="280" r:id="rId32"/>
   </p:sldIdLst>
   <p:sldSz cy="5143500" cx="9144000"/>
   <p:notesSz cx="6858000" cy="9144000"/>
   <p:embeddedFontLst>
     <p:embeddedFont>
       <p:font typeface="Quattrocento Sans"/>
-      <p:regular r:id="rId32"/>
-      <p:bold r:id="rId33"/>
-      <p:italic r:id="rId34"/>
-      <p:boldItalic r:id="rId35"/>
+      <p:regular r:id="rId33"/>
+      <p:bold r:id="rId34"/>
+      <p:italic r:id="rId35"/>
+      <p:boldItalic r:id="rId36"/>
     </p:embeddedFont>
     <p:embeddedFont>
       <p:font typeface="Helvetica Neue"/>
-      <p:regular r:id="rId36"/>
-      <p:bold r:id="rId37"/>
-      <p:italic r:id="rId38"/>
-      <p:boldItalic r:id="rId39"/>
+      <p:regular r:id="rId37"/>
+      <p:bold r:id="rId38"/>
+      <p:italic r:id="rId39"/>
+      <p:boldItalic r:id="rId40"/>
     </p:embeddedFont>
   </p:embeddedFontLst>
   <p:defaultTextStyle>
@@ -830,7 +831,7 @@
   <p:cSld>
     <p:spTree>
       <p:nvGrpSpPr>
-        <p:cNvPr id="201" name="Shape 201"/>
+        <p:cNvPr id="200" name="Shape 200"/>
         <p:cNvGrpSpPr/>
         <p:nvPr/>
       </p:nvGrpSpPr>
@@ -844,7 +845,7 @@
       </p:grpSpPr>
       <p:sp>
         <p:nvSpPr>
-          <p:cNvPr id="202" name="Google Shape;202;g316415b2dce_2_35:notes"/>
+          <p:cNvPr id="201" name="Google Shape;201;g316415b2dce_1_20:notes"/>
           <p:cNvSpPr/>
           <p:nvPr>
             <p:ph idx="2" type="sldImg"/>
@@ -879,7 +880,7 @@
       </p:sp>
       <p:sp>
         <p:nvSpPr>
-          <p:cNvPr id="203" name="Google Shape;203;g316415b2dce_2_35:notes"/>
+          <p:cNvPr id="202" name="Google Shape;202;g316415b2dce_1_20:notes"/>
           <p:cNvSpPr txBox="1"/>
           <p:nvPr>
             <p:ph idx="1" type="body"/>
@@ -943,7 +944,7 @@
       </p:grpSpPr>
       <p:sp>
         <p:nvSpPr>
-          <p:cNvPr id="208" name="Google Shape;208;g316415b2dce_1_14:notes"/>
+          <p:cNvPr id="208" name="Google Shape;208;g316415b2dce_2_35:notes"/>
           <p:cNvSpPr/>
           <p:nvPr>
             <p:ph idx="2" type="sldImg"/>
@@ -978,7 +979,7 @@
       </p:sp>
       <p:sp>
         <p:nvSpPr>
-          <p:cNvPr id="209" name="Google Shape;209;g316415b2dce_1_14:notes"/>
+          <p:cNvPr id="209" name="Google Shape;209;g316415b2dce_2_35:notes"/>
           <p:cNvSpPr txBox="1"/>
           <p:nvPr>
             <p:ph idx="1" type="body"/>
@@ -1042,7 +1043,7 @@
       </p:grpSpPr>
       <p:sp>
         <p:nvSpPr>
-          <p:cNvPr id="214" name="Google Shape;214;g316415b2dce_1_52:notes"/>
+          <p:cNvPr id="214" name="Google Shape;214;g316415b2dce_1_14:notes"/>
           <p:cNvSpPr/>
           <p:nvPr>
             <p:ph idx="2" type="sldImg"/>
@@ -1077,7 +1078,7 @@
       </p:sp>
       <p:sp>
         <p:nvSpPr>
-          <p:cNvPr id="215" name="Google Shape;215;g316415b2dce_1_52:notes"/>
+          <p:cNvPr id="215" name="Google Shape;215;g316415b2dce_1_14:notes"/>
           <p:cNvSpPr txBox="1"/>
           <p:nvPr>
             <p:ph idx="1" type="body"/>
@@ -1141,7 +1142,7 @@
       </p:grpSpPr>
       <p:sp>
         <p:nvSpPr>
-          <p:cNvPr id="220" name="Google Shape;220;g316415b2dce_2_30:notes"/>
+          <p:cNvPr id="220" name="Google Shape;220;g316415b2dce_1_52:notes"/>
           <p:cNvSpPr/>
           <p:nvPr>
             <p:ph idx="2" type="sldImg"/>
@@ -1176,7 +1177,7 @@
       </p:sp>
       <p:sp>
         <p:nvSpPr>
-          <p:cNvPr id="221" name="Google Shape;221;g316415b2dce_2_30:notes"/>
+          <p:cNvPr id="221" name="Google Shape;221;g316415b2dce_1_52:notes"/>
           <p:cNvSpPr txBox="1"/>
           <p:nvPr>
             <p:ph idx="1" type="body"/>
@@ -1240,7 +1241,7 @@
       </p:grpSpPr>
       <p:sp>
         <p:nvSpPr>
-          <p:cNvPr id="226" name="Google Shape;226;g316415b2dce_1_8:notes"/>
+          <p:cNvPr id="226" name="Google Shape;226;g316415b2dce_2_30:notes"/>
           <p:cNvSpPr/>
           <p:nvPr>
             <p:ph idx="2" type="sldImg"/>
@@ -1275,7 +1276,7 @@
       </p:sp>
       <p:sp>
         <p:nvSpPr>
-          <p:cNvPr id="227" name="Google Shape;227;g316415b2dce_1_8:notes"/>
+          <p:cNvPr id="227" name="Google Shape;227;g316415b2dce_2_30:notes"/>
           <p:cNvSpPr txBox="1"/>
           <p:nvPr>
             <p:ph idx="1" type="body"/>
@@ -1339,7 +1340,7 @@
       </p:grpSpPr>
       <p:sp>
         <p:nvSpPr>
-          <p:cNvPr id="232" name="Google Shape;232;g316415b2dce_2_25:notes"/>
+          <p:cNvPr id="232" name="Google Shape;232;g316415b2dce_1_8:notes"/>
           <p:cNvSpPr/>
           <p:nvPr>
             <p:ph idx="2" type="sldImg"/>
@@ -1374,7 +1375,7 @@
       </p:sp>
       <p:sp>
         <p:nvSpPr>
-          <p:cNvPr id="233" name="Google Shape;233;g316415b2dce_2_25:notes"/>
+          <p:cNvPr id="233" name="Google Shape;233;g316415b2dce_1_8:notes"/>
           <p:cNvSpPr txBox="1"/>
           <p:nvPr>
             <p:ph idx="1" type="body"/>
@@ -1636,7 +1637,7 @@
       </p:grpSpPr>
       <p:sp>
         <p:nvSpPr>
-          <p:cNvPr id="253" name="Google Shape;253;g316415b2dce_2_20:notes"/>
+          <p:cNvPr id="253" name="Google Shape;253;g316415b2dce_2_25:notes"/>
           <p:cNvSpPr/>
           <p:nvPr>
             <p:ph idx="2" type="sldImg"/>
@@ -1671,7 +1672,7 @@
       </p:sp>
       <p:sp>
         <p:nvSpPr>
-          <p:cNvPr id="254" name="Google Shape;254;g316415b2dce_2_20:notes"/>
+          <p:cNvPr id="254" name="Google Shape;254;g316415b2dce_2_25:notes"/>
           <p:cNvSpPr txBox="1"/>
           <p:nvPr>
             <p:ph idx="1" type="body"/>
@@ -1735,7 +1736,7 @@
       </p:grpSpPr>
       <p:sp>
         <p:nvSpPr>
-          <p:cNvPr id="259" name="Google Shape;259;g316415b2dce_2_15:notes"/>
+          <p:cNvPr id="259" name="Google Shape;259;g316415b2dce_2_20:notes"/>
           <p:cNvSpPr/>
           <p:nvPr>
             <p:ph idx="2" type="sldImg"/>
@@ -1770,7 +1771,7 @@
       </p:sp>
       <p:sp>
         <p:nvSpPr>
-          <p:cNvPr id="260" name="Google Shape;260;g316415b2dce_2_15:notes"/>
+          <p:cNvPr id="260" name="Google Shape;260;g316415b2dce_2_20:notes"/>
           <p:cNvSpPr txBox="1"/>
           <p:nvPr>
             <p:ph idx="1" type="body"/>
@@ -1919,7 +1920,7 @@
   <p:cSld>
     <p:spTree>
       <p:nvGrpSpPr>
-        <p:cNvPr id="265" name="Shape 265"/>
+        <p:cNvPr id="264" name="Shape 264"/>
         <p:cNvGrpSpPr/>
         <p:nvPr/>
       </p:nvGrpSpPr>
@@ -1933,7 +1934,7 @@
       </p:grpSpPr>
       <p:sp>
         <p:nvSpPr>
-          <p:cNvPr id="266" name="Google Shape;266;g316415b2dce_0_38:notes"/>
+          <p:cNvPr id="265" name="Google Shape;265;g316415b2dce_2_15:notes"/>
           <p:cNvSpPr/>
           <p:nvPr>
             <p:ph idx="2" type="sldImg"/>
@@ -1968,7 +1969,7 @@
       </p:sp>
       <p:sp>
         <p:nvSpPr>
-          <p:cNvPr id="267" name="Google Shape;267;g316415b2dce_0_38:notes"/>
+          <p:cNvPr id="266" name="Google Shape;266;g316415b2dce_2_15:notes"/>
           <p:cNvSpPr txBox="1"/>
           <p:nvPr>
             <p:ph idx="1" type="body"/>
@@ -2018,7 +2019,7 @@
   <p:cSld>
     <p:spTree>
       <p:nvGrpSpPr>
-        <p:cNvPr id="272" name="Shape 272"/>
+        <p:cNvPr id="271" name="Shape 271"/>
         <p:cNvGrpSpPr/>
         <p:nvPr/>
       </p:nvGrpSpPr>
@@ -2032,7 +2033,7 @@
       </p:grpSpPr>
       <p:sp>
         <p:nvSpPr>
-          <p:cNvPr id="273" name="Google Shape;273;g316415b2dce_0_17:notes"/>
+          <p:cNvPr id="272" name="Google Shape;272;g316415b2dce_0_38:notes"/>
           <p:cNvSpPr/>
           <p:nvPr>
             <p:ph idx="2" type="sldImg"/>
@@ -2067,7 +2068,7 @@
       </p:sp>
       <p:sp>
         <p:nvSpPr>
-          <p:cNvPr id="274" name="Google Shape;274;g316415b2dce_0_17:notes"/>
+          <p:cNvPr id="273" name="Google Shape;273;g316415b2dce_0_38:notes"/>
           <p:cNvSpPr txBox="1"/>
           <p:nvPr>
             <p:ph idx="1" type="body"/>
@@ -2131,7 +2132,7 @@
       </p:grpSpPr>
       <p:sp>
         <p:nvSpPr>
-          <p:cNvPr id="279" name="Google Shape;279;g316415b2dce_0_22:notes"/>
+          <p:cNvPr id="279" name="Google Shape;279;g316415b2dce_0_17:notes"/>
           <p:cNvSpPr/>
           <p:nvPr>
             <p:ph idx="2" type="sldImg"/>
@@ -2166,7 +2167,7 @@
       </p:sp>
       <p:sp>
         <p:nvSpPr>
-          <p:cNvPr id="280" name="Google Shape;280;g316415b2dce_0_22:notes"/>
+          <p:cNvPr id="280" name="Google Shape;280;g316415b2dce_0_17:notes"/>
           <p:cNvSpPr txBox="1"/>
           <p:nvPr>
             <p:ph idx="1" type="body"/>
@@ -2230,7 +2231,7 @@
       </p:grpSpPr>
       <p:sp>
         <p:nvSpPr>
-          <p:cNvPr id="285" name="Google Shape;285;g316415b2dce_2_5:notes"/>
+          <p:cNvPr id="285" name="Google Shape;285;g316415b2dce_0_22:notes"/>
           <p:cNvSpPr/>
           <p:nvPr>
             <p:ph idx="2" type="sldImg"/>
@@ -2265,7 +2266,7 @@
       </p:sp>
       <p:sp>
         <p:nvSpPr>
-          <p:cNvPr id="286" name="Google Shape;286;g316415b2dce_2_5:notes"/>
+          <p:cNvPr id="286" name="Google Shape;286;g316415b2dce_0_22:notes"/>
           <p:cNvSpPr txBox="1"/>
           <p:nvPr>
             <p:ph idx="1" type="body"/>
@@ -2315,7 +2316,7 @@
   <p:cSld>
     <p:spTree>
       <p:nvGrpSpPr>
-        <p:cNvPr id="295" name="Shape 295"/>
+        <p:cNvPr id="290" name="Shape 290"/>
         <p:cNvGrpSpPr/>
         <p:nvPr/>
       </p:nvGrpSpPr>
@@ -2329,7 +2330,7 @@
       </p:grpSpPr>
       <p:sp>
         <p:nvSpPr>
-          <p:cNvPr id="296" name="Google Shape;296;g31598539430_0_94:notes"/>
+          <p:cNvPr id="291" name="Google Shape;291;g316415b2dce_2_5:notes"/>
           <p:cNvSpPr/>
           <p:nvPr>
             <p:ph idx="2" type="sldImg"/>
@@ -2364,7 +2365,106 @@
       </p:sp>
       <p:sp>
         <p:nvSpPr>
-          <p:cNvPr id="297" name="Google Shape;297;g31598539430_0_94:notes"/>
+          <p:cNvPr id="292" name="Google Shape;292;g316415b2dce_2_5:notes"/>
+          <p:cNvSpPr txBox="1"/>
+          <p:nvPr>
+            <p:ph idx="1" type="body"/>
+          </p:nvPr>
+        </p:nvSpPr>
+        <p:spPr>
+          <a:xfrm>
+            <a:off x="685800" y="4343400"/>
+            <a:ext cx="5486400" cy="4114800"/>
+          </a:xfrm>
+          <a:prstGeom prst="rect">
+            <a:avLst/>
+          </a:prstGeom>
+        </p:spPr>
+        <p:txBody>
+          <a:bodyPr anchorCtr="0" anchor="t" bIns="91425" lIns="91425" spcFirstLastPara="1" rIns="91425" wrap="square" tIns="91425">
+            <a:noAutofit/>
+          </a:bodyPr>
+          <a:lstStyle/>
+          <a:p>
+            <a:pPr indent="0" lvl="0" marL="0" rtl="0" algn="l">
+              <a:spcBef>
+                <a:spcPts val="0"/>
+              </a:spcBef>
+              <a:spcAft>
+                <a:spcPts val="0"/>
+              </a:spcAft>
+              <a:buNone/>
+            </a:pPr>
+            <a:r>
+              <a:t/>
+            </a:r>
+            <a:endParaRPr/>
+          </a:p>
+        </p:txBody>
+      </p:sp>
+    </p:spTree>
+  </p:cSld>
+  <p:clrMapOvr>
+    <a:masterClrMapping/>
+  </p:clrMapOvr>
+</p:notes>
+</file>
+
+<file path=ppt/notesSlides/notesSlide25.xml><?xml version="1.0" encoding="utf-8"?>
+<p:notes xmlns:a="http://schemas.openxmlformats.org/drawingml/2006/main" xmlns:r="http://schemas.openxmlformats.org/officeDocument/2006/relationships" xmlns:mc="http://schemas.openxmlformats.org/markup-compatibility/2006" xmlns:mv="urn:schemas-microsoft-com:mac:vml" xmlns:p="http://schemas.openxmlformats.org/presentationml/2006/main" xmlns:c="http://schemas.openxmlformats.org/drawingml/2006/chart" xmlns:dgm="http://schemas.openxmlformats.org/drawingml/2006/diagram" xmlns:o="urn:schemas-microsoft-com:office:office" xmlns:v="urn:schemas-microsoft-com:vml" xmlns:pvml="urn:schemas-microsoft-com:office:powerpoint" xmlns:com="http://schemas.openxmlformats.org/drawingml/2006/compatibility" xmlns:p14="http://schemas.microsoft.com/office/powerpoint/2010/main" xmlns:p15="http://schemas.microsoft.com/office/powerpoint/2012/main" xmlns:ahyp="http://schemas.microsoft.com/office/drawing/2018/hyperlinkcolor" showMasterPhAnim="0" showMasterSp="0">
+  <p:cSld>
+    <p:spTree>
+      <p:nvGrpSpPr>
+        <p:cNvPr id="301" name="Shape 301"/>
+        <p:cNvGrpSpPr/>
+        <p:nvPr/>
+      </p:nvGrpSpPr>
+      <p:grpSpPr>
+        <a:xfrm>
+          <a:off x="0" y="0"/>
+          <a:ext cx="0" cy="0"/>
+          <a:chOff x="0" y="0"/>
+          <a:chExt cx="0" cy="0"/>
+        </a:xfrm>
+      </p:grpSpPr>
+      <p:sp>
+        <p:nvSpPr>
+          <p:cNvPr id="302" name="Google Shape;302;g31598539430_0_94:notes"/>
+          <p:cNvSpPr/>
+          <p:nvPr>
+            <p:ph idx="2" type="sldImg"/>
+          </p:nvPr>
+        </p:nvSpPr>
+        <p:spPr>
+          <a:xfrm>
+            <a:off x="381300" y="685800"/>
+            <a:ext cx="6096000" cy="3429000"/>
+          </a:xfrm>
+          <a:custGeom>
+            <a:rect b="b" l="l" r="r" t="t"/>
+            <a:pathLst>
+              <a:path extrusionOk="0" h="120000" w="120000">
+                <a:moveTo>
+                  <a:pt x="0" y="0"/>
+                </a:moveTo>
+                <a:lnTo>
+                  <a:pt x="120000" y="0"/>
+                </a:lnTo>
+                <a:lnTo>
+                  <a:pt x="120000" y="120000"/>
+                </a:lnTo>
+                <a:lnTo>
+                  <a:pt x="0" y="120000"/>
+                </a:lnTo>
+                <a:close/>
+              </a:path>
+            </a:pathLst>
+          </a:custGeom>
+        </p:spPr>
+      </p:sp>
+      <p:sp>
+        <p:nvSpPr>
+          <p:cNvPr id="303" name="Google Shape;303;g31598539430_0_94:notes"/>
           <p:cNvSpPr txBox="1"/>
           <p:nvPr>
             <p:ph idx="1" type="body"/>
@@ -2923,7 +3023,7 @@
       </p:grpSpPr>
       <p:sp>
         <p:nvSpPr>
-          <p:cNvPr id="189" name="Google Shape;189;g316415b2dce_2_40:notes"/>
+          <p:cNvPr id="189" name="Google Shape;189;g316415b2dce_2_98:notes"/>
           <p:cNvSpPr/>
           <p:nvPr>
             <p:ph idx="2" type="sldImg"/>
@@ -2958,7 +3058,7 @@
       </p:sp>
       <p:sp>
         <p:nvSpPr>
-          <p:cNvPr id="190" name="Google Shape;190;g316415b2dce_2_40:notes"/>
+          <p:cNvPr id="190" name="Google Shape;190;g316415b2dce_2_98:notes"/>
           <p:cNvSpPr txBox="1"/>
           <p:nvPr>
             <p:ph idx="1" type="body"/>
@@ -3022,7 +3122,7 @@
       </p:grpSpPr>
       <p:sp>
         <p:nvSpPr>
-          <p:cNvPr id="195" name="Google Shape;195;g316415b2dce_1_20:notes"/>
+          <p:cNvPr id="195" name="Google Shape;195;g316415b2dce_2_40:notes"/>
           <p:cNvSpPr/>
           <p:nvPr>
             <p:ph idx="2" type="sldImg"/>
@@ -3057,7 +3157,7 @@
       </p:sp>
       <p:sp>
         <p:nvSpPr>
-          <p:cNvPr id="196" name="Google Shape;196;g316415b2dce_1_20:notes"/>
+          <p:cNvPr id="196" name="Google Shape;196;g316415b2dce_2_40:notes"/>
           <p:cNvSpPr txBox="1"/>
           <p:nvPr>
             <p:ph idx="1" type="body"/>
@@ -18267,7 +18367,7 @@
   <p:cSld>
     <p:spTree>
       <p:nvGrpSpPr>
-        <p:cNvPr id="204" name="Shape 204"/>
+        <p:cNvPr id="203" name="Shape 203"/>
         <p:cNvGrpSpPr/>
         <p:nvPr/>
       </p:nvGrpSpPr>
@@ -18281,7 +18381,7 @@
       </p:grpSpPr>
       <p:sp>
         <p:nvSpPr>
-          <p:cNvPr id="205" name="Google Shape;205;p34"/>
+          <p:cNvPr id="204" name="Google Shape;204;p34"/>
           <p:cNvSpPr txBox="1"/>
           <p:nvPr>
             <p:ph type="title"/>
@@ -18313,30 +18413,601 @@
             </a:pPr>
             <a:r>
               <a:rPr lang="en"/>
-              <a:t>Multi Agent : Architecture</a:t>
+              <a:t>Fine Tuning: QLoRA</a:t>
             </a:r>
             <a:endParaRPr/>
           </a:p>
         </p:txBody>
       </p:sp>
-      <p:pic>
-        <p:nvPicPr>
-          <p:cNvPr id="206" name="Google Shape;206;p34"/>
-          <p:cNvPicPr preferRelativeResize="0"/>
-          <p:nvPr/>
-        </p:nvPicPr>
-        <p:blipFill>
-          <a:blip r:embed="rId3">
-            <a:alphaModFix/>
-          </a:blip>
-          <a:stretch>
-            <a:fillRect/>
-          </a:stretch>
-        </p:blipFill>
+      <p:sp>
+        <p:nvSpPr>
+          <p:cNvPr id="205" name="Google Shape;205;p34"/>
+          <p:cNvSpPr txBox="1"/>
+          <p:nvPr>
+            <p:ph idx="1" type="body"/>
+          </p:nvPr>
+        </p:nvSpPr>
         <p:spPr>
           <a:xfrm>
-            <a:off x="752175" y="895286"/>
-            <a:ext cx="7175557" cy="4095814"/>
+            <a:off x="685800" y="897725"/>
+            <a:ext cx="8273100" cy="3737400"/>
+          </a:xfrm>
+          <a:prstGeom prst="rect">
+            <a:avLst/>
+          </a:prstGeom>
+        </p:spPr>
+        <p:txBody>
+          <a:bodyPr anchorCtr="0" anchor="t" bIns="45700" lIns="91425" spcFirstLastPara="1" rIns="91425" wrap="square" tIns="45700">
+            <a:noAutofit/>
+          </a:bodyPr>
+          <a:lstStyle/>
+          <a:p>
+            <a:pPr indent="0" lvl="0" marL="0" rtl="0" algn="l">
+              <a:lnSpc>
+                <a:spcPct val="115000"/>
+              </a:lnSpc>
+              <a:spcBef>
+                <a:spcPts val="1200"/>
+              </a:spcBef>
+              <a:spcAft>
+                <a:spcPts val="0"/>
+              </a:spcAft>
+              <a:buNone/>
+            </a:pPr>
+            <a:r>
+              <a:rPr lang="en" sz="1200">
+                <a:solidFill>
+                  <a:schemeClr val="dk1"/>
+                </a:solidFill>
+                <a:latin typeface="Helvetica Neue"/>
+                <a:ea typeface="Helvetica Neue"/>
+                <a:cs typeface="Helvetica Neue"/>
+                <a:sym typeface="Helvetica Neue"/>
+              </a:rPr>
+              <a:t>QLoRA fine-tunes large models efficiently by quantizing weights and updating low-rank matrices, enabling task-specific adaptation with minimal resources.</a:t>
+            </a:r>
+            <a:endParaRPr sz="1200">
+              <a:solidFill>
+                <a:schemeClr val="dk1"/>
+              </a:solidFill>
+              <a:latin typeface="Helvetica Neue"/>
+              <a:ea typeface="Helvetica Neue"/>
+              <a:cs typeface="Helvetica Neue"/>
+              <a:sym typeface="Helvetica Neue"/>
+            </a:endParaRPr>
+          </a:p>
+          <a:p>
+            <a:pPr indent="0" lvl="0" marL="0" rtl="0" algn="l">
+              <a:lnSpc>
+                <a:spcPct val="115000"/>
+              </a:lnSpc>
+              <a:spcBef>
+                <a:spcPts val="1200"/>
+              </a:spcBef>
+              <a:spcAft>
+                <a:spcPts val="0"/>
+              </a:spcAft>
+              <a:buClr>
+                <a:schemeClr val="dk1"/>
+              </a:buClr>
+              <a:buSzPts val="1100"/>
+              <a:buFont typeface="Arial"/>
+              <a:buNone/>
+            </a:pPr>
+            <a:r>
+              <a:rPr b="1" lang="en" sz="1200">
+                <a:solidFill>
+                  <a:schemeClr val="dk1"/>
+                </a:solidFill>
+                <a:latin typeface="Helvetica Neue"/>
+                <a:ea typeface="Helvetica Neue"/>
+                <a:cs typeface="Helvetica Neue"/>
+                <a:sym typeface="Helvetica Neue"/>
+              </a:rPr>
+              <a:t>Experimental Setup</a:t>
+            </a:r>
+            <a:endParaRPr b="1" sz="1200">
+              <a:solidFill>
+                <a:schemeClr val="dk1"/>
+              </a:solidFill>
+              <a:latin typeface="Helvetica Neue"/>
+              <a:ea typeface="Helvetica Neue"/>
+              <a:cs typeface="Helvetica Neue"/>
+              <a:sym typeface="Helvetica Neue"/>
+            </a:endParaRPr>
+          </a:p>
+          <a:p>
+            <a:pPr indent="-304800" lvl="0" marL="457200" rtl="0" algn="l">
+              <a:lnSpc>
+                <a:spcPct val="115000"/>
+              </a:lnSpc>
+              <a:spcBef>
+                <a:spcPts val="1200"/>
+              </a:spcBef>
+              <a:spcAft>
+                <a:spcPts val="0"/>
+              </a:spcAft>
+              <a:buClr>
+                <a:schemeClr val="dk1"/>
+              </a:buClr>
+              <a:buSzPts val="1200"/>
+              <a:buFont typeface="Arial"/>
+              <a:buChar char="●"/>
+            </a:pPr>
+            <a:r>
+              <a:rPr b="1" lang="en" sz="1200">
+                <a:solidFill>
+                  <a:schemeClr val="dk1"/>
+                </a:solidFill>
+                <a:latin typeface="Helvetica Neue"/>
+                <a:ea typeface="Helvetica Neue"/>
+                <a:cs typeface="Helvetica Neue"/>
+                <a:sym typeface="Helvetica Neue"/>
+              </a:rPr>
+              <a:t>Epochs:</a:t>
+            </a:r>
+            <a:r>
+              <a:rPr lang="en" sz="1200">
+                <a:solidFill>
+                  <a:schemeClr val="dk1"/>
+                </a:solidFill>
+                <a:latin typeface="Helvetica Neue"/>
+                <a:ea typeface="Helvetica Neue"/>
+                <a:cs typeface="Helvetica Neue"/>
+                <a:sym typeface="Helvetica Neue"/>
+              </a:rPr>
+              <a:t> 4,                               </a:t>
+            </a:r>
+            <a:endParaRPr sz="1200">
+              <a:solidFill>
+                <a:schemeClr val="dk1"/>
+              </a:solidFill>
+              <a:latin typeface="Helvetica Neue"/>
+              <a:ea typeface="Helvetica Neue"/>
+              <a:cs typeface="Helvetica Neue"/>
+              <a:sym typeface="Helvetica Neue"/>
+            </a:endParaRPr>
+          </a:p>
+          <a:p>
+            <a:pPr indent="-304800" lvl="0" marL="457200" rtl="0" algn="l">
+              <a:lnSpc>
+                <a:spcPct val="115000"/>
+              </a:lnSpc>
+              <a:spcBef>
+                <a:spcPts val="0"/>
+              </a:spcBef>
+              <a:spcAft>
+                <a:spcPts val="0"/>
+              </a:spcAft>
+              <a:buClr>
+                <a:schemeClr val="dk1"/>
+              </a:buClr>
+              <a:buSzPts val="1200"/>
+              <a:buFont typeface="Arial"/>
+              <a:buChar char="●"/>
+            </a:pPr>
+            <a:r>
+              <a:rPr b="1" lang="en" sz="1200">
+                <a:solidFill>
+                  <a:schemeClr val="dk1"/>
+                </a:solidFill>
+                <a:latin typeface="Helvetica Neue"/>
+                <a:ea typeface="Helvetica Neue"/>
+                <a:cs typeface="Helvetica Neue"/>
+                <a:sym typeface="Helvetica Neue"/>
+              </a:rPr>
+              <a:t>Target Modules:</a:t>
+            </a:r>
+            <a:r>
+              <a:rPr lang="en" sz="1200">
+                <a:solidFill>
+                  <a:schemeClr val="dk1"/>
+                </a:solidFill>
+                <a:latin typeface="Helvetica Neue"/>
+                <a:ea typeface="Helvetica Neue"/>
+                <a:cs typeface="Helvetica Neue"/>
+                <a:sym typeface="Helvetica Neue"/>
+              </a:rPr>
+              <a:t> 'q_proj', 'k_proj', 'v_proj', 'dense'</a:t>
+            </a:r>
+            <a:endParaRPr sz="1200">
+              <a:solidFill>
+                <a:schemeClr val="dk1"/>
+              </a:solidFill>
+              <a:latin typeface="Helvetica Neue"/>
+              <a:ea typeface="Helvetica Neue"/>
+              <a:cs typeface="Helvetica Neue"/>
+              <a:sym typeface="Helvetica Neue"/>
+            </a:endParaRPr>
+          </a:p>
+          <a:p>
+            <a:pPr indent="0" lvl="0" marL="0" rtl="0" algn="l">
+              <a:lnSpc>
+                <a:spcPct val="115000"/>
+              </a:lnSpc>
+              <a:spcBef>
+                <a:spcPts val="1200"/>
+              </a:spcBef>
+              <a:spcAft>
+                <a:spcPts val="0"/>
+              </a:spcAft>
+              <a:buNone/>
+            </a:pPr>
+            <a:r>
+              <a:rPr b="1" lang="en" sz="1200">
+                <a:solidFill>
+                  <a:schemeClr val="dk1"/>
+                </a:solidFill>
+                <a:latin typeface="Helvetica Neue"/>
+                <a:ea typeface="Helvetica Neue"/>
+                <a:cs typeface="Helvetica Neue"/>
+                <a:sym typeface="Helvetica Neue"/>
+              </a:rPr>
+              <a:t>Results</a:t>
+            </a:r>
+            <a:endParaRPr b="1" sz="1200">
+              <a:solidFill>
+                <a:schemeClr val="dk1"/>
+              </a:solidFill>
+              <a:latin typeface="Helvetica Neue"/>
+              <a:ea typeface="Helvetica Neue"/>
+              <a:cs typeface="Helvetica Neue"/>
+              <a:sym typeface="Helvetica Neue"/>
+            </a:endParaRPr>
+          </a:p>
+          <a:p>
+            <a:pPr indent="-304800" lvl="0" marL="457200" rtl="0" algn="l">
+              <a:lnSpc>
+                <a:spcPct val="100000"/>
+              </a:lnSpc>
+              <a:spcBef>
+                <a:spcPts val="1200"/>
+              </a:spcBef>
+              <a:spcAft>
+                <a:spcPts val="0"/>
+              </a:spcAft>
+              <a:buClr>
+                <a:schemeClr val="dk1"/>
+              </a:buClr>
+              <a:buSzPts val="1200"/>
+              <a:buFont typeface="Arial"/>
+              <a:buChar char="●"/>
+            </a:pPr>
+            <a:r>
+              <a:rPr lang="en" sz="1200">
+                <a:solidFill>
+                  <a:schemeClr val="dk1"/>
+                </a:solidFill>
+                <a:latin typeface="Helvetica Neue"/>
+                <a:ea typeface="Helvetica Neue"/>
+                <a:cs typeface="Helvetica Neue"/>
+                <a:sym typeface="Helvetica Neue"/>
+              </a:rPr>
+              <a:t>Fine-tuning with QLoRA led to a </a:t>
+            </a:r>
+            <a:r>
+              <a:rPr b="1" lang="en" sz="1200">
+                <a:solidFill>
+                  <a:schemeClr val="dk1"/>
+                </a:solidFill>
+                <a:latin typeface="Helvetica Neue"/>
+                <a:ea typeface="Helvetica Neue"/>
+                <a:cs typeface="Helvetica Neue"/>
+                <a:sym typeface="Helvetica Neue"/>
+              </a:rPr>
+              <a:t>significant drop in performance</a:t>
+            </a:r>
+            <a:r>
+              <a:rPr lang="en" sz="1200">
+                <a:solidFill>
+                  <a:schemeClr val="dk1"/>
+                </a:solidFill>
+                <a:latin typeface="Helvetica Neue"/>
+                <a:ea typeface="Helvetica Neue"/>
+                <a:cs typeface="Helvetica Neue"/>
+                <a:sym typeface="Helvetica Neue"/>
+              </a:rPr>
+              <a:t> across tasks on SVAMP and GSM8k datasets.</a:t>
+            </a:r>
+            <a:br>
+              <a:rPr lang="en" sz="1200">
+                <a:solidFill>
+                  <a:schemeClr val="dk1"/>
+                </a:solidFill>
+                <a:latin typeface="Helvetica Neue"/>
+                <a:ea typeface="Helvetica Neue"/>
+                <a:cs typeface="Helvetica Neue"/>
+                <a:sym typeface="Helvetica Neue"/>
+              </a:rPr>
+            </a:br>
+            <a:endParaRPr sz="1200">
+              <a:solidFill>
+                <a:schemeClr val="dk1"/>
+              </a:solidFill>
+              <a:latin typeface="Helvetica Neue"/>
+              <a:ea typeface="Helvetica Neue"/>
+              <a:cs typeface="Helvetica Neue"/>
+              <a:sym typeface="Helvetica Neue"/>
+            </a:endParaRPr>
+          </a:p>
+          <a:p>
+            <a:pPr indent="-304800" lvl="0" marL="457200" rtl="0" algn="l">
+              <a:lnSpc>
+                <a:spcPct val="100000"/>
+              </a:lnSpc>
+              <a:spcBef>
+                <a:spcPts val="0"/>
+              </a:spcBef>
+              <a:spcAft>
+                <a:spcPts val="0"/>
+              </a:spcAft>
+              <a:buClr>
+                <a:schemeClr val="dk1"/>
+              </a:buClr>
+              <a:buSzPts val="1200"/>
+              <a:buFont typeface="Arial"/>
+              <a:buChar char="●"/>
+            </a:pPr>
+            <a:r>
+              <a:rPr lang="en" sz="1200">
+                <a:solidFill>
+                  <a:schemeClr val="dk1"/>
+                </a:solidFill>
+                <a:latin typeface="Helvetica Neue"/>
+                <a:ea typeface="Helvetica Neue"/>
+                <a:cs typeface="Helvetica Neue"/>
+                <a:sym typeface="Helvetica Neue"/>
+              </a:rPr>
+              <a:t>These adaptations may cause the model to lose previously learned generalization capabilities, a phenomenon known as </a:t>
+            </a:r>
+            <a:r>
+              <a:rPr b="1" lang="en" sz="1200">
+                <a:solidFill>
+                  <a:schemeClr val="dk1"/>
+                </a:solidFill>
+                <a:latin typeface="Helvetica Neue"/>
+                <a:ea typeface="Helvetica Neue"/>
+                <a:cs typeface="Helvetica Neue"/>
+                <a:sym typeface="Helvetica Neue"/>
+              </a:rPr>
+              <a:t>catastrophic forgetting</a:t>
+            </a:r>
+            <a:r>
+              <a:rPr lang="en" sz="1200">
+                <a:solidFill>
+                  <a:schemeClr val="dk1"/>
+                </a:solidFill>
+                <a:latin typeface="Helvetica Neue"/>
+                <a:ea typeface="Helvetica Neue"/>
+                <a:cs typeface="Helvetica Neue"/>
+                <a:sym typeface="Helvetica Neue"/>
+              </a:rPr>
+              <a:t>, especially when the fine-tuning task is too narrowly focused.</a:t>
+            </a:r>
+            <a:br>
+              <a:rPr lang="en" sz="1200">
+                <a:solidFill>
+                  <a:schemeClr val="dk1"/>
+                </a:solidFill>
+                <a:latin typeface="Helvetica Neue"/>
+                <a:ea typeface="Helvetica Neue"/>
+                <a:cs typeface="Helvetica Neue"/>
+                <a:sym typeface="Helvetica Neue"/>
+              </a:rPr>
+            </a:br>
+            <a:endParaRPr sz="1200">
+              <a:solidFill>
+                <a:schemeClr val="dk1"/>
+              </a:solidFill>
+              <a:latin typeface="Helvetica Neue"/>
+              <a:ea typeface="Helvetica Neue"/>
+              <a:cs typeface="Helvetica Neue"/>
+              <a:sym typeface="Helvetica Neue"/>
+            </a:endParaRPr>
+          </a:p>
+          <a:p>
+            <a:pPr indent="-304800" lvl="0" marL="457200" rtl="0" algn="l">
+              <a:lnSpc>
+                <a:spcPct val="100000"/>
+              </a:lnSpc>
+              <a:spcBef>
+                <a:spcPts val="0"/>
+              </a:spcBef>
+              <a:spcAft>
+                <a:spcPts val="0"/>
+              </a:spcAft>
+              <a:buClr>
+                <a:schemeClr val="dk1"/>
+              </a:buClr>
+              <a:buSzPts val="1200"/>
+              <a:buFont typeface="Arial"/>
+              <a:buChar char="●"/>
+            </a:pPr>
+            <a:r>
+              <a:rPr lang="en" sz="1200">
+                <a:solidFill>
+                  <a:schemeClr val="dk1"/>
+                </a:solidFill>
+                <a:latin typeface="Helvetica Neue"/>
+                <a:ea typeface="Helvetica Neue"/>
+                <a:cs typeface="Helvetica Neue"/>
+                <a:sym typeface="Helvetica Neue"/>
+              </a:rPr>
+              <a:t>QLoRA relies on </a:t>
+            </a:r>
+            <a:r>
+              <a:rPr b="1" lang="en" sz="1200">
+                <a:solidFill>
+                  <a:schemeClr val="dk1"/>
+                </a:solidFill>
+                <a:latin typeface="Helvetica Neue"/>
+                <a:ea typeface="Helvetica Neue"/>
+                <a:cs typeface="Helvetica Neue"/>
+                <a:sym typeface="Helvetica Neue"/>
+              </a:rPr>
+              <a:t>low-precision quantization</a:t>
+            </a:r>
+            <a:r>
+              <a:rPr lang="en" sz="1200">
+                <a:solidFill>
+                  <a:schemeClr val="dk1"/>
+                </a:solidFill>
+                <a:latin typeface="Helvetica Neue"/>
+                <a:ea typeface="Helvetica Neue"/>
+                <a:cs typeface="Helvetica Neue"/>
+                <a:sym typeface="Helvetica Neue"/>
+              </a:rPr>
+              <a:t> (e.g., 4-bit/8-bit), which can result in a </a:t>
+            </a:r>
+            <a:r>
+              <a:rPr b="1" lang="en" sz="1200">
+                <a:solidFill>
+                  <a:schemeClr val="dk1"/>
+                </a:solidFill>
+                <a:latin typeface="Helvetica Neue"/>
+                <a:ea typeface="Helvetica Neue"/>
+                <a:cs typeface="Helvetica Neue"/>
+                <a:sym typeface="Helvetica Neue"/>
+              </a:rPr>
+              <a:t>loss of precision</a:t>
+            </a:r>
+            <a:r>
+              <a:rPr lang="en" sz="1200">
+                <a:solidFill>
+                  <a:schemeClr val="dk1"/>
+                </a:solidFill>
+                <a:latin typeface="Helvetica Neue"/>
+                <a:ea typeface="Helvetica Neue"/>
+                <a:cs typeface="Helvetica Neue"/>
+                <a:sym typeface="Helvetica Neue"/>
+              </a:rPr>
+              <a:t> for critical model weights.</a:t>
+            </a:r>
+            <a:endParaRPr sz="1200">
+              <a:solidFill>
+                <a:schemeClr val="dk1"/>
+              </a:solidFill>
+              <a:latin typeface="Helvetica Neue"/>
+              <a:ea typeface="Helvetica Neue"/>
+              <a:cs typeface="Helvetica Neue"/>
+              <a:sym typeface="Helvetica Neue"/>
+            </a:endParaRPr>
+          </a:p>
+          <a:p>
+            <a:pPr indent="0" lvl="0" marL="0" rtl="0" algn="l">
+              <a:lnSpc>
+                <a:spcPct val="115000"/>
+              </a:lnSpc>
+              <a:spcBef>
+                <a:spcPts val="1200"/>
+              </a:spcBef>
+              <a:spcAft>
+                <a:spcPts val="0"/>
+              </a:spcAft>
+              <a:buClr>
+                <a:schemeClr val="dk1"/>
+              </a:buClr>
+              <a:buSzPts val="1100"/>
+              <a:buFont typeface="Arial"/>
+              <a:buNone/>
+            </a:pPr>
+            <a:r>
+              <a:t/>
+            </a:r>
+            <a:endParaRPr sz="1100">
+              <a:solidFill>
+                <a:schemeClr val="dk1"/>
+              </a:solidFill>
+              <a:latin typeface="Helvetica Neue"/>
+              <a:ea typeface="Helvetica Neue"/>
+              <a:cs typeface="Helvetica Neue"/>
+              <a:sym typeface="Helvetica Neue"/>
+            </a:endParaRPr>
+          </a:p>
+          <a:p>
+            <a:pPr indent="0" lvl="0" marL="0" rtl="0" algn="l">
+              <a:lnSpc>
+                <a:spcPct val="115000"/>
+              </a:lnSpc>
+              <a:spcBef>
+                <a:spcPts val="1200"/>
+              </a:spcBef>
+              <a:spcAft>
+                <a:spcPts val="0"/>
+              </a:spcAft>
+              <a:buNone/>
+            </a:pPr>
+            <a:r>
+              <a:t/>
+            </a:r>
+            <a:endParaRPr sz="1100">
+              <a:solidFill>
+                <a:schemeClr val="dk1"/>
+              </a:solidFill>
+              <a:latin typeface="Helvetica Neue"/>
+              <a:ea typeface="Helvetica Neue"/>
+              <a:cs typeface="Helvetica Neue"/>
+              <a:sym typeface="Helvetica Neue"/>
+            </a:endParaRPr>
+          </a:p>
+          <a:p>
+            <a:pPr indent="0" lvl="0" marL="0" rtl="0" algn="l">
+              <a:spcBef>
+                <a:spcPts val="1200"/>
+              </a:spcBef>
+              <a:spcAft>
+                <a:spcPts val="0"/>
+              </a:spcAft>
+              <a:buNone/>
+            </a:pPr>
+            <a:r>
+              <a:t/>
+            </a:r>
+            <a:endParaRPr sz="1100">
+              <a:solidFill>
+                <a:schemeClr val="dk1"/>
+              </a:solidFill>
+              <a:latin typeface="Helvetica Neue"/>
+              <a:ea typeface="Helvetica Neue"/>
+              <a:cs typeface="Helvetica Neue"/>
+              <a:sym typeface="Helvetica Neue"/>
+            </a:endParaRPr>
+          </a:p>
+          <a:p>
+            <a:pPr indent="0" lvl="0" marL="0" rtl="0" algn="l">
+              <a:spcBef>
+                <a:spcPts val="1000"/>
+              </a:spcBef>
+              <a:spcAft>
+                <a:spcPts val="0"/>
+              </a:spcAft>
+              <a:buNone/>
+            </a:pPr>
+            <a:r>
+              <a:t/>
+            </a:r>
+            <a:endParaRPr sz="1100">
+              <a:solidFill>
+                <a:schemeClr val="dk1"/>
+              </a:solidFill>
+              <a:latin typeface="Helvetica Neue"/>
+              <a:ea typeface="Helvetica Neue"/>
+              <a:cs typeface="Helvetica Neue"/>
+              <a:sym typeface="Helvetica Neue"/>
+            </a:endParaRPr>
+          </a:p>
+        </p:txBody>
+      </p:sp>
+      <p:sp>
+        <p:nvSpPr>
+          <p:cNvPr id="206" name="Google Shape;206;p34"/>
+          <p:cNvSpPr txBox="1"/>
+          <p:nvPr/>
+        </p:nvSpPr>
+        <p:spPr>
+          <a:xfrm>
+            <a:off x="4941475" y="1783800"/>
+            <a:ext cx="3223200" cy="581700"/>
           </a:xfrm>
           <a:prstGeom prst="rect">
             <a:avLst/>
@@ -18346,7 +19017,116 @@
             <a:noFill/>
           </a:ln>
         </p:spPr>
-      </p:pic>
+        <p:txBody>
+          <a:bodyPr anchorCtr="0" anchor="t" bIns="91425" lIns="91425" spcFirstLastPara="1" rIns="91425" wrap="square" tIns="91425">
+            <a:spAutoFit/>
+          </a:bodyPr>
+          <a:lstStyle/>
+          <a:p>
+            <a:pPr indent="-304800" lvl="0" marL="457200" rtl="0" algn="l">
+              <a:lnSpc>
+                <a:spcPct val="115000"/>
+              </a:lnSpc>
+              <a:spcBef>
+                <a:spcPts val="1200"/>
+              </a:spcBef>
+              <a:spcAft>
+                <a:spcPts val="0"/>
+              </a:spcAft>
+              <a:buClr>
+                <a:schemeClr val="dk1"/>
+              </a:buClr>
+              <a:buSzPts val="1200"/>
+              <a:buChar char="●"/>
+            </a:pPr>
+            <a:r>
+              <a:rPr b="1" lang="en" sz="1200">
+                <a:solidFill>
+                  <a:schemeClr val="dk1"/>
+                </a:solidFill>
+                <a:latin typeface="Helvetica Neue"/>
+                <a:ea typeface="Helvetica Neue"/>
+                <a:cs typeface="Helvetica Neue"/>
+                <a:sym typeface="Helvetica Neue"/>
+              </a:rPr>
+              <a:t>Learning Rate:</a:t>
+            </a:r>
+            <a:r>
+              <a:rPr lang="en" sz="1200">
+                <a:solidFill>
+                  <a:schemeClr val="dk1"/>
+                </a:solidFill>
+                <a:latin typeface="Helvetica Neue"/>
+                <a:ea typeface="Helvetica Neue"/>
+                <a:cs typeface="Helvetica Neue"/>
+                <a:sym typeface="Helvetica Neue"/>
+              </a:rPr>
+              <a:t> 5*10^-4</a:t>
+            </a:r>
+            <a:endParaRPr sz="1200">
+              <a:solidFill>
+                <a:schemeClr val="dk1"/>
+              </a:solidFill>
+              <a:latin typeface="Helvetica Neue"/>
+              <a:ea typeface="Helvetica Neue"/>
+              <a:cs typeface="Helvetica Neue"/>
+              <a:sym typeface="Helvetica Neue"/>
+            </a:endParaRPr>
+          </a:p>
+          <a:p>
+            <a:pPr indent="-304800" lvl="0" marL="457200" rtl="0" algn="l">
+              <a:lnSpc>
+                <a:spcPct val="115000"/>
+              </a:lnSpc>
+              <a:spcBef>
+                <a:spcPts val="0"/>
+              </a:spcBef>
+              <a:spcAft>
+                <a:spcPts val="0"/>
+              </a:spcAft>
+              <a:buClr>
+                <a:schemeClr val="dk1"/>
+              </a:buClr>
+              <a:buSzPts val="1200"/>
+              <a:buFont typeface="Helvetica Neue"/>
+              <a:buChar char="●"/>
+            </a:pPr>
+            <a:r>
+              <a:rPr b="1" lang="en" sz="1200">
+                <a:solidFill>
+                  <a:schemeClr val="dk1"/>
+                </a:solidFill>
+                <a:latin typeface="Helvetica Neue"/>
+                <a:ea typeface="Helvetica Neue"/>
+                <a:cs typeface="Helvetica Neue"/>
+                <a:sym typeface="Helvetica Neue"/>
+              </a:rPr>
+              <a:t>Rank (r):</a:t>
+            </a:r>
+            <a:r>
+              <a:rPr lang="en" sz="1200">
+                <a:solidFill>
+                  <a:schemeClr val="dk1"/>
+                </a:solidFill>
+                <a:latin typeface="Helvetica Neue"/>
+                <a:ea typeface="Helvetica Neue"/>
+                <a:cs typeface="Helvetica Neue"/>
+                <a:sym typeface="Helvetica Neue"/>
+              </a:rPr>
+              <a:t> 32</a:t>
+            </a:r>
+            <a:endParaRPr sz="1200">
+              <a:solidFill>
+                <a:schemeClr val="dk1"/>
+              </a:solidFill>
+              <a:latin typeface="Helvetica Neue"/>
+              <a:ea typeface="Helvetica Neue"/>
+              <a:cs typeface="Helvetica Neue"/>
+              <a:sym typeface="Helvetica Neue"/>
+            </a:endParaRPr>
+          </a:p>
+        </p:txBody>
+      </p:sp>
     </p:spTree>
   </p:cSld>
   <p:clrMapOvr>
@@ -18406,382 +19186,40 @@
             </a:pPr>
             <a:r>
               <a:rPr lang="en"/>
-              <a:t>Multi Agent</a:t>
+              <a:t>Multi Agent : Architecture</a:t>
             </a:r>
             <a:endParaRPr/>
           </a:p>
         </p:txBody>
       </p:sp>
-      <p:sp>
-        <p:nvSpPr>
+      <p:pic>
+        <p:nvPicPr>
           <p:cNvPr id="212" name="Google Shape;212;p35"/>
-          <p:cNvSpPr txBox="1"/>
-          <p:nvPr>
-            <p:ph idx="1" type="body"/>
-          </p:nvPr>
-        </p:nvSpPr>
+          <p:cNvPicPr preferRelativeResize="0"/>
+          <p:nvPr/>
+        </p:nvPicPr>
+        <p:blipFill>
+          <a:blip r:embed="rId3">
+            <a:alphaModFix/>
+          </a:blip>
+          <a:stretch>
+            <a:fillRect/>
+          </a:stretch>
+        </p:blipFill>
         <p:spPr>
           <a:xfrm>
-            <a:off x="685800" y="1294601"/>
-            <a:ext cx="7772400" cy="3256200"/>
+            <a:off x="752175" y="895286"/>
+            <a:ext cx="7175557" cy="4095814"/>
           </a:xfrm>
           <a:prstGeom prst="rect">
             <a:avLst/>
           </a:prstGeom>
+          <a:noFill/>
+          <a:ln>
+            <a:noFill/>
+          </a:ln>
         </p:spPr>
-        <p:txBody>
-          <a:bodyPr anchorCtr="0" anchor="t" bIns="45700" lIns="91425" spcFirstLastPara="1" rIns="91425" wrap="square" tIns="45700">
-            <a:normAutofit/>
-          </a:bodyPr>
-          <a:lstStyle/>
-          <a:p>
-            <a:pPr indent="-323850" lvl="0" marL="457200" rtl="0" algn="l">
-              <a:spcBef>
-                <a:spcPts val="1000"/>
-              </a:spcBef>
-              <a:spcAft>
-                <a:spcPts val="0"/>
-              </a:spcAft>
-              <a:buClr>
-                <a:schemeClr val="dk1"/>
-              </a:buClr>
-              <a:buSzPts val="1500"/>
-              <a:buFont typeface="Arial"/>
-              <a:buChar char="●"/>
-            </a:pPr>
-            <a:r>
-              <a:rPr b="1" lang="en" sz="1500">
-                <a:solidFill>
-                  <a:schemeClr val="dk1"/>
-                </a:solidFill>
-                <a:latin typeface="Helvetica Neue"/>
-                <a:ea typeface="Helvetica Neue"/>
-                <a:cs typeface="Helvetica Neue"/>
-                <a:sym typeface="Helvetica Neue"/>
-              </a:rPr>
-              <a:t>Meta-Reasoning Inspiration:</a:t>
-            </a:r>
-            <a:r>
-              <a:rPr lang="en" sz="1500">
-                <a:solidFill>
-                  <a:schemeClr val="dk1"/>
-                </a:solidFill>
-                <a:latin typeface="Helvetica Neue"/>
-                <a:ea typeface="Helvetica Neue"/>
-                <a:cs typeface="Helvetica Neue"/>
-                <a:sym typeface="Helvetica Neue"/>
-              </a:rPr>
-              <a:t> Adapts Meta-Reasoning Prompting to dynamically combine specialized reasoning methods for accuracy and flexibility.</a:t>
-            </a:r>
-            <a:br>
-              <a:rPr lang="en" sz="1500">
-                <a:solidFill>
-                  <a:schemeClr val="dk1"/>
-                </a:solidFill>
-                <a:latin typeface="Helvetica Neue"/>
-                <a:ea typeface="Helvetica Neue"/>
-                <a:cs typeface="Helvetica Neue"/>
-                <a:sym typeface="Helvetica Neue"/>
-              </a:rPr>
-            </a:br>
-            <a:endParaRPr sz="1500">
-              <a:solidFill>
-                <a:schemeClr val="dk1"/>
-              </a:solidFill>
-              <a:latin typeface="Helvetica Neue"/>
-              <a:ea typeface="Helvetica Neue"/>
-              <a:cs typeface="Helvetica Neue"/>
-              <a:sym typeface="Helvetica Neue"/>
-            </a:endParaRPr>
-          </a:p>
-          <a:p>
-            <a:pPr indent="-323850" lvl="0" marL="457200" rtl="0" algn="l">
-              <a:spcBef>
-                <a:spcPts val="0"/>
-              </a:spcBef>
-              <a:spcAft>
-                <a:spcPts val="0"/>
-              </a:spcAft>
-              <a:buClr>
-                <a:schemeClr val="dk1"/>
-              </a:buClr>
-              <a:buSzPts val="1500"/>
-              <a:buFont typeface="Arial"/>
-              <a:buChar char="●"/>
-            </a:pPr>
-            <a:r>
-              <a:rPr b="1" lang="en" sz="1500">
-                <a:solidFill>
-                  <a:schemeClr val="dk1"/>
-                </a:solidFill>
-                <a:latin typeface="Helvetica Neue"/>
-                <a:ea typeface="Helvetica Neue"/>
-                <a:cs typeface="Helvetica Neue"/>
-                <a:sym typeface="Helvetica Neue"/>
-              </a:rPr>
-              <a:t>Specialized Agents:</a:t>
-            </a:r>
-            <a:r>
-              <a:rPr lang="en" sz="1500">
-                <a:solidFill>
-                  <a:schemeClr val="dk1"/>
-                </a:solidFill>
-                <a:latin typeface="Helvetica Neue"/>
-                <a:ea typeface="Helvetica Neue"/>
-                <a:cs typeface="Helvetica Neue"/>
-                <a:sym typeface="Helvetica Neue"/>
-              </a:rPr>
-              <a:t> Implements seven reasoning styles (Chain of Thought, Tree of Thought, solo </a:t>
-            </a:r>
-            <a:r>
-              <a:rPr lang="en" sz="1500">
-                <a:solidFill>
-                  <a:schemeClr val="dk1"/>
-                </a:solidFill>
-                <a:latin typeface="Helvetica Neue"/>
-                <a:ea typeface="Helvetica Neue"/>
-                <a:cs typeface="Helvetica Neue"/>
-                <a:sym typeface="Helvetica Neue"/>
-              </a:rPr>
-              <a:t>performance</a:t>
-            </a:r>
-            <a:r>
-              <a:rPr lang="en" sz="1500">
-                <a:solidFill>
-                  <a:schemeClr val="dk1"/>
-                </a:solidFill>
-                <a:latin typeface="Helvetica Neue"/>
-                <a:ea typeface="Helvetica Neue"/>
-                <a:cs typeface="Helvetica Neue"/>
-                <a:sym typeface="Helvetica Neue"/>
-              </a:rPr>
-              <a:t>, Stepback etc), each solving problems </a:t>
-            </a:r>
-            <a:r>
-              <a:rPr lang="en" sz="1500">
-                <a:solidFill>
-                  <a:schemeClr val="dk1"/>
-                </a:solidFill>
-                <a:latin typeface="Helvetica Neue"/>
-                <a:ea typeface="Helvetica Neue"/>
-                <a:cs typeface="Helvetica Neue"/>
-                <a:sym typeface="Helvetica Neue"/>
-              </a:rPr>
-              <a:t>i</a:t>
-            </a:r>
-            <a:r>
-              <a:rPr lang="en" sz="1500">
-                <a:solidFill>
-                  <a:schemeClr val="dk1"/>
-                </a:solidFill>
-                <a:latin typeface="Helvetica Neue"/>
-                <a:ea typeface="Helvetica Neue"/>
-                <a:cs typeface="Helvetica Neue"/>
-                <a:sym typeface="Helvetica Neue"/>
-              </a:rPr>
-              <a:t>ndependently.</a:t>
-            </a:r>
-            <a:br>
-              <a:rPr lang="en" sz="1500">
-                <a:solidFill>
-                  <a:schemeClr val="dk1"/>
-                </a:solidFill>
-                <a:latin typeface="Helvetica Neue"/>
-                <a:ea typeface="Helvetica Neue"/>
-                <a:cs typeface="Helvetica Neue"/>
-                <a:sym typeface="Helvetica Neue"/>
-              </a:rPr>
-            </a:br>
-            <a:endParaRPr sz="1500">
-              <a:solidFill>
-                <a:schemeClr val="dk1"/>
-              </a:solidFill>
-              <a:latin typeface="Helvetica Neue"/>
-              <a:ea typeface="Helvetica Neue"/>
-              <a:cs typeface="Helvetica Neue"/>
-              <a:sym typeface="Helvetica Neue"/>
-            </a:endParaRPr>
-          </a:p>
-          <a:p>
-            <a:pPr indent="-323850" lvl="0" marL="457200" rtl="0" algn="l">
-              <a:spcBef>
-                <a:spcPts val="0"/>
-              </a:spcBef>
-              <a:spcAft>
-                <a:spcPts val="0"/>
-              </a:spcAft>
-              <a:buClr>
-                <a:schemeClr val="dk1"/>
-              </a:buClr>
-              <a:buSzPts val="1500"/>
-              <a:buFont typeface="Arial"/>
-              <a:buChar char="●"/>
-            </a:pPr>
-            <a:r>
-              <a:rPr b="1" lang="en" sz="1500">
-                <a:solidFill>
-                  <a:schemeClr val="dk1"/>
-                </a:solidFill>
-                <a:latin typeface="Helvetica Neue"/>
-                <a:ea typeface="Helvetica Neue"/>
-                <a:cs typeface="Helvetica Neue"/>
-                <a:sym typeface="Helvetica Neue"/>
-              </a:rPr>
-              <a:t>Generalizer Role:</a:t>
-            </a:r>
-            <a:r>
-              <a:rPr lang="en" sz="1500">
-                <a:solidFill>
-                  <a:schemeClr val="dk1"/>
-                </a:solidFill>
-                <a:latin typeface="Helvetica Neue"/>
-                <a:ea typeface="Helvetica Neue"/>
-                <a:cs typeface="Helvetica Neue"/>
-                <a:sym typeface="Helvetica Neue"/>
-              </a:rPr>
-              <a:t>  </a:t>
-            </a:r>
-            <a:r>
-              <a:rPr lang="en" sz="1500">
-                <a:solidFill>
-                  <a:schemeClr val="dk1"/>
-                </a:solidFill>
-                <a:latin typeface="Helvetica Neue"/>
-                <a:ea typeface="Helvetica Neue"/>
-                <a:cs typeface="Helvetica Neue"/>
-                <a:sym typeface="Helvetica Neue"/>
-              </a:rPr>
-              <a:t>Synthesizes</a:t>
-            </a:r>
-            <a:r>
-              <a:rPr lang="en" sz="1500">
-                <a:solidFill>
-                  <a:schemeClr val="dk1"/>
-                </a:solidFill>
-                <a:latin typeface="Helvetica Neue"/>
-                <a:ea typeface="Helvetica Neue"/>
-                <a:cs typeface="Helvetica Neue"/>
-                <a:sym typeface="Helvetica Neue"/>
-              </a:rPr>
-              <a:t> outputs from selected agents into a unified, coherent solution.</a:t>
-            </a:r>
-            <a:br>
-              <a:rPr lang="en" sz="1500">
-                <a:solidFill>
-                  <a:schemeClr val="dk1"/>
-                </a:solidFill>
-                <a:latin typeface="Helvetica Neue"/>
-                <a:ea typeface="Helvetica Neue"/>
-                <a:cs typeface="Helvetica Neue"/>
-                <a:sym typeface="Helvetica Neue"/>
-              </a:rPr>
-            </a:br>
-            <a:endParaRPr sz="1500">
-              <a:solidFill>
-                <a:schemeClr val="dk1"/>
-              </a:solidFill>
-              <a:latin typeface="Helvetica Neue"/>
-              <a:ea typeface="Helvetica Neue"/>
-              <a:cs typeface="Helvetica Neue"/>
-              <a:sym typeface="Helvetica Neue"/>
-            </a:endParaRPr>
-          </a:p>
-          <a:p>
-            <a:pPr indent="-323850" lvl="0" marL="457200" rtl="0" algn="l">
-              <a:spcBef>
-                <a:spcPts val="0"/>
-              </a:spcBef>
-              <a:spcAft>
-                <a:spcPts val="0"/>
-              </a:spcAft>
-              <a:buClr>
-                <a:schemeClr val="dk1"/>
-              </a:buClr>
-              <a:buSzPts val="1500"/>
-              <a:buFont typeface="Arial"/>
-              <a:buChar char="●"/>
-            </a:pPr>
-            <a:r>
-              <a:rPr b="1" lang="en" sz="1500">
-                <a:solidFill>
-                  <a:schemeClr val="dk1"/>
-                </a:solidFill>
-                <a:latin typeface="Helvetica Neue"/>
-                <a:ea typeface="Helvetica Neue"/>
-                <a:cs typeface="Helvetica Neue"/>
-                <a:sym typeface="Helvetica Neue"/>
-              </a:rPr>
-              <a:t>Master Agent:</a:t>
-            </a:r>
-            <a:r>
-              <a:rPr lang="en" sz="1500">
-                <a:solidFill>
-                  <a:schemeClr val="dk1"/>
-                </a:solidFill>
-                <a:latin typeface="Helvetica Neue"/>
-                <a:ea typeface="Helvetica Neue"/>
-                <a:cs typeface="Helvetica Neue"/>
-                <a:sym typeface="Helvetica Neue"/>
-              </a:rPr>
-              <a:t> Coordinates agent selection (Random 3), collects responses, and ensures collaborative problem-solving.</a:t>
-            </a:r>
-            <a:br>
-              <a:rPr lang="en" sz="1500">
-                <a:solidFill>
-                  <a:schemeClr val="dk1"/>
-                </a:solidFill>
-                <a:latin typeface="Helvetica Neue"/>
-                <a:ea typeface="Helvetica Neue"/>
-                <a:cs typeface="Helvetica Neue"/>
-                <a:sym typeface="Helvetica Neue"/>
-              </a:rPr>
-            </a:br>
-            <a:endParaRPr sz="1500">
-              <a:solidFill>
-                <a:schemeClr val="dk1"/>
-              </a:solidFill>
-              <a:latin typeface="Helvetica Neue"/>
-              <a:ea typeface="Helvetica Neue"/>
-              <a:cs typeface="Helvetica Neue"/>
-              <a:sym typeface="Helvetica Neue"/>
-            </a:endParaRPr>
-          </a:p>
-          <a:p>
-            <a:pPr indent="-323850" lvl="0" marL="457200" rtl="0" algn="l">
-              <a:spcBef>
-                <a:spcPts val="0"/>
-              </a:spcBef>
-              <a:spcAft>
-                <a:spcPts val="0"/>
-              </a:spcAft>
-              <a:buClr>
-                <a:schemeClr val="dk1"/>
-              </a:buClr>
-              <a:buSzPts val="1500"/>
-              <a:buFont typeface="Helvetica Neue"/>
-              <a:buChar char="●"/>
-            </a:pPr>
-            <a:r>
-              <a:rPr lang="en" sz="1500">
-                <a:solidFill>
-                  <a:schemeClr val="dk1"/>
-                </a:solidFill>
-                <a:latin typeface="Helvetica Neue"/>
-                <a:ea typeface="Helvetica Neue"/>
-                <a:cs typeface="Helvetica Neue"/>
-                <a:sym typeface="Helvetica Neue"/>
-              </a:rPr>
-              <a:t>The collection output is then compared to the ground truth answer for each of the 100 test samples and accuracy is reported for all the 4 models.</a:t>
-            </a:r>
-            <a:endParaRPr sz="3200">
-              <a:latin typeface="Helvetica Neue"/>
-              <a:ea typeface="Helvetica Neue"/>
-              <a:cs typeface="Helvetica Neue"/>
-              <a:sym typeface="Helvetica Neue"/>
-            </a:endParaRPr>
-          </a:p>
-        </p:txBody>
-      </p:sp>
+      </p:pic>
     </p:spTree>
   </p:cSld>
   <p:clrMapOvr>
@@ -18817,6 +19255,441 @@
         </p:nvSpPr>
         <p:spPr>
           <a:xfrm>
+            <a:off x="685800" y="239485"/>
+            <a:ext cx="6847200" cy="503400"/>
+          </a:xfrm>
+          <a:prstGeom prst="rect">
+            <a:avLst/>
+          </a:prstGeom>
+        </p:spPr>
+        <p:txBody>
+          <a:bodyPr anchorCtr="0" anchor="ctr" bIns="45700" lIns="91425" spcFirstLastPara="1" rIns="91425" wrap="square" tIns="45700">
+            <a:normAutofit fontScale="90000"/>
+          </a:bodyPr>
+          <a:lstStyle/>
+          <a:p>
+            <a:pPr indent="0" lvl="0" marL="0" rtl="0" algn="l">
+              <a:spcBef>
+                <a:spcPts val="0"/>
+              </a:spcBef>
+              <a:spcAft>
+                <a:spcPts val="0"/>
+              </a:spcAft>
+              <a:buNone/>
+            </a:pPr>
+            <a:r>
+              <a:rPr lang="en"/>
+              <a:t>Multi Agent</a:t>
+            </a:r>
+            <a:endParaRPr/>
+          </a:p>
+        </p:txBody>
+      </p:sp>
+      <p:sp>
+        <p:nvSpPr>
+          <p:cNvPr id="218" name="Google Shape;218;p36"/>
+          <p:cNvSpPr txBox="1"/>
+          <p:nvPr>
+            <p:ph idx="1" type="body"/>
+          </p:nvPr>
+        </p:nvSpPr>
+        <p:spPr>
+          <a:xfrm>
+            <a:off x="685800" y="1294601"/>
+            <a:ext cx="7772400" cy="3256200"/>
+          </a:xfrm>
+          <a:prstGeom prst="rect">
+            <a:avLst/>
+          </a:prstGeom>
+        </p:spPr>
+        <p:txBody>
+          <a:bodyPr anchorCtr="0" anchor="t" bIns="45700" lIns="91425" spcFirstLastPara="1" rIns="91425" wrap="square" tIns="45700">
+            <a:normAutofit/>
+          </a:bodyPr>
+          <a:lstStyle/>
+          <a:p>
+            <a:pPr indent="-323850" lvl="0" marL="457200" rtl="0" algn="l">
+              <a:spcBef>
+                <a:spcPts val="1000"/>
+              </a:spcBef>
+              <a:spcAft>
+                <a:spcPts val="0"/>
+              </a:spcAft>
+              <a:buClr>
+                <a:schemeClr val="dk1"/>
+              </a:buClr>
+              <a:buSzPts val="1500"/>
+              <a:buFont typeface="Arial"/>
+              <a:buChar char="●"/>
+            </a:pPr>
+            <a:r>
+              <a:rPr b="1" lang="en" sz="1500">
+                <a:solidFill>
+                  <a:schemeClr val="dk1"/>
+                </a:solidFill>
+                <a:latin typeface="Helvetica Neue"/>
+                <a:ea typeface="Helvetica Neue"/>
+                <a:cs typeface="Helvetica Neue"/>
+                <a:sym typeface="Helvetica Neue"/>
+              </a:rPr>
+              <a:t>Meta-Reasoning Inspiration:</a:t>
+            </a:r>
+            <a:r>
+              <a:rPr lang="en" sz="1500">
+                <a:solidFill>
+                  <a:schemeClr val="dk1"/>
+                </a:solidFill>
+                <a:latin typeface="Helvetica Neue"/>
+                <a:ea typeface="Helvetica Neue"/>
+                <a:cs typeface="Helvetica Neue"/>
+                <a:sym typeface="Helvetica Neue"/>
+              </a:rPr>
+              <a:t> Adapts Meta-Reasoning Prompting to dynamically combine specialized reasoning methods for accuracy and flexibility.</a:t>
+            </a:r>
+            <a:br>
+              <a:rPr lang="en" sz="1500">
+                <a:solidFill>
+                  <a:schemeClr val="dk1"/>
+                </a:solidFill>
+                <a:latin typeface="Helvetica Neue"/>
+                <a:ea typeface="Helvetica Neue"/>
+                <a:cs typeface="Helvetica Neue"/>
+                <a:sym typeface="Helvetica Neue"/>
+              </a:rPr>
+            </a:br>
+            <a:endParaRPr sz="1500">
+              <a:solidFill>
+                <a:schemeClr val="dk1"/>
+              </a:solidFill>
+              <a:latin typeface="Helvetica Neue"/>
+              <a:ea typeface="Helvetica Neue"/>
+              <a:cs typeface="Helvetica Neue"/>
+              <a:sym typeface="Helvetica Neue"/>
+            </a:endParaRPr>
+          </a:p>
+          <a:p>
+            <a:pPr indent="-323850" lvl="0" marL="457200" rtl="0" algn="l">
+              <a:spcBef>
+                <a:spcPts val="0"/>
+              </a:spcBef>
+              <a:spcAft>
+                <a:spcPts val="0"/>
+              </a:spcAft>
+              <a:buClr>
+                <a:schemeClr val="dk1"/>
+              </a:buClr>
+              <a:buSzPts val="1500"/>
+              <a:buFont typeface="Arial"/>
+              <a:buChar char="●"/>
+            </a:pPr>
+            <a:r>
+              <a:rPr b="1" lang="en" sz="1500">
+                <a:solidFill>
+                  <a:schemeClr val="dk1"/>
+                </a:solidFill>
+                <a:latin typeface="Helvetica Neue"/>
+                <a:ea typeface="Helvetica Neue"/>
+                <a:cs typeface="Helvetica Neue"/>
+                <a:sym typeface="Helvetica Neue"/>
+              </a:rPr>
+              <a:t>Specialized Agents:</a:t>
+            </a:r>
+            <a:r>
+              <a:rPr lang="en" sz="1500">
+                <a:solidFill>
+                  <a:schemeClr val="dk1"/>
+                </a:solidFill>
+                <a:latin typeface="Helvetica Neue"/>
+                <a:ea typeface="Helvetica Neue"/>
+                <a:cs typeface="Helvetica Neue"/>
+                <a:sym typeface="Helvetica Neue"/>
+              </a:rPr>
+              <a:t> Implements seven reasoning styles (Chain of Thought, Tree of Thought, solo </a:t>
+            </a:r>
+            <a:r>
+              <a:rPr lang="en" sz="1500">
+                <a:solidFill>
+                  <a:schemeClr val="dk1"/>
+                </a:solidFill>
+                <a:latin typeface="Helvetica Neue"/>
+                <a:ea typeface="Helvetica Neue"/>
+                <a:cs typeface="Helvetica Neue"/>
+                <a:sym typeface="Helvetica Neue"/>
+              </a:rPr>
+              <a:t>performance</a:t>
+            </a:r>
+            <a:r>
+              <a:rPr lang="en" sz="1500">
+                <a:solidFill>
+                  <a:schemeClr val="dk1"/>
+                </a:solidFill>
+                <a:latin typeface="Helvetica Neue"/>
+                <a:ea typeface="Helvetica Neue"/>
+                <a:cs typeface="Helvetica Neue"/>
+                <a:sym typeface="Helvetica Neue"/>
+              </a:rPr>
+              <a:t>, Stepback etc), each solving problems </a:t>
+            </a:r>
+            <a:r>
+              <a:rPr lang="en" sz="1500">
+                <a:solidFill>
+                  <a:schemeClr val="dk1"/>
+                </a:solidFill>
+                <a:latin typeface="Helvetica Neue"/>
+                <a:ea typeface="Helvetica Neue"/>
+                <a:cs typeface="Helvetica Neue"/>
+                <a:sym typeface="Helvetica Neue"/>
+              </a:rPr>
+              <a:t>i</a:t>
+            </a:r>
+            <a:r>
+              <a:rPr lang="en" sz="1500">
+                <a:solidFill>
+                  <a:schemeClr val="dk1"/>
+                </a:solidFill>
+                <a:latin typeface="Helvetica Neue"/>
+                <a:ea typeface="Helvetica Neue"/>
+                <a:cs typeface="Helvetica Neue"/>
+                <a:sym typeface="Helvetica Neue"/>
+              </a:rPr>
+              <a:t>ndependently.</a:t>
+            </a:r>
+            <a:br>
+              <a:rPr lang="en" sz="1500">
+                <a:solidFill>
+                  <a:schemeClr val="dk1"/>
+                </a:solidFill>
+                <a:latin typeface="Helvetica Neue"/>
+                <a:ea typeface="Helvetica Neue"/>
+                <a:cs typeface="Helvetica Neue"/>
+                <a:sym typeface="Helvetica Neue"/>
+              </a:rPr>
+            </a:br>
+            <a:endParaRPr sz="1500">
+              <a:solidFill>
+                <a:schemeClr val="dk1"/>
+              </a:solidFill>
+              <a:latin typeface="Helvetica Neue"/>
+              <a:ea typeface="Helvetica Neue"/>
+              <a:cs typeface="Helvetica Neue"/>
+              <a:sym typeface="Helvetica Neue"/>
+            </a:endParaRPr>
+          </a:p>
+          <a:p>
+            <a:pPr indent="-323850" lvl="0" marL="457200" rtl="0" algn="l">
+              <a:spcBef>
+                <a:spcPts val="0"/>
+              </a:spcBef>
+              <a:spcAft>
+                <a:spcPts val="0"/>
+              </a:spcAft>
+              <a:buClr>
+                <a:schemeClr val="dk1"/>
+              </a:buClr>
+              <a:buSzPts val="1500"/>
+              <a:buFont typeface="Arial"/>
+              <a:buChar char="●"/>
+            </a:pPr>
+            <a:r>
+              <a:rPr b="1" lang="en" sz="1500">
+                <a:solidFill>
+                  <a:schemeClr val="dk1"/>
+                </a:solidFill>
+                <a:latin typeface="Helvetica Neue"/>
+                <a:ea typeface="Helvetica Neue"/>
+                <a:cs typeface="Helvetica Neue"/>
+                <a:sym typeface="Helvetica Neue"/>
+              </a:rPr>
+              <a:t>Generalizer Role:</a:t>
+            </a:r>
+            <a:r>
+              <a:rPr lang="en" sz="1500">
+                <a:solidFill>
+                  <a:schemeClr val="dk1"/>
+                </a:solidFill>
+                <a:latin typeface="Helvetica Neue"/>
+                <a:ea typeface="Helvetica Neue"/>
+                <a:cs typeface="Helvetica Neue"/>
+                <a:sym typeface="Helvetica Neue"/>
+              </a:rPr>
+              <a:t>  </a:t>
+            </a:r>
+            <a:r>
+              <a:rPr lang="en" sz="1500">
+                <a:solidFill>
+                  <a:schemeClr val="dk1"/>
+                </a:solidFill>
+                <a:latin typeface="Helvetica Neue"/>
+                <a:ea typeface="Helvetica Neue"/>
+                <a:cs typeface="Helvetica Neue"/>
+                <a:sym typeface="Helvetica Neue"/>
+              </a:rPr>
+              <a:t>Synthesizes</a:t>
+            </a:r>
+            <a:r>
+              <a:rPr lang="en" sz="1500">
+                <a:solidFill>
+                  <a:schemeClr val="dk1"/>
+                </a:solidFill>
+                <a:latin typeface="Helvetica Neue"/>
+                <a:ea typeface="Helvetica Neue"/>
+                <a:cs typeface="Helvetica Neue"/>
+                <a:sym typeface="Helvetica Neue"/>
+              </a:rPr>
+              <a:t> outputs from selected agents into a unified, coherent solution.</a:t>
+            </a:r>
+            <a:br>
+              <a:rPr lang="en" sz="1500">
+                <a:solidFill>
+                  <a:schemeClr val="dk1"/>
+                </a:solidFill>
+                <a:latin typeface="Helvetica Neue"/>
+                <a:ea typeface="Helvetica Neue"/>
+                <a:cs typeface="Helvetica Neue"/>
+                <a:sym typeface="Helvetica Neue"/>
+              </a:rPr>
+            </a:br>
+            <a:endParaRPr sz="1500">
+              <a:solidFill>
+                <a:schemeClr val="dk1"/>
+              </a:solidFill>
+              <a:latin typeface="Helvetica Neue"/>
+              <a:ea typeface="Helvetica Neue"/>
+              <a:cs typeface="Helvetica Neue"/>
+              <a:sym typeface="Helvetica Neue"/>
+            </a:endParaRPr>
+          </a:p>
+          <a:p>
+            <a:pPr indent="-323850" lvl="0" marL="457200" rtl="0" algn="l">
+              <a:spcBef>
+                <a:spcPts val="0"/>
+              </a:spcBef>
+              <a:spcAft>
+                <a:spcPts val="0"/>
+              </a:spcAft>
+              <a:buClr>
+                <a:schemeClr val="dk1"/>
+              </a:buClr>
+              <a:buSzPts val="1500"/>
+              <a:buFont typeface="Arial"/>
+              <a:buChar char="●"/>
+            </a:pPr>
+            <a:r>
+              <a:rPr b="1" lang="en" sz="1500">
+                <a:solidFill>
+                  <a:schemeClr val="dk1"/>
+                </a:solidFill>
+                <a:latin typeface="Helvetica Neue"/>
+                <a:ea typeface="Helvetica Neue"/>
+                <a:cs typeface="Helvetica Neue"/>
+                <a:sym typeface="Helvetica Neue"/>
+              </a:rPr>
+              <a:t>Master Agent:</a:t>
+            </a:r>
+            <a:r>
+              <a:rPr lang="en" sz="1500">
+                <a:solidFill>
+                  <a:schemeClr val="dk1"/>
+                </a:solidFill>
+                <a:latin typeface="Helvetica Neue"/>
+                <a:ea typeface="Helvetica Neue"/>
+                <a:cs typeface="Helvetica Neue"/>
+                <a:sym typeface="Helvetica Neue"/>
+              </a:rPr>
+              <a:t> Coordinates agent selection (Random 3), collects responses, and ensures collaborative problem-solving.</a:t>
+            </a:r>
+            <a:br>
+              <a:rPr lang="en" sz="1500">
+                <a:solidFill>
+                  <a:schemeClr val="dk1"/>
+                </a:solidFill>
+                <a:latin typeface="Helvetica Neue"/>
+                <a:ea typeface="Helvetica Neue"/>
+                <a:cs typeface="Helvetica Neue"/>
+                <a:sym typeface="Helvetica Neue"/>
+              </a:rPr>
+            </a:br>
+            <a:endParaRPr sz="1500">
+              <a:solidFill>
+                <a:schemeClr val="dk1"/>
+              </a:solidFill>
+              <a:latin typeface="Helvetica Neue"/>
+              <a:ea typeface="Helvetica Neue"/>
+              <a:cs typeface="Helvetica Neue"/>
+              <a:sym typeface="Helvetica Neue"/>
+            </a:endParaRPr>
+          </a:p>
+          <a:p>
+            <a:pPr indent="-323850" lvl="0" marL="457200" rtl="0" algn="l">
+              <a:spcBef>
+                <a:spcPts val="0"/>
+              </a:spcBef>
+              <a:spcAft>
+                <a:spcPts val="0"/>
+              </a:spcAft>
+              <a:buClr>
+                <a:schemeClr val="dk1"/>
+              </a:buClr>
+              <a:buSzPts val="1500"/>
+              <a:buFont typeface="Helvetica Neue"/>
+              <a:buChar char="●"/>
+            </a:pPr>
+            <a:r>
+              <a:rPr lang="en" sz="1500">
+                <a:solidFill>
+                  <a:schemeClr val="dk1"/>
+                </a:solidFill>
+                <a:latin typeface="Helvetica Neue"/>
+                <a:ea typeface="Helvetica Neue"/>
+                <a:cs typeface="Helvetica Neue"/>
+                <a:sym typeface="Helvetica Neue"/>
+              </a:rPr>
+              <a:t>The collection output is then compared to the ground truth answer for each of the 100 test samples and accuracy is reported for all the 4 models.</a:t>
+            </a:r>
+            <a:endParaRPr sz="3200">
+              <a:latin typeface="Helvetica Neue"/>
+              <a:ea typeface="Helvetica Neue"/>
+              <a:cs typeface="Helvetica Neue"/>
+              <a:sym typeface="Helvetica Neue"/>
+            </a:endParaRPr>
+          </a:p>
+        </p:txBody>
+      </p:sp>
+    </p:spTree>
+  </p:cSld>
+  <p:clrMapOvr>
+    <a:masterClrMapping/>
+  </p:clrMapOvr>
+</p:sld>
+</file>
+
+<file path=ppt/slides/slide13.xml><?xml version="1.0" encoding="utf-8"?>
+<p:sld xmlns:a="http://schemas.openxmlformats.org/drawingml/2006/main" xmlns:r="http://schemas.openxmlformats.org/officeDocument/2006/relationships" xmlns:mc="http://schemas.openxmlformats.org/markup-compatibility/2006" xmlns:mv="urn:schemas-microsoft-com:mac:vml" xmlns:p="http://schemas.openxmlformats.org/presentationml/2006/main" xmlns:c="http://schemas.openxmlformats.org/drawingml/2006/chart" xmlns:dgm="http://schemas.openxmlformats.org/drawingml/2006/diagram" xmlns:o="urn:schemas-microsoft-com:office:office" xmlns:v="urn:schemas-microsoft-com:vml" xmlns:pvml="urn:schemas-microsoft-com:office:powerpoint" xmlns:com="http://schemas.openxmlformats.org/drawingml/2006/compatibility" xmlns:p14="http://schemas.microsoft.com/office/powerpoint/2010/main" xmlns:p15="http://schemas.microsoft.com/office/powerpoint/2012/main" xmlns:ahyp="http://schemas.microsoft.com/office/drawing/2018/hyperlinkcolor">
+  <p:cSld>
+    <p:spTree>
+      <p:nvGrpSpPr>
+        <p:cNvPr id="222" name="Shape 222"/>
+        <p:cNvGrpSpPr/>
+        <p:nvPr/>
+      </p:nvGrpSpPr>
+      <p:grpSpPr>
+        <a:xfrm>
+          <a:off x="0" y="0"/>
+          <a:ext cx="0" cy="0"/>
+          <a:chOff x="0" y="0"/>
+          <a:chExt cx="0" cy="0"/>
+        </a:xfrm>
+      </p:grpSpPr>
+      <p:sp>
+        <p:nvSpPr>
+          <p:cNvPr id="223" name="Google Shape;223;p37"/>
+          <p:cNvSpPr txBox="1"/>
+          <p:nvPr>
+            <p:ph type="title"/>
+          </p:nvPr>
+        </p:nvSpPr>
+        <p:spPr>
+          <a:xfrm>
             <a:off x="676725" y="171160"/>
             <a:ext cx="6847200" cy="503400"/>
           </a:xfrm>
@@ -18849,7 +19722,7 @@
       </p:sp>
       <p:graphicFrame>
         <p:nvGraphicFramePr>
-          <p:cNvPr id="218" name="Google Shape;218;p36"/>
+          <p:cNvPr id="224" name="Google Shape;224;p37"/>
           <p:cNvGraphicFramePr/>
           <p:nvPr/>
         </p:nvGraphicFramePr>
@@ -18862,7 +19735,7 @@
             <a:tbl>
               <a:tblPr>
                 <a:noFill/>
-                <a:tableStyleId>{8B2CCF49-2115-4302-B959-58B517B76B85}</a:tableStyleId>
+                <a:tableStyleId>{BC9B1DDC-5331-4240-968B-B417EC4D112B}</a:tableStyleId>
               </a:tblPr>
               <a:tblGrid>
                 <a:gridCol w="3238875"/>
@@ -19410,99 +20283,6 @@
 </p:sld>
 </file>
 
-<file path=ppt/slides/slide13.xml><?xml version="1.0" encoding="utf-8"?>
-<p:sld xmlns:a="http://schemas.openxmlformats.org/drawingml/2006/main" xmlns:r="http://schemas.openxmlformats.org/officeDocument/2006/relationships" xmlns:mc="http://schemas.openxmlformats.org/markup-compatibility/2006" xmlns:mv="urn:schemas-microsoft-com:mac:vml" xmlns:p="http://schemas.openxmlformats.org/presentationml/2006/main" xmlns:c="http://schemas.openxmlformats.org/drawingml/2006/chart" xmlns:dgm="http://schemas.openxmlformats.org/drawingml/2006/diagram" xmlns:o="urn:schemas-microsoft-com:office:office" xmlns:v="urn:schemas-microsoft-com:vml" xmlns:pvml="urn:schemas-microsoft-com:office:powerpoint" xmlns:com="http://schemas.openxmlformats.org/drawingml/2006/compatibility" xmlns:p14="http://schemas.microsoft.com/office/powerpoint/2010/main" xmlns:p15="http://schemas.microsoft.com/office/powerpoint/2012/main" xmlns:ahyp="http://schemas.microsoft.com/office/drawing/2018/hyperlinkcolor">
-  <p:cSld>
-    <p:spTree>
-      <p:nvGrpSpPr>
-        <p:cNvPr id="222" name="Shape 222"/>
-        <p:cNvGrpSpPr/>
-        <p:nvPr/>
-      </p:nvGrpSpPr>
-      <p:grpSpPr>
-        <a:xfrm>
-          <a:off x="0" y="0"/>
-          <a:ext cx="0" cy="0"/>
-          <a:chOff x="0" y="0"/>
-          <a:chExt cx="0" cy="0"/>
-        </a:xfrm>
-      </p:grpSpPr>
-      <p:sp>
-        <p:nvSpPr>
-          <p:cNvPr id="223" name="Google Shape;223;p37"/>
-          <p:cNvSpPr txBox="1"/>
-          <p:nvPr>
-            <p:ph type="title"/>
-          </p:nvPr>
-        </p:nvSpPr>
-        <p:spPr>
-          <a:xfrm>
-            <a:off x="685800" y="239485"/>
-            <a:ext cx="6847200" cy="503400"/>
-          </a:xfrm>
-          <a:prstGeom prst="rect">
-            <a:avLst/>
-          </a:prstGeom>
-        </p:spPr>
-        <p:txBody>
-          <a:bodyPr anchorCtr="0" anchor="ctr" bIns="45700" lIns="91425" spcFirstLastPara="1" rIns="91425" wrap="square" tIns="45700">
-            <a:normAutofit fontScale="90000"/>
-          </a:bodyPr>
-          <a:lstStyle/>
-          <a:p>
-            <a:pPr indent="0" lvl="0" marL="0" rtl="0" algn="l">
-              <a:spcBef>
-                <a:spcPts val="0"/>
-              </a:spcBef>
-              <a:spcAft>
-                <a:spcPts val="0"/>
-              </a:spcAft>
-              <a:buNone/>
-            </a:pPr>
-            <a:r>
-              <a:rPr lang="en"/>
-              <a:t>MultiAgent with RAG : Architecture</a:t>
-            </a:r>
-            <a:endParaRPr/>
-          </a:p>
-        </p:txBody>
-      </p:sp>
-      <p:pic>
-        <p:nvPicPr>
-          <p:cNvPr id="224" name="Google Shape;224;p37"/>
-          <p:cNvPicPr preferRelativeResize="0"/>
-          <p:nvPr/>
-        </p:nvPicPr>
-        <p:blipFill>
-          <a:blip r:embed="rId3">
-            <a:alphaModFix/>
-          </a:blip>
-          <a:stretch>
-            <a:fillRect/>
-          </a:stretch>
-        </p:blipFill>
-        <p:spPr>
-          <a:xfrm>
-            <a:off x="951850" y="971075"/>
-            <a:ext cx="7135974" cy="3937324"/>
-          </a:xfrm>
-          <a:prstGeom prst="rect">
-            <a:avLst/>
-          </a:prstGeom>
-          <a:noFill/>
-          <a:ln>
-            <a:noFill/>
-          </a:ln>
-        </p:spPr>
-      </p:pic>
-    </p:spTree>
-  </p:cSld>
-  <p:clrMapOvr>
-    <a:masterClrMapping/>
-  </p:clrMapOvr>
-</p:sld>
-</file>
-
 <file path=ppt/slides/slide14.xml><?xml version="1.0" encoding="utf-8"?>
 <p:sld xmlns:a="http://schemas.openxmlformats.org/drawingml/2006/main" xmlns:r="http://schemas.openxmlformats.org/officeDocument/2006/relationships" xmlns:mc="http://schemas.openxmlformats.org/markup-compatibility/2006" xmlns:mv="urn:schemas-microsoft-com:mac:vml" xmlns:p="http://schemas.openxmlformats.org/presentationml/2006/main" xmlns:c="http://schemas.openxmlformats.org/drawingml/2006/chart" xmlns:dgm="http://schemas.openxmlformats.org/drawingml/2006/diagram" xmlns:o="urn:schemas-microsoft-com:office:office" xmlns:v="urn:schemas-microsoft-com:vml" xmlns:pvml="urn:schemas-microsoft-com:office:powerpoint" xmlns:com="http://schemas.openxmlformats.org/drawingml/2006/compatibility" xmlns:p14="http://schemas.microsoft.com/office/powerpoint/2010/main" xmlns:p15="http://schemas.microsoft.com/office/powerpoint/2012/main" xmlns:ahyp="http://schemas.microsoft.com/office/drawing/2018/hyperlinkcolor">
   <p:cSld>
@@ -19554,22 +20334,30 @@
             </a:pPr>
             <a:r>
               <a:rPr lang="en"/>
-              <a:t>MultiAgent with RAG : Architecture</a:t>
+              <a:t>Multi Agent with RAG : Architecture</a:t>
             </a:r>
             <a:endParaRPr/>
           </a:p>
         </p:txBody>
       </p:sp>
-      <p:sp>
-        <p:nvSpPr>
+      <p:pic>
+        <p:nvPicPr>
           <p:cNvPr id="230" name="Google Shape;230;p38"/>
-          <p:cNvSpPr txBox="1"/>
+          <p:cNvPicPr preferRelativeResize="0"/>
           <p:nvPr/>
-        </p:nvSpPr>
+        </p:nvPicPr>
+        <p:blipFill>
+          <a:blip r:embed="rId3">
+            <a:alphaModFix/>
+          </a:blip>
+          <a:stretch>
+            <a:fillRect/>
+          </a:stretch>
+        </p:blipFill>
         <p:spPr>
           <a:xfrm>
-            <a:off x="736075" y="881475"/>
-            <a:ext cx="8060700" cy="4044000"/>
+            <a:off x="951850" y="971075"/>
+            <a:ext cx="7135974" cy="3937324"/>
           </a:xfrm>
           <a:prstGeom prst="rect">
             <a:avLst/>
@@ -19579,317 +20367,7 @@
             <a:noFill/>
           </a:ln>
         </p:spPr>
-        <p:txBody>
-          <a:bodyPr anchorCtr="0" anchor="t" bIns="91425" lIns="91425" spcFirstLastPara="1" rIns="91425" wrap="square" tIns="91425">
-            <a:noAutofit/>
-          </a:bodyPr>
-          <a:lstStyle/>
-          <a:p>
-            <a:pPr indent="-323850" lvl="0" marL="457200" rtl="0" algn="l">
-              <a:lnSpc>
-                <a:spcPct val="90000"/>
-              </a:lnSpc>
-              <a:spcBef>
-                <a:spcPts val="1000"/>
-              </a:spcBef>
-              <a:spcAft>
-                <a:spcPts val="0"/>
-              </a:spcAft>
-              <a:buClr>
-                <a:schemeClr val="dk1"/>
-              </a:buClr>
-              <a:buSzPts val="1500"/>
-              <a:buFont typeface="Arial"/>
-              <a:buChar char="●"/>
-            </a:pPr>
-            <a:r>
-              <a:rPr b="1" lang="en" sz="1500">
-                <a:solidFill>
-                  <a:schemeClr val="dk1"/>
-                </a:solidFill>
-                <a:latin typeface="Helvetica Neue"/>
-                <a:ea typeface="Helvetica Neue"/>
-                <a:cs typeface="Helvetica Neue"/>
-                <a:sym typeface="Helvetica Neue"/>
-              </a:rPr>
-              <a:t>Meta-Reasoning Inspiration:</a:t>
-            </a:r>
-            <a:r>
-              <a:rPr lang="en" sz="1500">
-                <a:solidFill>
-                  <a:schemeClr val="dk1"/>
-                </a:solidFill>
-                <a:latin typeface="Helvetica Neue"/>
-                <a:ea typeface="Helvetica Neue"/>
-                <a:cs typeface="Helvetica Neue"/>
-                <a:sym typeface="Helvetica Neue"/>
-              </a:rPr>
-              <a:t> Adapts Meta-Reasoning Prompting to dynamically combine specialized reasoning methods for accuracy and flexibility.</a:t>
-            </a:r>
-            <a:br>
-              <a:rPr lang="en" sz="1500">
-                <a:solidFill>
-                  <a:schemeClr val="dk1"/>
-                </a:solidFill>
-                <a:latin typeface="Helvetica Neue"/>
-                <a:ea typeface="Helvetica Neue"/>
-                <a:cs typeface="Helvetica Neue"/>
-                <a:sym typeface="Helvetica Neue"/>
-              </a:rPr>
-            </a:br>
-            <a:endParaRPr sz="1500">
-              <a:solidFill>
-                <a:schemeClr val="dk1"/>
-              </a:solidFill>
-              <a:latin typeface="Helvetica Neue"/>
-              <a:ea typeface="Helvetica Neue"/>
-              <a:cs typeface="Helvetica Neue"/>
-              <a:sym typeface="Helvetica Neue"/>
-            </a:endParaRPr>
-          </a:p>
-          <a:p>
-            <a:pPr indent="-323850" lvl="0" marL="457200" rtl="0" algn="l">
-              <a:lnSpc>
-                <a:spcPct val="90000"/>
-              </a:lnSpc>
-              <a:spcBef>
-                <a:spcPts val="0"/>
-              </a:spcBef>
-              <a:spcAft>
-                <a:spcPts val="0"/>
-              </a:spcAft>
-              <a:buClr>
-                <a:schemeClr val="dk1"/>
-              </a:buClr>
-              <a:buSzPts val="1500"/>
-              <a:buFont typeface="Arial"/>
-              <a:buChar char="●"/>
-            </a:pPr>
-            <a:r>
-              <a:rPr b="1" lang="en" sz="1500">
-                <a:solidFill>
-                  <a:schemeClr val="dk1"/>
-                </a:solidFill>
-                <a:latin typeface="Helvetica Neue"/>
-                <a:ea typeface="Helvetica Neue"/>
-                <a:cs typeface="Helvetica Neue"/>
-                <a:sym typeface="Helvetica Neue"/>
-              </a:rPr>
-              <a:t>Specialized Agents:</a:t>
-            </a:r>
-            <a:r>
-              <a:rPr lang="en" sz="1500">
-                <a:solidFill>
-                  <a:schemeClr val="dk1"/>
-                </a:solidFill>
-                <a:latin typeface="Helvetica Neue"/>
-                <a:ea typeface="Helvetica Neue"/>
-                <a:cs typeface="Helvetica Neue"/>
-                <a:sym typeface="Helvetica Neue"/>
-              </a:rPr>
-              <a:t> Implements seven reasoning styles (e.g., Chain of Thought, Tree of Thought, solo performance, Stepback etc), each solving problems independently.</a:t>
-            </a:r>
-            <a:br>
-              <a:rPr lang="en" sz="1500">
-                <a:solidFill>
-                  <a:schemeClr val="dk1"/>
-                </a:solidFill>
-                <a:latin typeface="Helvetica Neue"/>
-                <a:ea typeface="Helvetica Neue"/>
-                <a:cs typeface="Helvetica Neue"/>
-                <a:sym typeface="Helvetica Neue"/>
-              </a:rPr>
-            </a:br>
-            <a:endParaRPr sz="1500">
-              <a:solidFill>
-                <a:schemeClr val="dk1"/>
-              </a:solidFill>
-              <a:latin typeface="Helvetica Neue"/>
-              <a:ea typeface="Helvetica Neue"/>
-              <a:cs typeface="Helvetica Neue"/>
-              <a:sym typeface="Helvetica Neue"/>
-            </a:endParaRPr>
-          </a:p>
-          <a:p>
-            <a:pPr indent="-323850" lvl="0" marL="457200" rtl="0" algn="l">
-              <a:lnSpc>
-                <a:spcPct val="90000"/>
-              </a:lnSpc>
-              <a:spcBef>
-                <a:spcPts val="0"/>
-              </a:spcBef>
-              <a:spcAft>
-                <a:spcPts val="0"/>
-              </a:spcAft>
-              <a:buClr>
-                <a:schemeClr val="dk1"/>
-              </a:buClr>
-              <a:buSzPts val="1500"/>
-              <a:buFont typeface="Arial"/>
-              <a:buChar char="●"/>
-            </a:pPr>
-            <a:r>
-              <a:rPr b="1" lang="en" sz="1500">
-                <a:solidFill>
-                  <a:schemeClr val="dk1"/>
-                </a:solidFill>
-                <a:latin typeface="Helvetica Neue"/>
-                <a:ea typeface="Helvetica Neue"/>
-                <a:cs typeface="Helvetica Neue"/>
-                <a:sym typeface="Helvetica Neue"/>
-              </a:rPr>
-              <a:t>Generalizer Role:</a:t>
-            </a:r>
-            <a:r>
-              <a:rPr lang="en" sz="1500">
-                <a:solidFill>
-                  <a:schemeClr val="dk1"/>
-                </a:solidFill>
-                <a:latin typeface="Helvetica Neue"/>
-                <a:ea typeface="Helvetica Neue"/>
-                <a:cs typeface="Helvetica Neue"/>
-                <a:sym typeface="Helvetica Neue"/>
-              </a:rPr>
-              <a:t>  Synthesizes outputs from selected agents into a unified, coherent solution.</a:t>
-            </a:r>
-            <a:br>
-              <a:rPr lang="en" sz="1500">
-                <a:solidFill>
-                  <a:schemeClr val="dk1"/>
-                </a:solidFill>
-                <a:latin typeface="Helvetica Neue"/>
-                <a:ea typeface="Helvetica Neue"/>
-                <a:cs typeface="Helvetica Neue"/>
-                <a:sym typeface="Helvetica Neue"/>
-              </a:rPr>
-            </a:br>
-            <a:endParaRPr sz="1500">
-              <a:solidFill>
-                <a:schemeClr val="dk1"/>
-              </a:solidFill>
-              <a:latin typeface="Helvetica Neue"/>
-              <a:ea typeface="Helvetica Neue"/>
-              <a:cs typeface="Helvetica Neue"/>
-              <a:sym typeface="Helvetica Neue"/>
-            </a:endParaRPr>
-          </a:p>
-          <a:p>
-            <a:pPr indent="-323850" lvl="0" marL="457200" rtl="0" algn="l">
-              <a:lnSpc>
-                <a:spcPct val="90000"/>
-              </a:lnSpc>
-              <a:spcBef>
-                <a:spcPts val="0"/>
-              </a:spcBef>
-              <a:spcAft>
-                <a:spcPts val="0"/>
-              </a:spcAft>
-              <a:buClr>
-                <a:schemeClr val="dk1"/>
-              </a:buClr>
-              <a:buSzPts val="1500"/>
-              <a:buFont typeface="Arial"/>
-              <a:buChar char="●"/>
-            </a:pPr>
-            <a:r>
-              <a:rPr b="1" lang="en" sz="1500">
-                <a:solidFill>
-                  <a:schemeClr val="dk1"/>
-                </a:solidFill>
-                <a:latin typeface="Helvetica Neue"/>
-                <a:ea typeface="Helvetica Neue"/>
-                <a:cs typeface="Helvetica Neue"/>
-                <a:sym typeface="Helvetica Neue"/>
-              </a:rPr>
-              <a:t>RAG Specalizer: </a:t>
-            </a:r>
-            <a:r>
-              <a:rPr lang="en" sz="1500">
-                <a:solidFill>
-                  <a:schemeClr val="dk1"/>
-                </a:solidFill>
-                <a:latin typeface="Helvetica Neue"/>
-                <a:ea typeface="Helvetica Neue"/>
-                <a:cs typeface="Helvetica Neue"/>
-                <a:sym typeface="Helvetica Neue"/>
-              </a:rPr>
-              <a:t> An additional RAG specializer using pinecone. (Dataset : AQUA_RAT,1000 samples).</a:t>
-            </a:r>
-            <a:br>
-              <a:rPr lang="en" sz="1500">
-                <a:solidFill>
-                  <a:schemeClr val="dk1"/>
-                </a:solidFill>
-                <a:latin typeface="Helvetica Neue"/>
-                <a:ea typeface="Helvetica Neue"/>
-                <a:cs typeface="Helvetica Neue"/>
-                <a:sym typeface="Helvetica Neue"/>
-              </a:rPr>
-            </a:br>
-            <a:endParaRPr sz="1500">
-              <a:solidFill>
-                <a:schemeClr val="dk1"/>
-              </a:solidFill>
-              <a:latin typeface="Helvetica Neue"/>
-              <a:ea typeface="Helvetica Neue"/>
-              <a:cs typeface="Helvetica Neue"/>
-              <a:sym typeface="Helvetica Neue"/>
-            </a:endParaRPr>
-          </a:p>
-          <a:p>
-            <a:pPr indent="-323850" lvl="0" marL="457200" rtl="0" algn="l">
-              <a:lnSpc>
-                <a:spcPct val="90000"/>
-              </a:lnSpc>
-              <a:spcBef>
-                <a:spcPts val="0"/>
-              </a:spcBef>
-              <a:spcAft>
-                <a:spcPts val="0"/>
-              </a:spcAft>
-              <a:buClr>
-                <a:schemeClr val="dk1"/>
-              </a:buClr>
-              <a:buSzPts val="1500"/>
-              <a:buFont typeface="Arial"/>
-              <a:buChar char="●"/>
-            </a:pPr>
-            <a:r>
-              <a:rPr b="1" lang="en" sz="1500">
-                <a:solidFill>
-                  <a:schemeClr val="dk1"/>
-                </a:solidFill>
-                <a:latin typeface="Helvetica Neue"/>
-                <a:ea typeface="Helvetica Neue"/>
-                <a:cs typeface="Helvetica Neue"/>
-                <a:sym typeface="Helvetica Neue"/>
-              </a:rPr>
-              <a:t>Master Agent:</a:t>
-            </a:r>
-            <a:r>
-              <a:rPr lang="en" sz="1500">
-                <a:solidFill>
-                  <a:schemeClr val="dk1"/>
-                </a:solidFill>
-                <a:latin typeface="Helvetica Neue"/>
-                <a:ea typeface="Helvetica Neue"/>
-                <a:cs typeface="Helvetica Neue"/>
-                <a:sym typeface="Helvetica Neue"/>
-              </a:rPr>
-              <a:t> Coordinates agent selection (Random 2) + RAG, collects responses, and ensures collaborative problem-solving.</a:t>
-            </a:r>
-            <a:endParaRPr sz="2800">
-              <a:solidFill>
-                <a:srgbClr val="3F3F3F"/>
-              </a:solidFill>
-              <a:latin typeface="Calibri"/>
-              <a:ea typeface="Calibri"/>
-              <a:cs typeface="Calibri"/>
-              <a:sym typeface="Calibri"/>
-            </a:endParaRPr>
-          </a:p>
-        </p:txBody>
-      </p:sp>
+      </p:pic>
     </p:spTree>
   </p:cSld>
   <p:clrMapOvr>
@@ -19949,30 +20427,22 @@
             </a:pPr>
             <a:r>
               <a:rPr lang="en"/>
-              <a:t>Results</a:t>
+              <a:t>Multi Agent with RAG : Architecture</a:t>
             </a:r>
             <a:endParaRPr/>
           </a:p>
         </p:txBody>
       </p:sp>
-      <p:pic>
-        <p:nvPicPr>
+      <p:sp>
+        <p:nvSpPr>
           <p:cNvPr id="236" name="Google Shape;236;p39"/>
-          <p:cNvPicPr preferRelativeResize="0"/>
+          <p:cNvSpPr txBox="1"/>
           <p:nvPr/>
-        </p:nvPicPr>
-        <p:blipFill>
-          <a:blip r:embed="rId3">
-            <a:alphaModFix/>
-          </a:blip>
-          <a:stretch>
-            <a:fillRect/>
-          </a:stretch>
-        </p:blipFill>
+        </p:nvSpPr>
         <p:spPr>
           <a:xfrm>
-            <a:off x="152400" y="895275"/>
-            <a:ext cx="8839199" cy="3294050"/>
+            <a:off x="736075" y="881475"/>
+            <a:ext cx="8060700" cy="4044000"/>
           </a:xfrm>
           <a:prstGeom prst="rect">
             <a:avLst/>
@@ -19982,7 +20452,317 @@
             <a:noFill/>
           </a:ln>
         </p:spPr>
-      </p:pic>
+        <p:txBody>
+          <a:bodyPr anchorCtr="0" anchor="t" bIns="91425" lIns="91425" spcFirstLastPara="1" rIns="91425" wrap="square" tIns="91425">
+            <a:noAutofit/>
+          </a:bodyPr>
+          <a:lstStyle/>
+          <a:p>
+            <a:pPr indent="-323850" lvl="0" marL="457200" rtl="0" algn="l">
+              <a:lnSpc>
+                <a:spcPct val="90000"/>
+              </a:lnSpc>
+              <a:spcBef>
+                <a:spcPts val="1000"/>
+              </a:spcBef>
+              <a:spcAft>
+                <a:spcPts val="0"/>
+              </a:spcAft>
+              <a:buClr>
+                <a:schemeClr val="dk1"/>
+              </a:buClr>
+              <a:buSzPts val="1500"/>
+              <a:buFont typeface="Arial"/>
+              <a:buChar char="●"/>
+            </a:pPr>
+            <a:r>
+              <a:rPr b="1" lang="en" sz="1500">
+                <a:solidFill>
+                  <a:schemeClr val="dk1"/>
+                </a:solidFill>
+                <a:latin typeface="Helvetica Neue"/>
+                <a:ea typeface="Helvetica Neue"/>
+                <a:cs typeface="Helvetica Neue"/>
+                <a:sym typeface="Helvetica Neue"/>
+              </a:rPr>
+              <a:t>Meta-Reasoning Inspiration:</a:t>
+            </a:r>
+            <a:r>
+              <a:rPr lang="en" sz="1500">
+                <a:solidFill>
+                  <a:schemeClr val="dk1"/>
+                </a:solidFill>
+                <a:latin typeface="Helvetica Neue"/>
+                <a:ea typeface="Helvetica Neue"/>
+                <a:cs typeface="Helvetica Neue"/>
+                <a:sym typeface="Helvetica Neue"/>
+              </a:rPr>
+              <a:t> Adapts Meta-Reasoning Prompting to dynamically combine specialized reasoning methods for accuracy and flexibility.</a:t>
+            </a:r>
+            <a:br>
+              <a:rPr lang="en" sz="1500">
+                <a:solidFill>
+                  <a:schemeClr val="dk1"/>
+                </a:solidFill>
+                <a:latin typeface="Helvetica Neue"/>
+                <a:ea typeface="Helvetica Neue"/>
+                <a:cs typeface="Helvetica Neue"/>
+                <a:sym typeface="Helvetica Neue"/>
+              </a:rPr>
+            </a:br>
+            <a:endParaRPr sz="1500">
+              <a:solidFill>
+                <a:schemeClr val="dk1"/>
+              </a:solidFill>
+              <a:latin typeface="Helvetica Neue"/>
+              <a:ea typeface="Helvetica Neue"/>
+              <a:cs typeface="Helvetica Neue"/>
+              <a:sym typeface="Helvetica Neue"/>
+            </a:endParaRPr>
+          </a:p>
+          <a:p>
+            <a:pPr indent="-323850" lvl="0" marL="457200" rtl="0" algn="l">
+              <a:lnSpc>
+                <a:spcPct val="90000"/>
+              </a:lnSpc>
+              <a:spcBef>
+                <a:spcPts val="0"/>
+              </a:spcBef>
+              <a:spcAft>
+                <a:spcPts val="0"/>
+              </a:spcAft>
+              <a:buClr>
+                <a:schemeClr val="dk1"/>
+              </a:buClr>
+              <a:buSzPts val="1500"/>
+              <a:buFont typeface="Arial"/>
+              <a:buChar char="●"/>
+            </a:pPr>
+            <a:r>
+              <a:rPr b="1" lang="en" sz="1500">
+                <a:solidFill>
+                  <a:schemeClr val="dk1"/>
+                </a:solidFill>
+                <a:latin typeface="Helvetica Neue"/>
+                <a:ea typeface="Helvetica Neue"/>
+                <a:cs typeface="Helvetica Neue"/>
+                <a:sym typeface="Helvetica Neue"/>
+              </a:rPr>
+              <a:t>Specialized Agents:</a:t>
+            </a:r>
+            <a:r>
+              <a:rPr lang="en" sz="1500">
+                <a:solidFill>
+                  <a:schemeClr val="dk1"/>
+                </a:solidFill>
+                <a:latin typeface="Helvetica Neue"/>
+                <a:ea typeface="Helvetica Neue"/>
+                <a:cs typeface="Helvetica Neue"/>
+                <a:sym typeface="Helvetica Neue"/>
+              </a:rPr>
+              <a:t> Implements seven reasoning styles (e.g., Chain of Thought, Tree of Thought, solo performance, Stepback etc), each solving problems independently.</a:t>
+            </a:r>
+            <a:br>
+              <a:rPr lang="en" sz="1500">
+                <a:solidFill>
+                  <a:schemeClr val="dk1"/>
+                </a:solidFill>
+                <a:latin typeface="Helvetica Neue"/>
+                <a:ea typeface="Helvetica Neue"/>
+                <a:cs typeface="Helvetica Neue"/>
+                <a:sym typeface="Helvetica Neue"/>
+              </a:rPr>
+            </a:br>
+            <a:endParaRPr sz="1500">
+              <a:solidFill>
+                <a:schemeClr val="dk1"/>
+              </a:solidFill>
+              <a:latin typeface="Helvetica Neue"/>
+              <a:ea typeface="Helvetica Neue"/>
+              <a:cs typeface="Helvetica Neue"/>
+              <a:sym typeface="Helvetica Neue"/>
+            </a:endParaRPr>
+          </a:p>
+          <a:p>
+            <a:pPr indent="-323850" lvl="0" marL="457200" rtl="0" algn="l">
+              <a:lnSpc>
+                <a:spcPct val="90000"/>
+              </a:lnSpc>
+              <a:spcBef>
+                <a:spcPts val="0"/>
+              </a:spcBef>
+              <a:spcAft>
+                <a:spcPts val="0"/>
+              </a:spcAft>
+              <a:buClr>
+                <a:schemeClr val="dk1"/>
+              </a:buClr>
+              <a:buSzPts val="1500"/>
+              <a:buFont typeface="Arial"/>
+              <a:buChar char="●"/>
+            </a:pPr>
+            <a:r>
+              <a:rPr b="1" lang="en" sz="1500">
+                <a:solidFill>
+                  <a:schemeClr val="dk1"/>
+                </a:solidFill>
+                <a:latin typeface="Helvetica Neue"/>
+                <a:ea typeface="Helvetica Neue"/>
+                <a:cs typeface="Helvetica Neue"/>
+                <a:sym typeface="Helvetica Neue"/>
+              </a:rPr>
+              <a:t>Generalizer Role:</a:t>
+            </a:r>
+            <a:r>
+              <a:rPr lang="en" sz="1500">
+                <a:solidFill>
+                  <a:schemeClr val="dk1"/>
+                </a:solidFill>
+                <a:latin typeface="Helvetica Neue"/>
+                <a:ea typeface="Helvetica Neue"/>
+                <a:cs typeface="Helvetica Neue"/>
+                <a:sym typeface="Helvetica Neue"/>
+              </a:rPr>
+              <a:t>  Synthesizes outputs from selected agents into a unified, coherent solution.</a:t>
+            </a:r>
+            <a:br>
+              <a:rPr lang="en" sz="1500">
+                <a:solidFill>
+                  <a:schemeClr val="dk1"/>
+                </a:solidFill>
+                <a:latin typeface="Helvetica Neue"/>
+                <a:ea typeface="Helvetica Neue"/>
+                <a:cs typeface="Helvetica Neue"/>
+                <a:sym typeface="Helvetica Neue"/>
+              </a:rPr>
+            </a:br>
+            <a:endParaRPr sz="1500">
+              <a:solidFill>
+                <a:schemeClr val="dk1"/>
+              </a:solidFill>
+              <a:latin typeface="Helvetica Neue"/>
+              <a:ea typeface="Helvetica Neue"/>
+              <a:cs typeface="Helvetica Neue"/>
+              <a:sym typeface="Helvetica Neue"/>
+            </a:endParaRPr>
+          </a:p>
+          <a:p>
+            <a:pPr indent="-323850" lvl="0" marL="457200" rtl="0" algn="l">
+              <a:lnSpc>
+                <a:spcPct val="90000"/>
+              </a:lnSpc>
+              <a:spcBef>
+                <a:spcPts val="0"/>
+              </a:spcBef>
+              <a:spcAft>
+                <a:spcPts val="0"/>
+              </a:spcAft>
+              <a:buClr>
+                <a:schemeClr val="dk1"/>
+              </a:buClr>
+              <a:buSzPts val="1500"/>
+              <a:buFont typeface="Arial"/>
+              <a:buChar char="●"/>
+            </a:pPr>
+            <a:r>
+              <a:rPr b="1" lang="en" sz="1500">
+                <a:solidFill>
+                  <a:schemeClr val="dk1"/>
+                </a:solidFill>
+                <a:latin typeface="Helvetica Neue"/>
+                <a:ea typeface="Helvetica Neue"/>
+                <a:cs typeface="Helvetica Neue"/>
+                <a:sym typeface="Helvetica Neue"/>
+              </a:rPr>
+              <a:t>RAG Specalizer: </a:t>
+            </a:r>
+            <a:r>
+              <a:rPr lang="en" sz="1500">
+                <a:solidFill>
+                  <a:schemeClr val="dk1"/>
+                </a:solidFill>
+                <a:latin typeface="Helvetica Neue"/>
+                <a:ea typeface="Helvetica Neue"/>
+                <a:cs typeface="Helvetica Neue"/>
+                <a:sym typeface="Helvetica Neue"/>
+              </a:rPr>
+              <a:t> An additional RAG specializer using pinecone. (Dataset : AQUA_RAT,1000 samples).</a:t>
+            </a:r>
+            <a:br>
+              <a:rPr lang="en" sz="1500">
+                <a:solidFill>
+                  <a:schemeClr val="dk1"/>
+                </a:solidFill>
+                <a:latin typeface="Helvetica Neue"/>
+                <a:ea typeface="Helvetica Neue"/>
+                <a:cs typeface="Helvetica Neue"/>
+                <a:sym typeface="Helvetica Neue"/>
+              </a:rPr>
+            </a:br>
+            <a:endParaRPr sz="1500">
+              <a:solidFill>
+                <a:schemeClr val="dk1"/>
+              </a:solidFill>
+              <a:latin typeface="Helvetica Neue"/>
+              <a:ea typeface="Helvetica Neue"/>
+              <a:cs typeface="Helvetica Neue"/>
+              <a:sym typeface="Helvetica Neue"/>
+            </a:endParaRPr>
+          </a:p>
+          <a:p>
+            <a:pPr indent="-323850" lvl="0" marL="457200" rtl="0" algn="l">
+              <a:lnSpc>
+                <a:spcPct val="90000"/>
+              </a:lnSpc>
+              <a:spcBef>
+                <a:spcPts val="0"/>
+              </a:spcBef>
+              <a:spcAft>
+                <a:spcPts val="0"/>
+              </a:spcAft>
+              <a:buClr>
+                <a:schemeClr val="dk1"/>
+              </a:buClr>
+              <a:buSzPts val="1500"/>
+              <a:buFont typeface="Arial"/>
+              <a:buChar char="●"/>
+            </a:pPr>
+            <a:r>
+              <a:rPr b="1" lang="en" sz="1500">
+                <a:solidFill>
+                  <a:schemeClr val="dk1"/>
+                </a:solidFill>
+                <a:latin typeface="Helvetica Neue"/>
+                <a:ea typeface="Helvetica Neue"/>
+                <a:cs typeface="Helvetica Neue"/>
+                <a:sym typeface="Helvetica Neue"/>
+              </a:rPr>
+              <a:t>Master Agent:</a:t>
+            </a:r>
+            <a:r>
+              <a:rPr lang="en" sz="1500">
+                <a:solidFill>
+                  <a:schemeClr val="dk1"/>
+                </a:solidFill>
+                <a:latin typeface="Helvetica Neue"/>
+                <a:ea typeface="Helvetica Neue"/>
+                <a:cs typeface="Helvetica Neue"/>
+                <a:sym typeface="Helvetica Neue"/>
+              </a:rPr>
+              <a:t> Coordinates agent selection (Random 2) + RAG, collects responses, and ensures collaborative problem-solving.</a:t>
+            </a:r>
+            <a:endParaRPr sz="2800">
+              <a:solidFill>
+                <a:srgbClr val="3F3F3F"/>
+              </a:solidFill>
+              <a:latin typeface="Calibri"/>
+              <a:ea typeface="Calibri"/>
+              <a:cs typeface="Calibri"/>
+              <a:sym typeface="Calibri"/>
+            </a:endParaRPr>
+          </a:p>
+        </p:txBody>
+      </p:sp>
     </p:spTree>
   </p:cSld>
   <p:clrMapOvr>
@@ -20312,358 +21092,40 @@
             </a:pPr>
             <a:r>
               <a:rPr lang="en"/>
-              <a:t>Analysis</a:t>
+              <a:t>Results</a:t>
             </a:r>
             <a:endParaRPr/>
           </a:p>
         </p:txBody>
       </p:sp>
-      <p:sp>
-        <p:nvSpPr>
+      <p:pic>
+        <p:nvPicPr>
           <p:cNvPr id="257" name="Google Shape;257;p42"/>
-          <p:cNvSpPr txBox="1"/>
-          <p:nvPr>
-            <p:ph idx="1" type="body"/>
-          </p:nvPr>
-        </p:nvSpPr>
+          <p:cNvPicPr preferRelativeResize="0"/>
+          <p:nvPr/>
+        </p:nvPicPr>
+        <p:blipFill>
+          <a:blip r:embed="rId3">
+            <a:alphaModFix/>
+          </a:blip>
+          <a:stretch>
+            <a:fillRect/>
+          </a:stretch>
+        </p:blipFill>
         <p:spPr>
           <a:xfrm>
-            <a:off x="685800" y="897732"/>
-            <a:ext cx="7772400" cy="3737400"/>
+            <a:off x="152400" y="895275"/>
+            <a:ext cx="8839199" cy="3294050"/>
           </a:xfrm>
           <a:prstGeom prst="rect">
             <a:avLst/>
           </a:prstGeom>
+          <a:noFill/>
+          <a:ln>
+            <a:noFill/>
+          </a:ln>
         </p:spPr>
-        <p:txBody>
-          <a:bodyPr anchorCtr="0" anchor="t" bIns="45700" lIns="91425" spcFirstLastPara="1" rIns="91425" wrap="square" tIns="45700">
-            <a:normAutofit fontScale="47500" lnSpcReduction="10000"/>
-          </a:bodyPr>
-          <a:lstStyle/>
-          <a:p>
-            <a:pPr indent="-282892" lvl="0" marL="457200" rtl="0" algn="l">
-              <a:lnSpc>
-                <a:spcPct val="115000"/>
-              </a:lnSpc>
-              <a:spcBef>
-                <a:spcPts val="1000"/>
-              </a:spcBef>
-              <a:spcAft>
-                <a:spcPts val="0"/>
-              </a:spcAft>
-              <a:buClr>
-                <a:schemeClr val="dk1"/>
-              </a:buClr>
-              <a:buSzPct val="64285"/>
-              <a:buFont typeface="Helvetica Neue"/>
-              <a:buChar char="●"/>
-            </a:pPr>
-            <a:r>
-              <a:rPr b="1" lang="en">
-                <a:solidFill>
-                  <a:schemeClr val="dk1"/>
-                </a:solidFill>
-                <a:latin typeface="Helvetica Neue"/>
-                <a:ea typeface="Helvetica Neue"/>
-                <a:cs typeface="Helvetica Neue"/>
-                <a:sym typeface="Helvetica Neue"/>
-              </a:rPr>
-              <a:t>Model Size Advantage:</a:t>
-            </a:r>
-            <a:r>
-              <a:rPr lang="en">
-                <a:solidFill>
-                  <a:schemeClr val="dk1"/>
-                </a:solidFill>
-                <a:latin typeface="Helvetica Neue"/>
-                <a:ea typeface="Helvetica Neue"/>
-                <a:cs typeface="Helvetica Neue"/>
-                <a:sym typeface="Helvetica Neue"/>
-              </a:rPr>
-              <a:t> Larger models like LLAMA (70B) achieve the highest accuracy, with 100% in the Multi-Agent + RAG framework, showcasing the benefits of higher parameter counts for complex reasoning tasks.</a:t>
-            </a:r>
-            <a:br>
-              <a:rPr lang="en">
-                <a:solidFill>
-                  <a:schemeClr val="dk1"/>
-                </a:solidFill>
-                <a:latin typeface="Helvetica Neue"/>
-                <a:ea typeface="Helvetica Neue"/>
-                <a:cs typeface="Helvetica Neue"/>
-                <a:sym typeface="Helvetica Neue"/>
-              </a:rPr>
-            </a:br>
-            <a:endParaRPr>
-              <a:solidFill>
-                <a:schemeClr val="dk1"/>
-              </a:solidFill>
-              <a:latin typeface="Helvetica Neue"/>
-              <a:ea typeface="Helvetica Neue"/>
-              <a:cs typeface="Helvetica Neue"/>
-              <a:sym typeface="Helvetica Neue"/>
-            </a:endParaRPr>
-          </a:p>
-          <a:p>
-            <a:pPr indent="-282892" lvl="0" marL="457200" rtl="0" algn="l">
-              <a:lnSpc>
-                <a:spcPct val="115000"/>
-              </a:lnSpc>
-              <a:spcBef>
-                <a:spcPts val="0"/>
-              </a:spcBef>
-              <a:spcAft>
-                <a:spcPts val="0"/>
-              </a:spcAft>
-              <a:buClr>
-                <a:schemeClr val="dk1"/>
-              </a:buClr>
-              <a:buSzPct val="64285"/>
-              <a:buFont typeface="Helvetica Neue"/>
-              <a:buChar char="●"/>
-            </a:pPr>
-            <a:r>
-              <a:rPr b="1" lang="en">
-                <a:solidFill>
-                  <a:schemeClr val="dk1"/>
-                </a:solidFill>
-                <a:latin typeface="Helvetica Neue"/>
-                <a:ea typeface="Helvetica Neue"/>
-                <a:cs typeface="Helvetica Neue"/>
-                <a:sym typeface="Helvetica Neue"/>
-              </a:rPr>
-              <a:t>Multi-Agent Framework Impact:</a:t>
-            </a:r>
-            <a:r>
-              <a:rPr lang="en">
-                <a:solidFill>
-                  <a:schemeClr val="dk1"/>
-                </a:solidFill>
-                <a:latin typeface="Helvetica Neue"/>
-                <a:ea typeface="Helvetica Neue"/>
-                <a:cs typeface="Helvetica Neue"/>
-                <a:sym typeface="Helvetica Neue"/>
-              </a:rPr>
-              <a:t> Across all models, the Multi-Agent framework consistently improves accuracy, highlighting the effectiveness of collaborative reasoning strategies.</a:t>
-            </a:r>
-            <a:br>
-              <a:rPr lang="en">
-                <a:solidFill>
-                  <a:schemeClr val="dk1"/>
-                </a:solidFill>
-                <a:latin typeface="Helvetica Neue"/>
-                <a:ea typeface="Helvetica Neue"/>
-                <a:cs typeface="Helvetica Neue"/>
-                <a:sym typeface="Helvetica Neue"/>
-              </a:rPr>
-            </a:br>
-            <a:endParaRPr>
-              <a:solidFill>
-                <a:schemeClr val="dk1"/>
-              </a:solidFill>
-              <a:latin typeface="Helvetica Neue"/>
-              <a:ea typeface="Helvetica Neue"/>
-              <a:cs typeface="Helvetica Neue"/>
-              <a:sym typeface="Helvetica Neue"/>
-            </a:endParaRPr>
-          </a:p>
-          <a:p>
-            <a:pPr indent="-282892" lvl="0" marL="457200" rtl="0" algn="l">
-              <a:lnSpc>
-                <a:spcPct val="115000"/>
-              </a:lnSpc>
-              <a:spcBef>
-                <a:spcPts val="0"/>
-              </a:spcBef>
-              <a:spcAft>
-                <a:spcPts val="0"/>
-              </a:spcAft>
-              <a:buClr>
-                <a:schemeClr val="dk1"/>
-              </a:buClr>
-              <a:buSzPct val="64285"/>
-              <a:buFont typeface="Helvetica Neue"/>
-              <a:buChar char="●"/>
-            </a:pPr>
-            <a:r>
-              <a:rPr b="1" lang="en">
-                <a:solidFill>
-                  <a:schemeClr val="dk1"/>
-                </a:solidFill>
-                <a:latin typeface="Helvetica Neue"/>
-                <a:ea typeface="Helvetica Neue"/>
-                <a:cs typeface="Helvetica Neue"/>
-                <a:sym typeface="Helvetica Neue"/>
-              </a:rPr>
-              <a:t>RAG Augmentation Strength:</a:t>
-            </a:r>
-            <a:r>
-              <a:rPr lang="en">
-                <a:solidFill>
-                  <a:schemeClr val="dk1"/>
-                </a:solidFill>
-                <a:latin typeface="Helvetica Neue"/>
-                <a:ea typeface="Helvetica Neue"/>
-                <a:cs typeface="Helvetica Neue"/>
-                <a:sym typeface="Helvetica Neue"/>
-              </a:rPr>
-              <a:t> Combining RAG with Multi-Agent methods further enhances performance, especially for larger models like LLAMA (70B) and Gemma.</a:t>
-            </a:r>
-            <a:br>
-              <a:rPr lang="en">
-                <a:solidFill>
-                  <a:schemeClr val="dk1"/>
-                </a:solidFill>
-                <a:latin typeface="Helvetica Neue"/>
-                <a:ea typeface="Helvetica Neue"/>
-                <a:cs typeface="Helvetica Neue"/>
-                <a:sym typeface="Helvetica Neue"/>
-              </a:rPr>
-            </a:br>
-            <a:endParaRPr>
-              <a:solidFill>
-                <a:schemeClr val="dk1"/>
-              </a:solidFill>
-              <a:latin typeface="Helvetica Neue"/>
-              <a:ea typeface="Helvetica Neue"/>
-              <a:cs typeface="Helvetica Neue"/>
-              <a:sym typeface="Helvetica Neue"/>
-            </a:endParaRPr>
-          </a:p>
-          <a:p>
-            <a:pPr indent="-282892" lvl="0" marL="457200" rtl="0" algn="l">
-              <a:lnSpc>
-                <a:spcPct val="115000"/>
-              </a:lnSpc>
-              <a:spcBef>
-                <a:spcPts val="0"/>
-              </a:spcBef>
-              <a:spcAft>
-                <a:spcPts val="0"/>
-              </a:spcAft>
-              <a:buClr>
-                <a:schemeClr val="dk1"/>
-              </a:buClr>
-              <a:buSzPct val="64285"/>
-              <a:buFont typeface="Helvetica Neue"/>
-              <a:buChar char="●"/>
-            </a:pPr>
-            <a:r>
-              <a:rPr b="1" lang="en">
-                <a:solidFill>
-                  <a:schemeClr val="dk1"/>
-                </a:solidFill>
-                <a:latin typeface="Helvetica Neue"/>
-                <a:ea typeface="Helvetica Neue"/>
-                <a:cs typeface="Helvetica Neue"/>
-                <a:sym typeface="Helvetica Neue"/>
-              </a:rPr>
-              <a:t>Dataset Complexity:</a:t>
-            </a:r>
-            <a:r>
-              <a:rPr lang="en">
-                <a:solidFill>
-                  <a:schemeClr val="dk1"/>
-                </a:solidFill>
-                <a:latin typeface="Helvetica Neue"/>
-                <a:ea typeface="Helvetica Neue"/>
-                <a:cs typeface="Helvetica Neue"/>
-                <a:sym typeface="Helvetica Neue"/>
-              </a:rPr>
-              <a:t> GSM8K poses a greater challenge compared to SVAMP, particularly for smaller models like Mistral, which show a noticeable performance gap.</a:t>
-            </a:r>
-            <a:br>
-              <a:rPr lang="en">
-                <a:solidFill>
-                  <a:schemeClr val="dk1"/>
-                </a:solidFill>
-                <a:latin typeface="Helvetica Neue"/>
-                <a:ea typeface="Helvetica Neue"/>
-                <a:cs typeface="Helvetica Neue"/>
-                <a:sym typeface="Helvetica Neue"/>
-              </a:rPr>
-            </a:br>
-            <a:endParaRPr>
-              <a:solidFill>
-                <a:schemeClr val="dk1"/>
-              </a:solidFill>
-              <a:latin typeface="Helvetica Neue"/>
-              <a:ea typeface="Helvetica Neue"/>
-              <a:cs typeface="Helvetica Neue"/>
-              <a:sym typeface="Helvetica Neue"/>
-            </a:endParaRPr>
-          </a:p>
-          <a:p>
-            <a:pPr indent="-282892" lvl="0" marL="457200" rtl="0" algn="l">
-              <a:lnSpc>
-                <a:spcPct val="115000"/>
-              </a:lnSpc>
-              <a:spcBef>
-                <a:spcPts val="0"/>
-              </a:spcBef>
-              <a:spcAft>
-                <a:spcPts val="0"/>
-              </a:spcAft>
-              <a:buClr>
-                <a:schemeClr val="dk1"/>
-              </a:buClr>
-              <a:buSzPct val="64285"/>
-              <a:buFont typeface="Helvetica Neue"/>
-              <a:buChar char="●"/>
-            </a:pPr>
-            <a:r>
-              <a:rPr b="1" lang="en">
-                <a:solidFill>
-                  <a:schemeClr val="dk1"/>
-                </a:solidFill>
-                <a:latin typeface="Helvetica Neue"/>
-                <a:ea typeface="Helvetica Neue"/>
-                <a:cs typeface="Helvetica Neue"/>
-                <a:sym typeface="Helvetica Neue"/>
-              </a:rPr>
-              <a:t>Consistency in Performance: </a:t>
-            </a:r>
-            <a:r>
-              <a:rPr lang="en">
-                <a:solidFill>
-                  <a:schemeClr val="dk1"/>
-                </a:solidFill>
-                <a:latin typeface="Helvetica Neue"/>
-                <a:ea typeface="Helvetica Neue"/>
-                <a:cs typeface="Helvetica Neue"/>
-                <a:sym typeface="Helvetica Neue"/>
-              </a:rPr>
-              <a:t>The Gemma model exhibits reliable and strong performance across all setups, making it a versatile choice for reasoning tasks.</a:t>
-            </a:r>
-            <a:endParaRPr>
-              <a:solidFill>
-                <a:schemeClr val="dk1"/>
-              </a:solidFill>
-              <a:latin typeface="Helvetica Neue"/>
-              <a:ea typeface="Helvetica Neue"/>
-              <a:cs typeface="Helvetica Neue"/>
-              <a:sym typeface="Helvetica Neue"/>
-            </a:endParaRPr>
-          </a:p>
-          <a:p>
-            <a:pPr indent="0" lvl="0" marL="0" rtl="0" algn="l">
-              <a:lnSpc>
-                <a:spcPct val="115000"/>
-              </a:lnSpc>
-              <a:spcBef>
-                <a:spcPts val="1000"/>
-              </a:spcBef>
-              <a:spcAft>
-                <a:spcPts val="0"/>
-              </a:spcAft>
-              <a:buNone/>
-            </a:pPr>
-            <a:r>
-              <a:t/>
-            </a:r>
-            <a:endParaRPr/>
-          </a:p>
-        </p:txBody>
-      </p:sp>
+      </p:pic>
     </p:spTree>
   </p:cSld>
   <p:clrMapOvr>
@@ -20723,11 +21185,7 @@
             </a:pPr>
             <a:r>
               <a:rPr lang="en"/>
-              <a:t>Discussion</a:t>
-            </a:r>
-            <a:r>
-              <a:rPr lang="en"/>
-              <a:t>: Membership Inference</a:t>
+              <a:t>Analysis</a:t>
             </a:r>
             <a:endParaRPr/>
           </a:p>
@@ -20752,11 +21210,14 @@
         </p:spPr>
         <p:txBody>
           <a:bodyPr anchorCtr="0" anchor="t" bIns="45700" lIns="91425" spcFirstLastPara="1" rIns="91425" wrap="square" tIns="45700">
-            <a:normAutofit lnSpcReduction="10000"/>
+            <a:normAutofit fontScale="47500" lnSpcReduction="10000"/>
           </a:bodyPr>
           <a:lstStyle/>
           <a:p>
-            <a:pPr indent="0" lvl="0" marL="0" rtl="0" algn="l">
+            <a:pPr indent="-282892" lvl="0" marL="457200" rtl="0" algn="l">
+              <a:lnSpc>
+                <a:spcPct val="115000"/>
+              </a:lnSpc>
               <a:spcBef>
                 <a:spcPts val="1000"/>
               </a:spcBef>
@@ -20766,12 +21227,12 @@
               <a:buClr>
                 <a:schemeClr val="dk1"/>
               </a:buClr>
-              <a:buSzPts val="1100"/>
-              <a:buFont typeface="Arial"/>
-              <a:buNone/>
+              <a:buSzPct val="64285"/>
+              <a:buFont typeface="Helvetica Neue"/>
+              <a:buChar char="●"/>
             </a:pPr>
             <a:r>
-              <a:rPr b="1" lang="en" sz="1600">
+              <a:rPr b="1" lang="en">
                 <a:solidFill>
                   <a:schemeClr val="dk1"/>
                 </a:solidFill>
@@ -20780,10 +21241,10 @@
                 <a:cs typeface="Helvetica Neue"/>
                 <a:sym typeface="Helvetica Neue"/>
               </a:rPr>
-              <a:t>Objective</a:t>
-            </a:r>
-            <a:r>
-              <a:rPr lang="en" sz="1600">
+              <a:t>Model Size Advantage:</a:t>
+            </a:r>
+            <a:r>
+              <a:rPr lang="en">
                 <a:solidFill>
                   <a:schemeClr val="dk1"/>
                 </a:solidFill>
@@ -20792,9 +21253,261 @@
                 <a:cs typeface="Helvetica Neue"/>
                 <a:sym typeface="Helvetica Neue"/>
               </a:rPr>
-              <a:t>: Assess if the model's high performance is due to overfitting or genuine reasoning.</a:t>
-            </a:r>
-            <a:endParaRPr sz="1600">
+              <a:t> Larger models like LLAMA (70B) achieve the highest accuracy, with 100% in the Multi-Agent + RAG framework, showcasing the benefits of higher parameter counts for complex reasoning tasks.</a:t>
+            </a:r>
+            <a:br>
+              <a:rPr lang="en">
+                <a:solidFill>
+                  <a:schemeClr val="dk1"/>
+                </a:solidFill>
+                <a:latin typeface="Helvetica Neue"/>
+                <a:ea typeface="Helvetica Neue"/>
+                <a:cs typeface="Helvetica Neue"/>
+                <a:sym typeface="Helvetica Neue"/>
+              </a:rPr>
+            </a:br>
+            <a:endParaRPr>
+              <a:solidFill>
+                <a:schemeClr val="dk1"/>
+              </a:solidFill>
+              <a:latin typeface="Helvetica Neue"/>
+              <a:ea typeface="Helvetica Neue"/>
+              <a:cs typeface="Helvetica Neue"/>
+              <a:sym typeface="Helvetica Neue"/>
+            </a:endParaRPr>
+          </a:p>
+          <a:p>
+            <a:pPr indent="-282892" lvl="0" marL="457200" rtl="0" algn="l">
+              <a:lnSpc>
+                <a:spcPct val="115000"/>
+              </a:lnSpc>
+              <a:spcBef>
+                <a:spcPts val="0"/>
+              </a:spcBef>
+              <a:spcAft>
+                <a:spcPts val="0"/>
+              </a:spcAft>
+              <a:buClr>
+                <a:schemeClr val="dk1"/>
+              </a:buClr>
+              <a:buSzPct val="64285"/>
+              <a:buFont typeface="Helvetica Neue"/>
+              <a:buChar char="●"/>
+            </a:pPr>
+            <a:r>
+              <a:rPr b="1" lang="en">
+                <a:solidFill>
+                  <a:schemeClr val="dk1"/>
+                </a:solidFill>
+                <a:latin typeface="Helvetica Neue"/>
+                <a:ea typeface="Helvetica Neue"/>
+                <a:cs typeface="Helvetica Neue"/>
+                <a:sym typeface="Helvetica Neue"/>
+              </a:rPr>
+              <a:t>Multi-Agent Framework Impact:</a:t>
+            </a:r>
+            <a:r>
+              <a:rPr lang="en">
+                <a:solidFill>
+                  <a:schemeClr val="dk1"/>
+                </a:solidFill>
+                <a:latin typeface="Helvetica Neue"/>
+                <a:ea typeface="Helvetica Neue"/>
+                <a:cs typeface="Helvetica Neue"/>
+                <a:sym typeface="Helvetica Neue"/>
+              </a:rPr>
+              <a:t> Across all models, the Multi-Agent framework consistently improves accuracy, highlighting the effectiveness of collaborative reasoning strategies.</a:t>
+            </a:r>
+            <a:br>
+              <a:rPr lang="en">
+                <a:solidFill>
+                  <a:schemeClr val="dk1"/>
+                </a:solidFill>
+                <a:latin typeface="Helvetica Neue"/>
+                <a:ea typeface="Helvetica Neue"/>
+                <a:cs typeface="Helvetica Neue"/>
+                <a:sym typeface="Helvetica Neue"/>
+              </a:rPr>
+            </a:br>
+            <a:endParaRPr>
+              <a:solidFill>
+                <a:schemeClr val="dk1"/>
+              </a:solidFill>
+              <a:latin typeface="Helvetica Neue"/>
+              <a:ea typeface="Helvetica Neue"/>
+              <a:cs typeface="Helvetica Neue"/>
+              <a:sym typeface="Helvetica Neue"/>
+            </a:endParaRPr>
+          </a:p>
+          <a:p>
+            <a:pPr indent="-282892" lvl="0" marL="457200" rtl="0" algn="l">
+              <a:lnSpc>
+                <a:spcPct val="115000"/>
+              </a:lnSpc>
+              <a:spcBef>
+                <a:spcPts val="0"/>
+              </a:spcBef>
+              <a:spcAft>
+                <a:spcPts val="0"/>
+              </a:spcAft>
+              <a:buClr>
+                <a:schemeClr val="dk1"/>
+              </a:buClr>
+              <a:buSzPct val="64285"/>
+              <a:buFont typeface="Helvetica Neue"/>
+              <a:buChar char="●"/>
+            </a:pPr>
+            <a:r>
+              <a:rPr b="1" lang="en">
+                <a:solidFill>
+                  <a:schemeClr val="dk1"/>
+                </a:solidFill>
+                <a:latin typeface="Helvetica Neue"/>
+                <a:ea typeface="Helvetica Neue"/>
+                <a:cs typeface="Helvetica Neue"/>
+                <a:sym typeface="Helvetica Neue"/>
+              </a:rPr>
+              <a:t>RAG Augmentation Strength:</a:t>
+            </a:r>
+            <a:r>
+              <a:rPr lang="en">
+                <a:solidFill>
+                  <a:schemeClr val="dk1"/>
+                </a:solidFill>
+                <a:latin typeface="Helvetica Neue"/>
+                <a:ea typeface="Helvetica Neue"/>
+                <a:cs typeface="Helvetica Neue"/>
+                <a:sym typeface="Helvetica Neue"/>
+              </a:rPr>
+              <a:t> Combining RAG with Multi-Agent methods further enhances performance, especially for larger models like LLAMA (70B) and Gemma.</a:t>
+            </a:r>
+            <a:br>
+              <a:rPr lang="en">
+                <a:solidFill>
+                  <a:schemeClr val="dk1"/>
+                </a:solidFill>
+                <a:latin typeface="Helvetica Neue"/>
+                <a:ea typeface="Helvetica Neue"/>
+                <a:cs typeface="Helvetica Neue"/>
+                <a:sym typeface="Helvetica Neue"/>
+              </a:rPr>
+            </a:br>
+            <a:endParaRPr>
+              <a:solidFill>
+                <a:schemeClr val="dk1"/>
+              </a:solidFill>
+              <a:latin typeface="Helvetica Neue"/>
+              <a:ea typeface="Helvetica Neue"/>
+              <a:cs typeface="Helvetica Neue"/>
+              <a:sym typeface="Helvetica Neue"/>
+            </a:endParaRPr>
+          </a:p>
+          <a:p>
+            <a:pPr indent="-282892" lvl="0" marL="457200" rtl="0" algn="l">
+              <a:lnSpc>
+                <a:spcPct val="115000"/>
+              </a:lnSpc>
+              <a:spcBef>
+                <a:spcPts val="0"/>
+              </a:spcBef>
+              <a:spcAft>
+                <a:spcPts val="0"/>
+              </a:spcAft>
+              <a:buClr>
+                <a:schemeClr val="dk1"/>
+              </a:buClr>
+              <a:buSzPct val="64285"/>
+              <a:buFont typeface="Helvetica Neue"/>
+              <a:buChar char="●"/>
+            </a:pPr>
+            <a:r>
+              <a:rPr b="1" lang="en">
+                <a:solidFill>
+                  <a:schemeClr val="dk1"/>
+                </a:solidFill>
+                <a:latin typeface="Helvetica Neue"/>
+                <a:ea typeface="Helvetica Neue"/>
+                <a:cs typeface="Helvetica Neue"/>
+                <a:sym typeface="Helvetica Neue"/>
+              </a:rPr>
+              <a:t>Dataset Complexity:</a:t>
+            </a:r>
+            <a:r>
+              <a:rPr lang="en">
+                <a:solidFill>
+                  <a:schemeClr val="dk1"/>
+                </a:solidFill>
+                <a:latin typeface="Helvetica Neue"/>
+                <a:ea typeface="Helvetica Neue"/>
+                <a:cs typeface="Helvetica Neue"/>
+                <a:sym typeface="Helvetica Neue"/>
+              </a:rPr>
+              <a:t> GSM8K poses a greater challenge compared to SVAMP, particularly for smaller models like Mistral, which show a noticeable performance gap.</a:t>
+            </a:r>
+            <a:br>
+              <a:rPr lang="en">
+                <a:solidFill>
+                  <a:schemeClr val="dk1"/>
+                </a:solidFill>
+                <a:latin typeface="Helvetica Neue"/>
+                <a:ea typeface="Helvetica Neue"/>
+                <a:cs typeface="Helvetica Neue"/>
+                <a:sym typeface="Helvetica Neue"/>
+              </a:rPr>
+            </a:br>
+            <a:endParaRPr>
+              <a:solidFill>
+                <a:schemeClr val="dk1"/>
+              </a:solidFill>
+              <a:latin typeface="Helvetica Neue"/>
+              <a:ea typeface="Helvetica Neue"/>
+              <a:cs typeface="Helvetica Neue"/>
+              <a:sym typeface="Helvetica Neue"/>
+            </a:endParaRPr>
+          </a:p>
+          <a:p>
+            <a:pPr indent="-282892" lvl="0" marL="457200" rtl="0" algn="l">
+              <a:lnSpc>
+                <a:spcPct val="115000"/>
+              </a:lnSpc>
+              <a:spcBef>
+                <a:spcPts val="0"/>
+              </a:spcBef>
+              <a:spcAft>
+                <a:spcPts val="0"/>
+              </a:spcAft>
+              <a:buClr>
+                <a:schemeClr val="dk1"/>
+              </a:buClr>
+              <a:buSzPct val="64285"/>
+              <a:buFont typeface="Helvetica Neue"/>
+              <a:buChar char="●"/>
+            </a:pPr>
+            <a:r>
+              <a:rPr b="1" lang="en">
+                <a:solidFill>
+                  <a:schemeClr val="dk1"/>
+                </a:solidFill>
+                <a:latin typeface="Helvetica Neue"/>
+                <a:ea typeface="Helvetica Neue"/>
+                <a:cs typeface="Helvetica Neue"/>
+                <a:sym typeface="Helvetica Neue"/>
+              </a:rPr>
+              <a:t>Consistency in Performance: </a:t>
+            </a:r>
+            <a:r>
+              <a:rPr lang="en">
+                <a:solidFill>
+                  <a:schemeClr val="dk1"/>
+                </a:solidFill>
+                <a:latin typeface="Helvetica Neue"/>
+                <a:ea typeface="Helvetica Neue"/>
+                <a:cs typeface="Helvetica Neue"/>
+                <a:sym typeface="Helvetica Neue"/>
+              </a:rPr>
+              <a:t>The Gemma model exhibits reliable and strong performance across all setups, making it a versatile choice for reasoning tasks.</a:t>
+            </a:r>
+            <a:endParaRPr>
               <a:solidFill>
                 <a:schemeClr val="dk1"/>
               </a:solidFill>
@@ -20806,6 +21519,9 @@
           </a:p>
           <a:p>
             <a:pPr indent="0" lvl="0" marL="0" rtl="0" algn="l">
+              <a:lnSpc>
+                <a:spcPct val="115000"/>
+              </a:lnSpc>
               <a:spcBef>
                 <a:spcPts val="1000"/>
               </a:spcBef>
@@ -20815,295 +21531,12 @@
               <a:buNone/>
             </a:pPr>
             <a:r>
-              <a:rPr b="1" lang="en" sz="1600">
-                <a:solidFill>
-                  <a:schemeClr val="dk1"/>
-                </a:solidFill>
-                <a:latin typeface="Helvetica Neue"/>
-                <a:ea typeface="Helvetica Neue"/>
-                <a:cs typeface="Helvetica Neue"/>
-                <a:sym typeface="Helvetica Neue"/>
-              </a:rPr>
-              <a:t>Dataset</a:t>
-            </a:r>
-            <a:r>
-              <a:rPr lang="en" sz="1600">
-                <a:solidFill>
-                  <a:schemeClr val="dk1"/>
-                </a:solidFill>
-                <a:latin typeface="Helvetica Neue"/>
-                <a:ea typeface="Helvetica Neue"/>
-                <a:cs typeface="Helvetica Neue"/>
-                <a:sym typeface="Helvetica Neue"/>
-              </a:rPr>
-              <a:t>: GSM8K.</a:t>
-            </a:r>
-            <a:endParaRPr sz="1600">
-              <a:solidFill>
-                <a:schemeClr val="dk1"/>
-              </a:solidFill>
-              <a:latin typeface="Helvetica Neue"/>
-              <a:ea typeface="Helvetica Neue"/>
-              <a:cs typeface="Helvetica Neue"/>
-              <a:sym typeface="Helvetica Neue"/>
-            </a:endParaRPr>
-          </a:p>
-          <a:p>
-            <a:pPr indent="0" lvl="0" marL="0" rtl="0" algn="l">
-              <a:spcBef>
-                <a:spcPts val="1000"/>
-              </a:spcBef>
-              <a:spcAft>
-                <a:spcPts val="0"/>
-              </a:spcAft>
-              <a:buNone/>
-            </a:pPr>
-            <a:r>
-              <a:rPr b="1" lang="en" sz="1600">
-                <a:solidFill>
-                  <a:schemeClr val="dk1"/>
-                </a:solidFill>
-                <a:latin typeface="Helvetica Neue"/>
-                <a:ea typeface="Helvetica Neue"/>
-                <a:cs typeface="Helvetica Neue"/>
-                <a:sym typeface="Helvetica Neue"/>
-              </a:rPr>
-              <a:t>Attack 1: </a:t>
-            </a:r>
-            <a:r>
-              <a:rPr lang="en" sz="1600">
-                <a:solidFill>
-                  <a:schemeClr val="dk1"/>
-                </a:solidFill>
-                <a:latin typeface="Helvetica Neue"/>
-                <a:ea typeface="Helvetica Neue"/>
-                <a:cs typeface="Helvetica Neue"/>
-                <a:sym typeface="Helvetica Neue"/>
-              </a:rPr>
-              <a:t>Change proper nouns and numerical values.</a:t>
-            </a:r>
-            <a:endParaRPr sz="1600">
-              <a:solidFill>
-                <a:schemeClr val="dk1"/>
-              </a:solidFill>
-              <a:latin typeface="Helvetica Neue"/>
-              <a:ea typeface="Helvetica Neue"/>
-              <a:cs typeface="Helvetica Neue"/>
-              <a:sym typeface="Helvetica Neue"/>
-            </a:endParaRPr>
-          </a:p>
-          <a:p>
-            <a:pPr indent="0" lvl="0" marL="0" rtl="0" algn="l">
-              <a:spcBef>
-                <a:spcPts val="1000"/>
-              </a:spcBef>
-              <a:spcAft>
-                <a:spcPts val="0"/>
-              </a:spcAft>
-              <a:buNone/>
-            </a:pPr>
-            <a:r>
               <a:t/>
             </a:r>
-            <a:endParaRPr sz="1600">
-              <a:solidFill>
-                <a:schemeClr val="dk1"/>
-              </a:solidFill>
-              <a:latin typeface="Helvetica Neue"/>
-              <a:ea typeface="Helvetica Neue"/>
-              <a:cs typeface="Helvetica Neue"/>
-              <a:sym typeface="Helvetica Neue"/>
-            </a:endParaRPr>
-          </a:p>
-          <a:p>
-            <a:pPr indent="0" lvl="0" marL="0" rtl="0" algn="l">
-              <a:spcBef>
-                <a:spcPts val="1000"/>
-              </a:spcBef>
-              <a:spcAft>
-                <a:spcPts val="0"/>
-              </a:spcAft>
-              <a:buNone/>
-            </a:pPr>
-            <a:r>
-              <a:t/>
-            </a:r>
-            <a:endParaRPr sz="1600">
-              <a:solidFill>
-                <a:schemeClr val="dk1"/>
-              </a:solidFill>
-              <a:latin typeface="Helvetica Neue"/>
-              <a:ea typeface="Helvetica Neue"/>
-              <a:cs typeface="Helvetica Neue"/>
-              <a:sym typeface="Helvetica Neue"/>
-            </a:endParaRPr>
-          </a:p>
-          <a:p>
-            <a:pPr indent="0" lvl="0" marL="0" rtl="0" algn="l">
-              <a:spcBef>
-                <a:spcPts val="1000"/>
-              </a:spcBef>
-              <a:spcAft>
-                <a:spcPts val="0"/>
-              </a:spcAft>
-              <a:buNone/>
-            </a:pPr>
-            <a:r>
-              <a:t/>
-            </a:r>
-            <a:endParaRPr sz="1600">
-              <a:solidFill>
-                <a:schemeClr val="dk1"/>
-              </a:solidFill>
-              <a:latin typeface="Helvetica Neue"/>
-              <a:ea typeface="Helvetica Neue"/>
-              <a:cs typeface="Helvetica Neue"/>
-              <a:sym typeface="Helvetica Neue"/>
-            </a:endParaRPr>
-          </a:p>
-          <a:p>
-            <a:pPr indent="0" lvl="0" marL="0" rtl="0" algn="l">
-              <a:spcBef>
-                <a:spcPts val="1000"/>
-              </a:spcBef>
-              <a:spcAft>
-                <a:spcPts val="0"/>
-              </a:spcAft>
-              <a:buNone/>
-            </a:pPr>
-            <a:r>
-              <a:t/>
-            </a:r>
-            <a:endParaRPr sz="1600">
-              <a:solidFill>
-                <a:schemeClr val="dk1"/>
-              </a:solidFill>
-              <a:latin typeface="Helvetica Neue"/>
-              <a:ea typeface="Helvetica Neue"/>
-              <a:cs typeface="Helvetica Neue"/>
-              <a:sym typeface="Helvetica Neue"/>
-            </a:endParaRPr>
-          </a:p>
-          <a:p>
-            <a:pPr indent="0" lvl="0" marL="0" rtl="0" algn="l">
-              <a:spcBef>
-                <a:spcPts val="1000"/>
-              </a:spcBef>
-              <a:spcAft>
-                <a:spcPts val="0"/>
-              </a:spcAft>
-              <a:buNone/>
-            </a:pPr>
-            <a:r>
-              <a:t/>
-            </a:r>
-            <a:endParaRPr sz="1600">
-              <a:solidFill>
-                <a:schemeClr val="dk1"/>
-              </a:solidFill>
-              <a:latin typeface="Helvetica Neue"/>
-              <a:ea typeface="Helvetica Neue"/>
-              <a:cs typeface="Helvetica Neue"/>
-              <a:sym typeface="Helvetica Neue"/>
-            </a:endParaRPr>
-          </a:p>
-          <a:p>
-            <a:pPr indent="0" lvl="0" marL="0" rtl="0" algn="l">
-              <a:spcBef>
-                <a:spcPts val="1000"/>
-              </a:spcBef>
-              <a:spcAft>
-                <a:spcPts val="0"/>
-              </a:spcAft>
-              <a:buNone/>
-            </a:pPr>
-            <a:r>
-              <a:t/>
-            </a:r>
-            <a:endParaRPr sz="1600">
-              <a:solidFill>
-                <a:schemeClr val="dk1"/>
-              </a:solidFill>
-              <a:latin typeface="Helvetica Neue"/>
-              <a:ea typeface="Helvetica Neue"/>
-              <a:cs typeface="Helvetica Neue"/>
-              <a:sym typeface="Helvetica Neue"/>
-            </a:endParaRPr>
-          </a:p>
-          <a:p>
-            <a:pPr indent="0" lvl="0" marL="0" rtl="0" algn="l">
-              <a:spcBef>
-                <a:spcPts val="1000"/>
-              </a:spcBef>
-              <a:spcAft>
-                <a:spcPts val="0"/>
-              </a:spcAft>
-              <a:buNone/>
-            </a:pPr>
-            <a:r>
-              <a:rPr b="1" lang="en" sz="1600">
-                <a:solidFill>
-                  <a:schemeClr val="dk1"/>
-                </a:solidFill>
-                <a:latin typeface="Helvetica Neue"/>
-                <a:ea typeface="Helvetica Neue"/>
-                <a:cs typeface="Helvetica Neue"/>
-                <a:sym typeface="Helvetica Neue"/>
-              </a:rPr>
-              <a:t>Result:</a:t>
-            </a:r>
-            <a:r>
-              <a:rPr lang="en" sz="1600">
-                <a:solidFill>
-                  <a:schemeClr val="dk1"/>
-                </a:solidFill>
-                <a:latin typeface="Helvetica Neue"/>
-                <a:ea typeface="Helvetica Neue"/>
-                <a:cs typeface="Helvetica Neue"/>
-                <a:sym typeface="Helvetica Neue"/>
-              </a:rPr>
-              <a:t>  Model solved most problems correctly; showed generalization rather than memorization.</a:t>
-            </a:r>
-            <a:endParaRPr sz="1600">
-              <a:solidFill>
-                <a:schemeClr val="dk1"/>
-              </a:solidFill>
-              <a:latin typeface="Helvetica Neue"/>
-              <a:ea typeface="Helvetica Neue"/>
-              <a:cs typeface="Helvetica Neue"/>
-              <a:sym typeface="Helvetica Neue"/>
-            </a:endParaRPr>
+            <a:endParaRPr/>
           </a:p>
         </p:txBody>
       </p:sp>
-      <p:pic>
-        <p:nvPicPr>
-          <p:cNvPr id="264" name="Google Shape;264;p43"/>
-          <p:cNvPicPr preferRelativeResize="0"/>
-          <p:nvPr/>
-        </p:nvPicPr>
-        <p:blipFill>
-          <a:blip r:embed="rId3">
-            <a:alphaModFix/>
-          </a:blip>
-          <a:stretch>
-            <a:fillRect/>
-          </a:stretch>
-        </p:blipFill>
-        <p:spPr>
-          <a:xfrm>
-            <a:off x="862550" y="2132976"/>
-            <a:ext cx="5820826" cy="1675175"/>
-          </a:xfrm>
-          <a:prstGeom prst="rect">
-            <a:avLst/>
-          </a:prstGeom>
-          <a:noFill/>
-          <a:ln>
-            <a:noFill/>
-          </a:ln>
-        </p:spPr>
-      </p:pic>
     </p:spTree>
   </p:cSld>
   <p:clrMapOvr>
@@ -21307,7 +21740,7 @@
   <p:cSld>
     <p:spTree>
       <p:nvGrpSpPr>
-        <p:cNvPr id="268" name="Shape 268"/>
+        <p:cNvPr id="267" name="Shape 267"/>
         <p:cNvGrpSpPr/>
         <p:nvPr/>
       </p:nvGrpSpPr>
@@ -21321,7 +21754,7 @@
       </p:grpSpPr>
       <p:sp>
         <p:nvSpPr>
-          <p:cNvPr id="269" name="Google Shape;269;p44"/>
+          <p:cNvPr id="268" name="Google Shape;268;p44"/>
           <p:cNvSpPr txBox="1"/>
           <p:nvPr>
             <p:ph type="title"/>
@@ -21353,7 +21786,11 @@
             </a:pPr>
             <a:r>
               <a:rPr lang="en"/>
-              <a:t>Discussion: Membership Inference</a:t>
+              <a:t>Discussion</a:t>
+            </a:r>
+            <a:r>
+              <a:rPr lang="en"/>
+              <a:t>: Membership Inference</a:t>
             </a:r>
             <a:endParaRPr/>
           </a:p>
@@ -21361,7 +21798,443 @@
       </p:sp>
       <p:sp>
         <p:nvSpPr>
+          <p:cNvPr id="269" name="Google Shape;269;p44"/>
+          <p:cNvSpPr txBox="1"/>
+          <p:nvPr>
+            <p:ph idx="1" type="body"/>
+          </p:nvPr>
+        </p:nvSpPr>
+        <p:spPr>
+          <a:xfrm>
+            <a:off x="685800" y="897732"/>
+            <a:ext cx="7772400" cy="3737400"/>
+          </a:xfrm>
+          <a:prstGeom prst="rect">
+            <a:avLst/>
+          </a:prstGeom>
+        </p:spPr>
+        <p:txBody>
+          <a:bodyPr anchorCtr="0" anchor="t" bIns="45700" lIns="91425" spcFirstLastPara="1" rIns="91425" wrap="square" tIns="45700">
+            <a:normAutofit lnSpcReduction="10000"/>
+          </a:bodyPr>
+          <a:lstStyle/>
+          <a:p>
+            <a:pPr indent="0" lvl="0" marL="0" rtl="0" algn="l">
+              <a:spcBef>
+                <a:spcPts val="1000"/>
+              </a:spcBef>
+              <a:spcAft>
+                <a:spcPts val="0"/>
+              </a:spcAft>
+              <a:buClr>
+                <a:schemeClr val="dk1"/>
+              </a:buClr>
+              <a:buSzPts val="1100"/>
+              <a:buFont typeface="Arial"/>
+              <a:buNone/>
+            </a:pPr>
+            <a:r>
+              <a:rPr b="1" lang="en" sz="1600">
+                <a:solidFill>
+                  <a:schemeClr val="dk1"/>
+                </a:solidFill>
+                <a:latin typeface="Helvetica Neue"/>
+                <a:ea typeface="Helvetica Neue"/>
+                <a:cs typeface="Helvetica Neue"/>
+                <a:sym typeface="Helvetica Neue"/>
+              </a:rPr>
+              <a:t>Objective</a:t>
+            </a:r>
+            <a:r>
+              <a:rPr lang="en" sz="1600">
+                <a:solidFill>
+                  <a:schemeClr val="dk1"/>
+                </a:solidFill>
+                <a:latin typeface="Helvetica Neue"/>
+                <a:ea typeface="Helvetica Neue"/>
+                <a:cs typeface="Helvetica Neue"/>
+                <a:sym typeface="Helvetica Neue"/>
+              </a:rPr>
+              <a:t>: Assess if the model's high performance is due to overfitting or genuine reasoning.</a:t>
+            </a:r>
+            <a:endParaRPr sz="1600">
+              <a:solidFill>
+                <a:schemeClr val="dk1"/>
+              </a:solidFill>
+              <a:latin typeface="Helvetica Neue"/>
+              <a:ea typeface="Helvetica Neue"/>
+              <a:cs typeface="Helvetica Neue"/>
+              <a:sym typeface="Helvetica Neue"/>
+            </a:endParaRPr>
+          </a:p>
+          <a:p>
+            <a:pPr indent="0" lvl="0" marL="0" rtl="0" algn="l">
+              <a:spcBef>
+                <a:spcPts val="1000"/>
+              </a:spcBef>
+              <a:spcAft>
+                <a:spcPts val="0"/>
+              </a:spcAft>
+              <a:buNone/>
+            </a:pPr>
+            <a:r>
+              <a:rPr b="1" lang="en" sz="1600">
+                <a:solidFill>
+                  <a:schemeClr val="dk1"/>
+                </a:solidFill>
+                <a:latin typeface="Helvetica Neue"/>
+                <a:ea typeface="Helvetica Neue"/>
+                <a:cs typeface="Helvetica Neue"/>
+                <a:sym typeface="Helvetica Neue"/>
+              </a:rPr>
+              <a:t>Dataset</a:t>
+            </a:r>
+            <a:r>
+              <a:rPr lang="en" sz="1600">
+                <a:solidFill>
+                  <a:schemeClr val="dk1"/>
+                </a:solidFill>
+                <a:latin typeface="Helvetica Neue"/>
+                <a:ea typeface="Helvetica Neue"/>
+                <a:cs typeface="Helvetica Neue"/>
+                <a:sym typeface="Helvetica Neue"/>
+              </a:rPr>
+              <a:t>: GSM8K.</a:t>
+            </a:r>
+            <a:endParaRPr sz="1600">
+              <a:solidFill>
+                <a:schemeClr val="dk1"/>
+              </a:solidFill>
+              <a:latin typeface="Helvetica Neue"/>
+              <a:ea typeface="Helvetica Neue"/>
+              <a:cs typeface="Helvetica Neue"/>
+              <a:sym typeface="Helvetica Neue"/>
+            </a:endParaRPr>
+          </a:p>
+          <a:p>
+            <a:pPr indent="0" lvl="0" marL="0" rtl="0" algn="l">
+              <a:spcBef>
+                <a:spcPts val="1000"/>
+              </a:spcBef>
+              <a:spcAft>
+                <a:spcPts val="0"/>
+              </a:spcAft>
+              <a:buNone/>
+            </a:pPr>
+            <a:r>
+              <a:rPr b="1" lang="en" sz="1600">
+                <a:solidFill>
+                  <a:schemeClr val="dk1"/>
+                </a:solidFill>
+                <a:latin typeface="Helvetica Neue"/>
+                <a:ea typeface="Helvetica Neue"/>
+                <a:cs typeface="Helvetica Neue"/>
+                <a:sym typeface="Helvetica Neue"/>
+              </a:rPr>
+              <a:t>Attack 1: </a:t>
+            </a:r>
+            <a:r>
+              <a:rPr lang="en" sz="1600">
+                <a:solidFill>
+                  <a:schemeClr val="dk1"/>
+                </a:solidFill>
+                <a:latin typeface="Helvetica Neue"/>
+                <a:ea typeface="Helvetica Neue"/>
+                <a:cs typeface="Helvetica Neue"/>
+                <a:sym typeface="Helvetica Neue"/>
+              </a:rPr>
+              <a:t>Change proper nouns and numerical values.</a:t>
+            </a:r>
+            <a:endParaRPr sz="1600">
+              <a:solidFill>
+                <a:schemeClr val="dk1"/>
+              </a:solidFill>
+              <a:latin typeface="Helvetica Neue"/>
+              <a:ea typeface="Helvetica Neue"/>
+              <a:cs typeface="Helvetica Neue"/>
+              <a:sym typeface="Helvetica Neue"/>
+            </a:endParaRPr>
+          </a:p>
+          <a:p>
+            <a:pPr indent="0" lvl="0" marL="0" rtl="0" algn="l">
+              <a:spcBef>
+                <a:spcPts val="1000"/>
+              </a:spcBef>
+              <a:spcAft>
+                <a:spcPts val="0"/>
+              </a:spcAft>
+              <a:buNone/>
+            </a:pPr>
+            <a:r>
+              <a:t/>
+            </a:r>
+            <a:endParaRPr sz="1600">
+              <a:solidFill>
+                <a:schemeClr val="dk1"/>
+              </a:solidFill>
+              <a:latin typeface="Helvetica Neue"/>
+              <a:ea typeface="Helvetica Neue"/>
+              <a:cs typeface="Helvetica Neue"/>
+              <a:sym typeface="Helvetica Neue"/>
+            </a:endParaRPr>
+          </a:p>
+          <a:p>
+            <a:pPr indent="0" lvl="0" marL="0" rtl="0" algn="l">
+              <a:spcBef>
+                <a:spcPts val="1000"/>
+              </a:spcBef>
+              <a:spcAft>
+                <a:spcPts val="0"/>
+              </a:spcAft>
+              <a:buNone/>
+            </a:pPr>
+            <a:r>
+              <a:t/>
+            </a:r>
+            <a:endParaRPr sz="1600">
+              <a:solidFill>
+                <a:schemeClr val="dk1"/>
+              </a:solidFill>
+              <a:latin typeface="Helvetica Neue"/>
+              <a:ea typeface="Helvetica Neue"/>
+              <a:cs typeface="Helvetica Neue"/>
+              <a:sym typeface="Helvetica Neue"/>
+            </a:endParaRPr>
+          </a:p>
+          <a:p>
+            <a:pPr indent="0" lvl="0" marL="0" rtl="0" algn="l">
+              <a:spcBef>
+                <a:spcPts val="1000"/>
+              </a:spcBef>
+              <a:spcAft>
+                <a:spcPts val="0"/>
+              </a:spcAft>
+              <a:buNone/>
+            </a:pPr>
+            <a:r>
+              <a:t/>
+            </a:r>
+            <a:endParaRPr sz="1600">
+              <a:solidFill>
+                <a:schemeClr val="dk1"/>
+              </a:solidFill>
+              <a:latin typeface="Helvetica Neue"/>
+              <a:ea typeface="Helvetica Neue"/>
+              <a:cs typeface="Helvetica Neue"/>
+              <a:sym typeface="Helvetica Neue"/>
+            </a:endParaRPr>
+          </a:p>
+          <a:p>
+            <a:pPr indent="0" lvl="0" marL="0" rtl="0" algn="l">
+              <a:spcBef>
+                <a:spcPts val="1000"/>
+              </a:spcBef>
+              <a:spcAft>
+                <a:spcPts val="0"/>
+              </a:spcAft>
+              <a:buNone/>
+            </a:pPr>
+            <a:r>
+              <a:t/>
+            </a:r>
+            <a:endParaRPr sz="1600">
+              <a:solidFill>
+                <a:schemeClr val="dk1"/>
+              </a:solidFill>
+              <a:latin typeface="Helvetica Neue"/>
+              <a:ea typeface="Helvetica Neue"/>
+              <a:cs typeface="Helvetica Neue"/>
+              <a:sym typeface="Helvetica Neue"/>
+            </a:endParaRPr>
+          </a:p>
+          <a:p>
+            <a:pPr indent="0" lvl="0" marL="0" rtl="0" algn="l">
+              <a:spcBef>
+                <a:spcPts val="1000"/>
+              </a:spcBef>
+              <a:spcAft>
+                <a:spcPts val="0"/>
+              </a:spcAft>
+              <a:buNone/>
+            </a:pPr>
+            <a:r>
+              <a:t/>
+            </a:r>
+            <a:endParaRPr sz="1600">
+              <a:solidFill>
+                <a:schemeClr val="dk1"/>
+              </a:solidFill>
+              <a:latin typeface="Helvetica Neue"/>
+              <a:ea typeface="Helvetica Neue"/>
+              <a:cs typeface="Helvetica Neue"/>
+              <a:sym typeface="Helvetica Neue"/>
+            </a:endParaRPr>
+          </a:p>
+          <a:p>
+            <a:pPr indent="0" lvl="0" marL="0" rtl="0" algn="l">
+              <a:spcBef>
+                <a:spcPts val="1000"/>
+              </a:spcBef>
+              <a:spcAft>
+                <a:spcPts val="0"/>
+              </a:spcAft>
+              <a:buNone/>
+            </a:pPr>
+            <a:r>
+              <a:t/>
+            </a:r>
+            <a:endParaRPr sz="1600">
+              <a:solidFill>
+                <a:schemeClr val="dk1"/>
+              </a:solidFill>
+              <a:latin typeface="Helvetica Neue"/>
+              <a:ea typeface="Helvetica Neue"/>
+              <a:cs typeface="Helvetica Neue"/>
+              <a:sym typeface="Helvetica Neue"/>
+            </a:endParaRPr>
+          </a:p>
+          <a:p>
+            <a:pPr indent="0" lvl="0" marL="0" rtl="0" algn="l">
+              <a:spcBef>
+                <a:spcPts val="1000"/>
+              </a:spcBef>
+              <a:spcAft>
+                <a:spcPts val="0"/>
+              </a:spcAft>
+              <a:buNone/>
+            </a:pPr>
+            <a:r>
+              <a:rPr b="1" lang="en" sz="1600">
+                <a:solidFill>
+                  <a:schemeClr val="dk1"/>
+                </a:solidFill>
+                <a:latin typeface="Helvetica Neue"/>
+                <a:ea typeface="Helvetica Neue"/>
+                <a:cs typeface="Helvetica Neue"/>
+                <a:sym typeface="Helvetica Neue"/>
+              </a:rPr>
+              <a:t>Result:</a:t>
+            </a:r>
+            <a:r>
+              <a:rPr lang="en" sz="1600">
+                <a:solidFill>
+                  <a:schemeClr val="dk1"/>
+                </a:solidFill>
+                <a:latin typeface="Helvetica Neue"/>
+                <a:ea typeface="Helvetica Neue"/>
+                <a:cs typeface="Helvetica Neue"/>
+                <a:sym typeface="Helvetica Neue"/>
+              </a:rPr>
+              <a:t>  Model solved most problems correctly; showed generalization rather than memorization.</a:t>
+            </a:r>
+            <a:endParaRPr sz="1600">
+              <a:solidFill>
+                <a:schemeClr val="dk1"/>
+              </a:solidFill>
+              <a:latin typeface="Helvetica Neue"/>
+              <a:ea typeface="Helvetica Neue"/>
+              <a:cs typeface="Helvetica Neue"/>
+              <a:sym typeface="Helvetica Neue"/>
+            </a:endParaRPr>
+          </a:p>
+        </p:txBody>
+      </p:sp>
+      <p:pic>
+        <p:nvPicPr>
           <p:cNvPr id="270" name="Google Shape;270;p44"/>
+          <p:cNvPicPr preferRelativeResize="0"/>
+          <p:nvPr/>
+        </p:nvPicPr>
+        <p:blipFill>
+          <a:blip r:embed="rId3">
+            <a:alphaModFix/>
+          </a:blip>
+          <a:stretch>
+            <a:fillRect/>
+          </a:stretch>
+        </p:blipFill>
+        <p:spPr>
+          <a:xfrm>
+            <a:off x="862550" y="2132976"/>
+            <a:ext cx="5820826" cy="1675175"/>
+          </a:xfrm>
+          <a:prstGeom prst="rect">
+            <a:avLst/>
+          </a:prstGeom>
+          <a:noFill/>
+          <a:ln>
+            <a:noFill/>
+          </a:ln>
+        </p:spPr>
+      </p:pic>
+    </p:spTree>
+  </p:cSld>
+  <p:clrMapOvr>
+    <a:masterClrMapping/>
+  </p:clrMapOvr>
+</p:sld>
+</file>
+
+<file path=ppt/slides/slide21.xml><?xml version="1.0" encoding="utf-8"?>
+<p:sld xmlns:a="http://schemas.openxmlformats.org/drawingml/2006/main" xmlns:r="http://schemas.openxmlformats.org/officeDocument/2006/relationships" xmlns:mc="http://schemas.openxmlformats.org/markup-compatibility/2006" xmlns:mv="urn:schemas-microsoft-com:mac:vml" xmlns:p="http://schemas.openxmlformats.org/presentationml/2006/main" xmlns:c="http://schemas.openxmlformats.org/drawingml/2006/chart" xmlns:dgm="http://schemas.openxmlformats.org/drawingml/2006/diagram" xmlns:o="urn:schemas-microsoft-com:office:office" xmlns:v="urn:schemas-microsoft-com:vml" xmlns:pvml="urn:schemas-microsoft-com:office:powerpoint" xmlns:com="http://schemas.openxmlformats.org/drawingml/2006/compatibility" xmlns:p14="http://schemas.microsoft.com/office/powerpoint/2010/main" xmlns:p15="http://schemas.microsoft.com/office/powerpoint/2012/main" xmlns:ahyp="http://schemas.microsoft.com/office/drawing/2018/hyperlinkcolor">
+  <p:cSld>
+    <p:spTree>
+      <p:nvGrpSpPr>
+        <p:cNvPr id="274" name="Shape 274"/>
+        <p:cNvGrpSpPr/>
+        <p:nvPr/>
+      </p:nvGrpSpPr>
+      <p:grpSpPr>
+        <a:xfrm>
+          <a:off x="0" y="0"/>
+          <a:ext cx="0" cy="0"/>
+          <a:chOff x="0" y="0"/>
+          <a:chExt cx="0" cy="0"/>
+        </a:xfrm>
+      </p:grpSpPr>
+      <p:sp>
+        <p:nvSpPr>
+          <p:cNvPr id="275" name="Google Shape;275;p45"/>
+          <p:cNvSpPr txBox="1"/>
+          <p:nvPr>
+            <p:ph type="title"/>
+          </p:nvPr>
+        </p:nvSpPr>
+        <p:spPr>
+          <a:xfrm>
+            <a:off x="685800" y="239485"/>
+            <a:ext cx="6847200" cy="503400"/>
+          </a:xfrm>
+          <a:prstGeom prst="rect">
+            <a:avLst/>
+          </a:prstGeom>
+        </p:spPr>
+        <p:txBody>
+          <a:bodyPr anchorCtr="0" anchor="ctr" bIns="45700" lIns="91425" spcFirstLastPara="1" rIns="91425" wrap="square" tIns="45700">
+            <a:normAutofit fontScale="90000"/>
+          </a:bodyPr>
+          <a:lstStyle/>
+          <a:p>
+            <a:pPr indent="0" lvl="0" marL="0" rtl="0" algn="l">
+              <a:spcBef>
+                <a:spcPts val="0"/>
+              </a:spcBef>
+              <a:spcAft>
+                <a:spcPts val="0"/>
+              </a:spcAft>
+              <a:buNone/>
+            </a:pPr>
+            <a:r>
+              <a:rPr lang="en"/>
+              <a:t>Discussion: Membership Inference</a:t>
+            </a:r>
+            <a:endParaRPr/>
+          </a:p>
+        </p:txBody>
+      </p:sp>
+      <p:sp>
+        <p:nvSpPr>
+          <p:cNvPr id="276" name="Google Shape;276;p45"/>
           <p:cNvSpPr txBox="1"/>
           <p:nvPr>
             <p:ph idx="1" type="body"/>
@@ -21752,7 +22625,7 @@
       </p:sp>
       <p:pic>
         <p:nvPicPr>
-          <p:cNvPr id="271" name="Google Shape;271;p44"/>
+          <p:cNvPr id="277" name="Google Shape;277;p45"/>
           <p:cNvPicPr preferRelativeResize="0"/>
           <p:nvPr/>
         </p:nvPicPr>
@@ -21778,389 +22651,6 @@
           </a:ln>
         </p:spPr>
       </p:pic>
-    </p:spTree>
-  </p:cSld>
-  <p:clrMapOvr>
-    <a:masterClrMapping/>
-  </p:clrMapOvr>
-</p:sld>
-</file>
-
-<file path=ppt/slides/slide21.xml><?xml version="1.0" encoding="utf-8"?>
-<p:sld xmlns:a="http://schemas.openxmlformats.org/drawingml/2006/main" xmlns:r="http://schemas.openxmlformats.org/officeDocument/2006/relationships" xmlns:mc="http://schemas.openxmlformats.org/markup-compatibility/2006" xmlns:mv="urn:schemas-microsoft-com:mac:vml" xmlns:p="http://schemas.openxmlformats.org/presentationml/2006/main" xmlns:c="http://schemas.openxmlformats.org/drawingml/2006/chart" xmlns:dgm="http://schemas.openxmlformats.org/drawingml/2006/diagram" xmlns:o="urn:schemas-microsoft-com:office:office" xmlns:v="urn:schemas-microsoft-com:vml" xmlns:pvml="urn:schemas-microsoft-com:office:powerpoint" xmlns:com="http://schemas.openxmlformats.org/drawingml/2006/compatibility" xmlns:p14="http://schemas.microsoft.com/office/powerpoint/2010/main" xmlns:p15="http://schemas.microsoft.com/office/powerpoint/2012/main" xmlns:ahyp="http://schemas.microsoft.com/office/drawing/2018/hyperlinkcolor">
-  <p:cSld>
-    <p:spTree>
-      <p:nvGrpSpPr>
-        <p:cNvPr id="275" name="Shape 275"/>
-        <p:cNvGrpSpPr/>
-        <p:nvPr/>
-      </p:nvGrpSpPr>
-      <p:grpSpPr>
-        <a:xfrm>
-          <a:off x="0" y="0"/>
-          <a:ext cx="0" cy="0"/>
-          <a:chOff x="0" y="0"/>
-          <a:chExt cx="0" cy="0"/>
-        </a:xfrm>
-      </p:grpSpPr>
-      <p:sp>
-        <p:nvSpPr>
-          <p:cNvPr id="276" name="Google Shape;276;p45"/>
-          <p:cNvSpPr txBox="1"/>
-          <p:nvPr>
-            <p:ph type="title"/>
-          </p:nvPr>
-        </p:nvSpPr>
-        <p:spPr>
-          <a:xfrm>
-            <a:off x="685800" y="239485"/>
-            <a:ext cx="6847200" cy="503400"/>
-          </a:xfrm>
-          <a:prstGeom prst="rect">
-            <a:avLst/>
-          </a:prstGeom>
-        </p:spPr>
-        <p:txBody>
-          <a:bodyPr anchorCtr="0" anchor="ctr" bIns="45700" lIns="91425" spcFirstLastPara="1" rIns="91425" wrap="square" tIns="45700">
-            <a:normAutofit fontScale="90000"/>
-          </a:bodyPr>
-          <a:lstStyle/>
-          <a:p>
-            <a:pPr indent="0" lvl="0" marL="0" rtl="0" algn="l">
-              <a:spcBef>
-                <a:spcPts val="0"/>
-              </a:spcBef>
-              <a:spcAft>
-                <a:spcPts val="0"/>
-              </a:spcAft>
-              <a:buNone/>
-            </a:pPr>
-            <a:r>
-              <a:rPr lang="en"/>
-              <a:t>Discussion: GSM-hard</a:t>
-            </a:r>
-            <a:endParaRPr/>
-          </a:p>
-        </p:txBody>
-      </p:sp>
-      <p:sp>
-        <p:nvSpPr>
-          <p:cNvPr id="277" name="Google Shape;277;p45"/>
-          <p:cNvSpPr txBox="1"/>
-          <p:nvPr>
-            <p:ph idx="1" type="body"/>
-          </p:nvPr>
-        </p:nvSpPr>
-        <p:spPr>
-          <a:xfrm>
-            <a:off x="685800" y="897732"/>
-            <a:ext cx="7772400" cy="3737400"/>
-          </a:xfrm>
-          <a:prstGeom prst="rect">
-            <a:avLst/>
-          </a:prstGeom>
-        </p:spPr>
-        <p:txBody>
-          <a:bodyPr anchorCtr="0" anchor="t" bIns="45700" lIns="91425" spcFirstLastPara="1" rIns="91425" wrap="square" tIns="45700">
-            <a:normAutofit lnSpcReduction="20000"/>
-          </a:bodyPr>
-          <a:lstStyle/>
-          <a:p>
-            <a:pPr indent="0" lvl="0" marL="0" rtl="0" algn="l">
-              <a:lnSpc>
-                <a:spcPct val="150000"/>
-              </a:lnSpc>
-              <a:spcBef>
-                <a:spcPts val="1200"/>
-              </a:spcBef>
-              <a:spcAft>
-                <a:spcPts val="0"/>
-              </a:spcAft>
-              <a:buClr>
-                <a:schemeClr val="dk1"/>
-              </a:buClr>
-              <a:buSzPts val="1100"/>
-              <a:buFont typeface="Arial"/>
-              <a:buNone/>
-            </a:pPr>
-            <a:r>
-              <a:t/>
-            </a:r>
-            <a:endParaRPr b="1" sz="1600">
-              <a:solidFill>
-                <a:schemeClr val="dk1"/>
-              </a:solidFill>
-              <a:latin typeface="Helvetica Neue"/>
-              <a:ea typeface="Helvetica Neue"/>
-              <a:cs typeface="Helvetica Neue"/>
-              <a:sym typeface="Helvetica Neue"/>
-            </a:endParaRPr>
-          </a:p>
-          <a:p>
-            <a:pPr indent="-330200" lvl="0" marL="457200" rtl="0" algn="l">
-              <a:lnSpc>
-                <a:spcPct val="150000"/>
-              </a:lnSpc>
-              <a:spcBef>
-                <a:spcPts val="1200"/>
-              </a:spcBef>
-              <a:spcAft>
-                <a:spcPts val="0"/>
-              </a:spcAft>
-              <a:buClr>
-                <a:schemeClr val="dk1"/>
-              </a:buClr>
-              <a:buSzPts val="1600"/>
-              <a:buFont typeface="Arial"/>
-              <a:buChar char="●"/>
-            </a:pPr>
-            <a:r>
-              <a:rPr b="1" lang="en" sz="1600">
-                <a:solidFill>
-                  <a:schemeClr val="dk1"/>
-                </a:solidFill>
-                <a:latin typeface="Helvetica Neue"/>
-                <a:ea typeface="Helvetica Neue"/>
-                <a:cs typeface="Helvetica Neue"/>
-                <a:sym typeface="Helvetica Neue"/>
-              </a:rPr>
-              <a:t>Dataset</a:t>
-            </a:r>
-            <a:r>
-              <a:rPr lang="en" sz="1600">
-                <a:solidFill>
-                  <a:schemeClr val="dk1"/>
-                </a:solidFill>
-                <a:latin typeface="Helvetica Neue"/>
-                <a:ea typeface="Helvetica Neue"/>
-                <a:cs typeface="Helvetica Neue"/>
-                <a:sym typeface="Helvetica Neue"/>
-              </a:rPr>
-              <a:t>: Harder version of GSM8K, constructed with larger, less common numbers.</a:t>
-            </a:r>
-            <a:endParaRPr sz="1600">
-              <a:solidFill>
-                <a:schemeClr val="dk1"/>
-              </a:solidFill>
-              <a:latin typeface="Helvetica Neue"/>
-              <a:ea typeface="Helvetica Neue"/>
-              <a:cs typeface="Helvetica Neue"/>
-              <a:sym typeface="Helvetica Neue"/>
-            </a:endParaRPr>
-          </a:p>
-          <a:p>
-            <a:pPr indent="-330200" lvl="0" marL="457200" rtl="0" algn="l">
-              <a:lnSpc>
-                <a:spcPct val="150000"/>
-              </a:lnSpc>
-              <a:spcBef>
-                <a:spcPts val="0"/>
-              </a:spcBef>
-              <a:spcAft>
-                <a:spcPts val="0"/>
-              </a:spcAft>
-              <a:buClr>
-                <a:schemeClr val="dk1"/>
-              </a:buClr>
-              <a:buSzPts val="1600"/>
-              <a:buFont typeface="Arial"/>
-              <a:buChar char="●"/>
-            </a:pPr>
-            <a:r>
-              <a:rPr b="1" lang="en" sz="1600">
-                <a:solidFill>
-                  <a:schemeClr val="dk1"/>
-                </a:solidFill>
-                <a:latin typeface="Helvetica Neue"/>
-                <a:ea typeface="Helvetica Neue"/>
-                <a:cs typeface="Helvetica Neue"/>
-                <a:sym typeface="Helvetica Neue"/>
-              </a:rPr>
-              <a:t>LLaMA-3.1-70B Zero-Shot Accuracy</a:t>
-            </a:r>
-            <a:r>
-              <a:rPr lang="en" sz="1600">
-                <a:solidFill>
-                  <a:schemeClr val="dk1"/>
-                </a:solidFill>
-                <a:latin typeface="Helvetica Neue"/>
-                <a:ea typeface="Helvetica Neue"/>
-                <a:cs typeface="Helvetica Neue"/>
-                <a:sym typeface="Helvetica Neue"/>
-              </a:rPr>
-              <a:t>: 48%</a:t>
-            </a:r>
-            <a:endParaRPr sz="1600">
-              <a:solidFill>
-                <a:schemeClr val="dk1"/>
-              </a:solidFill>
-              <a:latin typeface="Helvetica Neue"/>
-              <a:ea typeface="Helvetica Neue"/>
-              <a:cs typeface="Helvetica Neue"/>
-              <a:sym typeface="Helvetica Neue"/>
-            </a:endParaRPr>
-          </a:p>
-          <a:p>
-            <a:pPr indent="-330200" lvl="0" marL="457200" rtl="0" algn="l">
-              <a:lnSpc>
-                <a:spcPct val="150000"/>
-              </a:lnSpc>
-              <a:spcBef>
-                <a:spcPts val="0"/>
-              </a:spcBef>
-              <a:spcAft>
-                <a:spcPts val="0"/>
-              </a:spcAft>
-              <a:buClr>
-                <a:schemeClr val="dk1"/>
-              </a:buClr>
-              <a:buSzPts val="1600"/>
-              <a:buFont typeface="Arial"/>
-              <a:buChar char="●"/>
-            </a:pPr>
-            <a:r>
-              <a:rPr b="1" lang="en" sz="1600">
-                <a:solidFill>
-                  <a:schemeClr val="dk1"/>
-                </a:solidFill>
-                <a:latin typeface="Helvetica Neue"/>
-                <a:ea typeface="Helvetica Neue"/>
-                <a:cs typeface="Helvetica Neue"/>
-                <a:sym typeface="Helvetica Neue"/>
-              </a:rPr>
-              <a:t>Improved Performance with Framework</a:t>
-            </a:r>
-            <a:r>
-              <a:rPr lang="en" sz="1600">
-                <a:solidFill>
-                  <a:schemeClr val="dk1"/>
-                </a:solidFill>
-                <a:latin typeface="Helvetica Neue"/>
-                <a:ea typeface="Helvetica Neue"/>
-                <a:cs typeface="Helvetica Neue"/>
-                <a:sym typeface="Helvetica Neue"/>
-              </a:rPr>
-              <a:t>: Increased to 53%</a:t>
-            </a:r>
-            <a:endParaRPr sz="1600">
-              <a:solidFill>
-                <a:schemeClr val="dk1"/>
-              </a:solidFill>
-              <a:latin typeface="Helvetica Neue"/>
-              <a:ea typeface="Helvetica Neue"/>
-              <a:cs typeface="Helvetica Neue"/>
-              <a:sym typeface="Helvetica Neue"/>
-            </a:endParaRPr>
-          </a:p>
-          <a:p>
-            <a:pPr indent="-330200" lvl="0" marL="457200" rtl="0" algn="l">
-              <a:lnSpc>
-                <a:spcPct val="150000"/>
-              </a:lnSpc>
-              <a:spcBef>
-                <a:spcPts val="0"/>
-              </a:spcBef>
-              <a:spcAft>
-                <a:spcPts val="0"/>
-              </a:spcAft>
-              <a:buClr>
-                <a:schemeClr val="dk1"/>
-              </a:buClr>
-              <a:buSzPts val="1600"/>
-              <a:buFont typeface="Arial"/>
-              <a:buChar char="●"/>
-            </a:pPr>
-            <a:r>
-              <a:rPr b="1" lang="en" sz="1600">
-                <a:solidFill>
-                  <a:schemeClr val="dk1"/>
-                </a:solidFill>
-                <a:latin typeface="Helvetica Neue"/>
-                <a:ea typeface="Helvetica Neue"/>
-                <a:cs typeface="Helvetica Neue"/>
-                <a:sym typeface="Helvetica Neue"/>
-              </a:rPr>
-              <a:t>Struggles with Large Numbers</a:t>
-            </a:r>
-            <a:r>
-              <a:rPr lang="en" sz="1600">
-                <a:solidFill>
-                  <a:schemeClr val="dk1"/>
-                </a:solidFill>
-                <a:latin typeface="Helvetica Neue"/>
-                <a:ea typeface="Helvetica Neue"/>
-                <a:cs typeface="Helvetica Neue"/>
-                <a:sym typeface="Helvetica Neue"/>
-              </a:rPr>
-              <a:t>: Consistent issue with mathematical operations on very large and very small numbers.</a:t>
-            </a:r>
-            <a:endParaRPr sz="1600">
-              <a:solidFill>
-                <a:schemeClr val="dk1"/>
-              </a:solidFill>
-              <a:latin typeface="Helvetica Neue"/>
-              <a:ea typeface="Helvetica Neue"/>
-              <a:cs typeface="Helvetica Neue"/>
-              <a:sym typeface="Helvetica Neue"/>
-            </a:endParaRPr>
-          </a:p>
-          <a:p>
-            <a:pPr indent="-330200" lvl="0" marL="457200" rtl="0" algn="l">
-              <a:lnSpc>
-                <a:spcPct val="150000"/>
-              </a:lnSpc>
-              <a:spcBef>
-                <a:spcPts val="0"/>
-              </a:spcBef>
-              <a:spcAft>
-                <a:spcPts val="0"/>
-              </a:spcAft>
-              <a:buClr>
-                <a:schemeClr val="dk1"/>
-              </a:buClr>
-              <a:buSzPts val="1600"/>
-              <a:buFont typeface="Helvetica Neue"/>
-              <a:buChar char="●"/>
-            </a:pPr>
-            <a:r>
-              <a:rPr lang="en" sz="1600">
-                <a:solidFill>
-                  <a:schemeClr val="dk1"/>
-                </a:solidFill>
-                <a:latin typeface="Helvetica Neue"/>
-                <a:ea typeface="Helvetica Neue"/>
-                <a:cs typeface="Helvetica Neue"/>
-                <a:sym typeface="Helvetica Neue"/>
-              </a:rPr>
-              <a:t>Motivates augmentation with external tools like calculators for better performance.</a:t>
-            </a:r>
-            <a:endParaRPr sz="1600">
-              <a:solidFill>
-                <a:schemeClr val="dk1"/>
-              </a:solidFill>
-              <a:latin typeface="Helvetica Neue"/>
-              <a:ea typeface="Helvetica Neue"/>
-              <a:cs typeface="Helvetica Neue"/>
-              <a:sym typeface="Helvetica Neue"/>
-            </a:endParaRPr>
-          </a:p>
-          <a:p>
-            <a:pPr indent="0" lvl="0" marL="0" rtl="0" algn="l">
-              <a:spcBef>
-                <a:spcPts val="1200"/>
-              </a:spcBef>
-              <a:spcAft>
-                <a:spcPts val="0"/>
-              </a:spcAft>
-              <a:buNone/>
-            </a:pPr>
-            <a:r>
-              <a:t/>
-            </a:r>
-            <a:endParaRPr/>
-          </a:p>
-        </p:txBody>
-      </p:sp>
     </p:spTree>
   </p:cSld>
   <p:clrMapOvr>
@@ -22220,7 +22710,7 @@
             </a:pPr>
             <a:r>
               <a:rPr lang="en"/>
-              <a:t>Discussion: Larger Models</a:t>
+              <a:t>Discussion: GSM-hard</a:t>
             </a:r>
             <a:endParaRPr/>
           </a:p>
@@ -22236,8 +22726,8 @@
         </p:nvSpPr>
         <p:spPr>
           <a:xfrm>
-            <a:off x="685800" y="1189650"/>
-            <a:ext cx="7772400" cy="3424800"/>
+            <a:off x="685800" y="897732"/>
+            <a:ext cx="7772400" cy="3737400"/>
           </a:xfrm>
           <a:prstGeom prst="rect">
             <a:avLst/>
@@ -22245,16 +22735,16 @@
         </p:spPr>
         <p:txBody>
           <a:bodyPr anchorCtr="0" anchor="t" bIns="45700" lIns="91425" spcFirstLastPara="1" rIns="91425" wrap="square" tIns="45700">
-            <a:noAutofit/>
+            <a:normAutofit fontScale="85000" lnSpcReduction="20000"/>
           </a:bodyPr>
           <a:lstStyle/>
           <a:p>
-            <a:pPr indent="-330200" lvl="0" marL="457200" rtl="0" algn="l">
+            <a:pPr indent="0" lvl="0" marL="0" rtl="0" algn="l">
               <a:lnSpc>
                 <a:spcPct val="150000"/>
               </a:lnSpc>
               <a:spcBef>
-                <a:spcPts val="1000"/>
+                <a:spcPts val="1200"/>
               </a:spcBef>
               <a:spcAft>
                 <a:spcPts val="0"/>
@@ -22262,35 +22752,14 @@
               <a:buClr>
                 <a:schemeClr val="dk1"/>
               </a:buClr>
-              <a:buSzPts val="1600"/>
+              <a:buSzPct val="68750"/>
               <a:buFont typeface="Arial"/>
-              <a:buChar char="●"/>
+              <a:buNone/>
             </a:pPr>
             <a:r>
-              <a:rPr b="1" lang="en" sz="1600">
-                <a:solidFill>
-                  <a:schemeClr val="dk1"/>
-                </a:solidFill>
-                <a:latin typeface="Helvetica Neue"/>
-                <a:ea typeface="Helvetica Neue"/>
-                <a:cs typeface="Helvetica Neue"/>
-                <a:sym typeface="Helvetica Neue"/>
-              </a:rPr>
-              <a:t>Model Used:</a:t>
-            </a:r>
-            <a:r>
-              <a:rPr lang="en" sz="1600">
-                <a:solidFill>
-                  <a:schemeClr val="dk1"/>
-                </a:solidFill>
-                <a:latin typeface="Helvetica Neue"/>
-                <a:ea typeface="Helvetica Neue"/>
-                <a:cs typeface="Helvetica Neue"/>
-                <a:sym typeface="Helvetica Neue"/>
-              </a:rPr>
-              <a:t> Llama-3.1-70B-Instruct</a:t>
-            </a:r>
-            <a:endParaRPr sz="1600">
+              <a:t/>
+            </a:r>
+            <a:endParaRPr b="1" sz="1600">
               <a:solidFill>
                 <a:schemeClr val="dk1"/>
               </a:solidFill>
@@ -22301,12 +22770,12 @@
             </a:endParaRPr>
           </a:p>
           <a:p>
-            <a:pPr indent="-330200" lvl="0" marL="457200" rtl="0" algn="l">
+            <a:pPr indent="-314960" lvl="0" marL="457200" rtl="0" algn="l">
               <a:lnSpc>
-                <a:spcPct val="115000"/>
+                <a:spcPct val="150000"/>
               </a:lnSpc>
               <a:spcBef>
-                <a:spcPts val="0"/>
+                <a:spcPts val="1200"/>
               </a:spcBef>
               <a:spcAft>
                 <a:spcPts val="0"/>
@@ -22314,7 +22783,7 @@
               <a:buClr>
                 <a:schemeClr val="dk1"/>
               </a:buClr>
-              <a:buSzPts val="1600"/>
+              <a:buSzPct val="100000"/>
               <a:buFont typeface="Arial"/>
               <a:buChar char="●"/>
             </a:pPr>
@@ -22328,7 +22797,7 @@
                 <a:cs typeface="Helvetica Neue"/>
                 <a:sym typeface="Helvetica Neue"/>
               </a:rPr>
-              <a:t>Improved Logical Reasoning</a:t>
+              <a:t>Dataset</a:t>
             </a:r>
             <a:r>
               <a:rPr lang="en" sz="1600">
@@ -22340,7 +22809,7 @@
                 <a:cs typeface="Helvetica Neue"/>
                 <a:sym typeface="Helvetica Neue"/>
               </a:rPr>
-              <a:t>: Larger models exhibit superior logical reasoning compared to smaller models with significant accuracy gains on datasets.</a:t>
+              <a:t>: Harder version of GSM8K, constructed with larger, less common numbers.</a:t>
             </a:r>
             <a:br>
               <a:rPr lang="en" sz="1600">
@@ -22364,9 +22833,9 @@
             </a:endParaRPr>
           </a:p>
           <a:p>
-            <a:pPr indent="-330200" lvl="0" marL="457200" rtl="0" algn="l">
+            <a:pPr indent="-314960" lvl="0" marL="457200" rtl="0" algn="l">
               <a:lnSpc>
-                <a:spcPct val="115000"/>
+                <a:spcPct val="150000"/>
               </a:lnSpc>
               <a:spcBef>
                 <a:spcPts val="0"/>
@@ -22377,12 +22846,12 @@
               <a:buClr>
                 <a:schemeClr val="dk1"/>
               </a:buClr>
-              <a:buSzPts val="1600"/>
+              <a:buSzPct val="100000"/>
               <a:buFont typeface="Arial"/>
               <a:buChar char="●"/>
             </a:pPr>
             <a:r>
-              <a:rPr lang="en" sz="1600">
+              <a:rPr b="1" lang="en" sz="1600">
                 <a:solidFill>
                   <a:schemeClr val="dk1"/>
                 </a:solidFill>
@@ -22391,10 +22860,10 @@
                 <a:cs typeface="Helvetica Neue"/>
                 <a:sym typeface="Helvetica Neue"/>
               </a:rPr>
-              <a:t>Larger model generalizes better in complex, multi-step problems, showcasing a lower error rate </a:t>
-            </a:r>
-            <a:r>
-              <a:rPr b="1" lang="en" sz="1600">
+              <a:t>LLaMA-3.1-70B Zero-Shot Accuracy</a:t>
+            </a:r>
+            <a:r>
+              <a:rPr lang="en" sz="1600">
                 <a:solidFill>
                   <a:schemeClr val="dk1"/>
                 </a:solidFill>
@@ -22403,19 +22872,7 @@
                 <a:cs typeface="Helvetica Neue"/>
                 <a:sym typeface="Helvetica Neue"/>
               </a:rPr>
-              <a:t>(9% vs. 19%</a:t>
-            </a:r>
-            <a:r>
-              <a:rPr lang="en" sz="1600">
-                <a:solidFill>
-                  <a:schemeClr val="dk1"/>
-                </a:solidFill>
-                <a:latin typeface="Helvetica Neue"/>
-                <a:ea typeface="Helvetica Neue"/>
-                <a:cs typeface="Helvetica Neue"/>
-                <a:sym typeface="Helvetica Neue"/>
-              </a:rPr>
-              <a:t> for the smaller model).</a:t>
+              <a:t>: 48%</a:t>
             </a:r>
             <a:br>
               <a:rPr lang="en" sz="1600">
@@ -22439,9 +22896,9 @@
             </a:endParaRPr>
           </a:p>
           <a:p>
-            <a:pPr indent="-330200" lvl="0" marL="457200" rtl="0" algn="l">
+            <a:pPr indent="-314960" lvl="0" marL="457200" rtl="0" algn="l">
               <a:lnSpc>
-                <a:spcPct val="115000"/>
+                <a:spcPct val="150000"/>
               </a:lnSpc>
               <a:spcBef>
                 <a:spcPts val="0"/>
@@ -22452,7 +22909,7 @@
               <a:buClr>
                 <a:schemeClr val="dk1"/>
               </a:buClr>
-              <a:buSzPts val="1600"/>
+              <a:buSzPct val="100000"/>
               <a:buFont typeface="Arial"/>
               <a:buChar char="●"/>
             </a:pPr>
@@ -22466,7 +22923,7 @@
                 <a:cs typeface="Helvetica Neue"/>
                 <a:sym typeface="Helvetica Neue"/>
               </a:rPr>
-              <a:t>Retrieval Integration</a:t>
+              <a:t>Improved Performance with Framework</a:t>
             </a:r>
             <a:r>
               <a:rPr lang="en" sz="1600">
@@ -22478,10 +22935,10 @@
                 <a:cs typeface="Helvetica Neue"/>
                 <a:sym typeface="Helvetica Neue"/>
               </a:rPr>
-              <a:t>: Larger models effectively leverage external knowledge, showing high accuracy in retrieval-based reasoning tasks achieving </a:t>
-            </a:r>
-            <a:r>
-              <a:rPr b="1" lang="en" sz="1600">
+              <a:t>: Increased to 53%</a:t>
+            </a:r>
+            <a:br>
+              <a:rPr lang="en" sz="1600">
                 <a:solidFill>
                   <a:schemeClr val="dk1"/>
                 </a:solidFill>
@@ -22490,10 +22947,37 @@
                 <a:cs typeface="Helvetica Neue"/>
                 <a:sym typeface="Helvetica Neue"/>
               </a:rPr>
-              <a:t>90.1%</a:t>
-            </a:r>
-            <a:r>
-              <a:rPr lang="en" sz="1600">
+            </a:br>
+            <a:endParaRPr sz="1600">
+              <a:solidFill>
+                <a:schemeClr val="dk1"/>
+              </a:solidFill>
+              <a:latin typeface="Helvetica Neue"/>
+              <a:ea typeface="Helvetica Neue"/>
+              <a:cs typeface="Helvetica Neue"/>
+              <a:sym typeface="Helvetica Neue"/>
+            </a:endParaRPr>
+          </a:p>
+          <a:p>
+            <a:pPr indent="-314960" lvl="0" marL="457200" rtl="0" algn="l">
+              <a:lnSpc>
+                <a:spcPct val="150000"/>
+              </a:lnSpc>
+              <a:spcBef>
+                <a:spcPts val="0"/>
+              </a:spcBef>
+              <a:spcAft>
+                <a:spcPts val="0"/>
+              </a:spcAft>
+              <a:buClr>
+                <a:schemeClr val="dk1"/>
+              </a:buClr>
+              <a:buSzPct val="100000"/>
+              <a:buFont typeface="Arial"/>
+              <a:buChar char="●"/>
+            </a:pPr>
+            <a:r>
+              <a:rPr b="1" lang="en" sz="1600">
                 <a:solidFill>
                   <a:schemeClr val="dk1"/>
                 </a:solidFill>
@@ -22502,14 +22986,95 @@
                 <a:cs typeface="Helvetica Neue"/>
                 <a:sym typeface="Helvetica Neue"/>
               </a:rPr>
-              <a:t> accuracy.</a:t>
-            </a:r>
-            <a:endParaRPr>
+              <a:t>Struggles with Large Numbers</a:t>
+            </a:r>
+            <a:r>
+              <a:rPr lang="en" sz="1600">
+                <a:solidFill>
+                  <a:schemeClr val="dk1"/>
+                </a:solidFill>
+                <a:latin typeface="Helvetica Neue"/>
+                <a:ea typeface="Helvetica Neue"/>
+                <a:cs typeface="Helvetica Neue"/>
+                <a:sym typeface="Helvetica Neue"/>
+              </a:rPr>
+              <a:t>: Consistent issue with mathematical operations on very large and very small numbers.</a:t>
+            </a:r>
+            <a:br>
+              <a:rPr lang="en" sz="1600">
+                <a:solidFill>
+                  <a:schemeClr val="dk1"/>
+                </a:solidFill>
+                <a:latin typeface="Helvetica Neue"/>
+                <a:ea typeface="Helvetica Neue"/>
+                <a:cs typeface="Helvetica Neue"/>
+                <a:sym typeface="Helvetica Neue"/>
+              </a:rPr>
+            </a:br>
+            <a:endParaRPr sz="1600">
+              <a:solidFill>
+                <a:schemeClr val="dk1"/>
+              </a:solidFill>
               <a:latin typeface="Helvetica Neue"/>
               <a:ea typeface="Helvetica Neue"/>
               <a:cs typeface="Helvetica Neue"/>
               <a:sym typeface="Helvetica Neue"/>
             </a:endParaRPr>
+          </a:p>
+          <a:p>
+            <a:pPr indent="-314960" lvl="0" marL="457200" rtl="0" algn="l">
+              <a:lnSpc>
+                <a:spcPct val="150000"/>
+              </a:lnSpc>
+              <a:spcBef>
+                <a:spcPts val="0"/>
+              </a:spcBef>
+              <a:spcAft>
+                <a:spcPts val="0"/>
+              </a:spcAft>
+              <a:buClr>
+                <a:schemeClr val="dk1"/>
+              </a:buClr>
+              <a:buSzPct val="100000"/>
+              <a:buFont typeface="Helvetica Neue"/>
+              <a:buChar char="●"/>
+            </a:pPr>
+            <a:r>
+              <a:rPr lang="en" sz="1600">
+                <a:solidFill>
+                  <a:schemeClr val="dk1"/>
+                </a:solidFill>
+                <a:latin typeface="Helvetica Neue"/>
+                <a:ea typeface="Helvetica Neue"/>
+                <a:cs typeface="Helvetica Neue"/>
+                <a:sym typeface="Helvetica Neue"/>
+              </a:rPr>
+              <a:t>Motivates augmentation with external tools like calculators for better performance.</a:t>
+            </a:r>
+            <a:endParaRPr sz="1600">
+              <a:solidFill>
+                <a:schemeClr val="dk1"/>
+              </a:solidFill>
+              <a:latin typeface="Helvetica Neue"/>
+              <a:ea typeface="Helvetica Neue"/>
+              <a:cs typeface="Helvetica Neue"/>
+              <a:sym typeface="Helvetica Neue"/>
+            </a:endParaRPr>
+          </a:p>
+          <a:p>
+            <a:pPr indent="0" lvl="0" marL="0" rtl="0" algn="l">
+              <a:spcBef>
+                <a:spcPts val="1200"/>
+              </a:spcBef>
+              <a:spcAft>
+                <a:spcPts val="0"/>
+              </a:spcAft>
+              <a:buNone/>
+            </a:pPr>
+            <a:r>
+              <a:t/>
+            </a:r>
+            <a:endParaRPr/>
           </a:p>
         </p:txBody>
       </p:sp>
@@ -22572,7 +23137,7 @@
             </a:pPr>
             <a:r>
               <a:rPr lang="en"/>
-              <a:t>Future Work</a:t>
+              <a:t>Discussion: Larger Models</a:t>
             </a:r>
             <a:endParaRPr/>
           </a:p>
@@ -22581,6 +23146,358 @@
       <p:sp>
         <p:nvSpPr>
           <p:cNvPr id="289" name="Google Shape;289;p47"/>
+          <p:cNvSpPr txBox="1"/>
+          <p:nvPr>
+            <p:ph idx="1" type="body"/>
+          </p:nvPr>
+        </p:nvSpPr>
+        <p:spPr>
+          <a:xfrm>
+            <a:off x="685800" y="1189650"/>
+            <a:ext cx="7772400" cy="3424800"/>
+          </a:xfrm>
+          <a:prstGeom prst="rect">
+            <a:avLst/>
+          </a:prstGeom>
+        </p:spPr>
+        <p:txBody>
+          <a:bodyPr anchorCtr="0" anchor="t" bIns="45700" lIns="91425" spcFirstLastPara="1" rIns="91425" wrap="square" tIns="45700">
+            <a:noAutofit/>
+          </a:bodyPr>
+          <a:lstStyle/>
+          <a:p>
+            <a:pPr indent="-330200" lvl="0" marL="457200" rtl="0" algn="l">
+              <a:lnSpc>
+                <a:spcPct val="150000"/>
+              </a:lnSpc>
+              <a:spcBef>
+                <a:spcPts val="1000"/>
+              </a:spcBef>
+              <a:spcAft>
+                <a:spcPts val="0"/>
+              </a:spcAft>
+              <a:buClr>
+                <a:schemeClr val="dk1"/>
+              </a:buClr>
+              <a:buSzPts val="1600"/>
+              <a:buFont typeface="Arial"/>
+              <a:buChar char="●"/>
+            </a:pPr>
+            <a:r>
+              <a:rPr b="1" lang="en" sz="1600">
+                <a:solidFill>
+                  <a:schemeClr val="dk1"/>
+                </a:solidFill>
+                <a:latin typeface="Helvetica Neue"/>
+                <a:ea typeface="Helvetica Neue"/>
+                <a:cs typeface="Helvetica Neue"/>
+                <a:sym typeface="Helvetica Neue"/>
+              </a:rPr>
+              <a:t>Model Used:</a:t>
+            </a:r>
+            <a:r>
+              <a:rPr lang="en" sz="1600">
+                <a:solidFill>
+                  <a:schemeClr val="dk1"/>
+                </a:solidFill>
+                <a:latin typeface="Helvetica Neue"/>
+                <a:ea typeface="Helvetica Neue"/>
+                <a:cs typeface="Helvetica Neue"/>
+                <a:sym typeface="Helvetica Neue"/>
+              </a:rPr>
+              <a:t> Llama-3.1-70B-Instruct</a:t>
+            </a:r>
+            <a:endParaRPr sz="1600">
+              <a:solidFill>
+                <a:schemeClr val="dk1"/>
+              </a:solidFill>
+              <a:latin typeface="Helvetica Neue"/>
+              <a:ea typeface="Helvetica Neue"/>
+              <a:cs typeface="Helvetica Neue"/>
+              <a:sym typeface="Helvetica Neue"/>
+            </a:endParaRPr>
+          </a:p>
+          <a:p>
+            <a:pPr indent="-330200" lvl="0" marL="457200" rtl="0" algn="l">
+              <a:lnSpc>
+                <a:spcPct val="115000"/>
+              </a:lnSpc>
+              <a:spcBef>
+                <a:spcPts val="0"/>
+              </a:spcBef>
+              <a:spcAft>
+                <a:spcPts val="0"/>
+              </a:spcAft>
+              <a:buClr>
+                <a:schemeClr val="dk1"/>
+              </a:buClr>
+              <a:buSzPts val="1600"/>
+              <a:buFont typeface="Arial"/>
+              <a:buChar char="●"/>
+            </a:pPr>
+            <a:r>
+              <a:rPr b="1" lang="en" sz="1600">
+                <a:solidFill>
+                  <a:schemeClr val="dk1"/>
+                </a:solidFill>
+                <a:latin typeface="Helvetica Neue"/>
+                <a:ea typeface="Helvetica Neue"/>
+                <a:cs typeface="Helvetica Neue"/>
+                <a:sym typeface="Helvetica Neue"/>
+              </a:rPr>
+              <a:t>Improved Logical Reasoning</a:t>
+            </a:r>
+            <a:r>
+              <a:rPr lang="en" sz="1600">
+                <a:solidFill>
+                  <a:schemeClr val="dk1"/>
+                </a:solidFill>
+                <a:latin typeface="Helvetica Neue"/>
+                <a:ea typeface="Helvetica Neue"/>
+                <a:cs typeface="Helvetica Neue"/>
+                <a:sym typeface="Helvetica Neue"/>
+              </a:rPr>
+              <a:t>: Larger models exhibit superior logical reasoning compared to smaller models with significant accuracy gains on datasets.</a:t>
+            </a:r>
+            <a:br>
+              <a:rPr lang="en" sz="1600">
+                <a:solidFill>
+                  <a:schemeClr val="dk1"/>
+                </a:solidFill>
+                <a:latin typeface="Helvetica Neue"/>
+                <a:ea typeface="Helvetica Neue"/>
+                <a:cs typeface="Helvetica Neue"/>
+                <a:sym typeface="Helvetica Neue"/>
+              </a:rPr>
+            </a:br>
+            <a:endParaRPr sz="1600">
+              <a:solidFill>
+                <a:schemeClr val="dk1"/>
+              </a:solidFill>
+              <a:latin typeface="Helvetica Neue"/>
+              <a:ea typeface="Helvetica Neue"/>
+              <a:cs typeface="Helvetica Neue"/>
+              <a:sym typeface="Helvetica Neue"/>
+            </a:endParaRPr>
+          </a:p>
+          <a:p>
+            <a:pPr indent="-330200" lvl="0" marL="457200" rtl="0" algn="l">
+              <a:lnSpc>
+                <a:spcPct val="115000"/>
+              </a:lnSpc>
+              <a:spcBef>
+                <a:spcPts val="0"/>
+              </a:spcBef>
+              <a:spcAft>
+                <a:spcPts val="0"/>
+              </a:spcAft>
+              <a:buClr>
+                <a:schemeClr val="dk1"/>
+              </a:buClr>
+              <a:buSzPts val="1600"/>
+              <a:buFont typeface="Arial"/>
+              <a:buChar char="●"/>
+            </a:pPr>
+            <a:r>
+              <a:rPr lang="en" sz="1600">
+                <a:solidFill>
+                  <a:schemeClr val="dk1"/>
+                </a:solidFill>
+                <a:latin typeface="Helvetica Neue"/>
+                <a:ea typeface="Helvetica Neue"/>
+                <a:cs typeface="Helvetica Neue"/>
+                <a:sym typeface="Helvetica Neue"/>
+              </a:rPr>
+              <a:t>Larger model generalizes better in complex, multi-step problems, showcasing a lower error rate </a:t>
+            </a:r>
+            <a:r>
+              <a:rPr b="1" lang="en" sz="1600">
+                <a:solidFill>
+                  <a:schemeClr val="dk1"/>
+                </a:solidFill>
+                <a:latin typeface="Helvetica Neue"/>
+                <a:ea typeface="Helvetica Neue"/>
+                <a:cs typeface="Helvetica Neue"/>
+                <a:sym typeface="Helvetica Neue"/>
+              </a:rPr>
+              <a:t>(9% vs. 19%</a:t>
+            </a:r>
+            <a:r>
+              <a:rPr lang="en" sz="1600">
+                <a:solidFill>
+                  <a:schemeClr val="dk1"/>
+                </a:solidFill>
+                <a:latin typeface="Helvetica Neue"/>
+                <a:ea typeface="Helvetica Neue"/>
+                <a:cs typeface="Helvetica Neue"/>
+                <a:sym typeface="Helvetica Neue"/>
+              </a:rPr>
+              <a:t> for the smaller model).</a:t>
+            </a:r>
+            <a:br>
+              <a:rPr lang="en" sz="1600">
+                <a:solidFill>
+                  <a:schemeClr val="dk1"/>
+                </a:solidFill>
+                <a:latin typeface="Helvetica Neue"/>
+                <a:ea typeface="Helvetica Neue"/>
+                <a:cs typeface="Helvetica Neue"/>
+                <a:sym typeface="Helvetica Neue"/>
+              </a:rPr>
+            </a:br>
+            <a:endParaRPr sz="1600">
+              <a:solidFill>
+                <a:schemeClr val="dk1"/>
+              </a:solidFill>
+              <a:latin typeface="Helvetica Neue"/>
+              <a:ea typeface="Helvetica Neue"/>
+              <a:cs typeface="Helvetica Neue"/>
+              <a:sym typeface="Helvetica Neue"/>
+            </a:endParaRPr>
+          </a:p>
+          <a:p>
+            <a:pPr indent="-330200" lvl="0" marL="457200" rtl="0" algn="l">
+              <a:lnSpc>
+                <a:spcPct val="115000"/>
+              </a:lnSpc>
+              <a:spcBef>
+                <a:spcPts val="0"/>
+              </a:spcBef>
+              <a:spcAft>
+                <a:spcPts val="0"/>
+              </a:spcAft>
+              <a:buClr>
+                <a:schemeClr val="dk1"/>
+              </a:buClr>
+              <a:buSzPts val="1600"/>
+              <a:buFont typeface="Arial"/>
+              <a:buChar char="●"/>
+            </a:pPr>
+            <a:r>
+              <a:rPr b="1" lang="en" sz="1600">
+                <a:solidFill>
+                  <a:schemeClr val="dk1"/>
+                </a:solidFill>
+                <a:latin typeface="Helvetica Neue"/>
+                <a:ea typeface="Helvetica Neue"/>
+                <a:cs typeface="Helvetica Neue"/>
+                <a:sym typeface="Helvetica Neue"/>
+              </a:rPr>
+              <a:t>Retrieval Integration</a:t>
+            </a:r>
+            <a:r>
+              <a:rPr lang="en" sz="1600">
+                <a:solidFill>
+                  <a:schemeClr val="dk1"/>
+                </a:solidFill>
+                <a:latin typeface="Helvetica Neue"/>
+                <a:ea typeface="Helvetica Neue"/>
+                <a:cs typeface="Helvetica Neue"/>
+                <a:sym typeface="Helvetica Neue"/>
+              </a:rPr>
+              <a:t>: Larger models effectively leverage external knowledge, showing high accuracy in retrieval-based reasoning tasks achieving </a:t>
+            </a:r>
+            <a:r>
+              <a:rPr b="1" lang="en" sz="1600">
+                <a:solidFill>
+                  <a:schemeClr val="dk1"/>
+                </a:solidFill>
+                <a:latin typeface="Helvetica Neue"/>
+                <a:ea typeface="Helvetica Neue"/>
+                <a:cs typeface="Helvetica Neue"/>
+                <a:sym typeface="Helvetica Neue"/>
+              </a:rPr>
+              <a:t>90.1%</a:t>
+            </a:r>
+            <a:r>
+              <a:rPr lang="en" sz="1600">
+                <a:solidFill>
+                  <a:schemeClr val="dk1"/>
+                </a:solidFill>
+                <a:latin typeface="Helvetica Neue"/>
+                <a:ea typeface="Helvetica Neue"/>
+                <a:cs typeface="Helvetica Neue"/>
+                <a:sym typeface="Helvetica Neue"/>
+              </a:rPr>
+              <a:t> accuracy.</a:t>
+            </a:r>
+            <a:endParaRPr>
+              <a:latin typeface="Helvetica Neue"/>
+              <a:ea typeface="Helvetica Neue"/>
+              <a:cs typeface="Helvetica Neue"/>
+              <a:sym typeface="Helvetica Neue"/>
+            </a:endParaRPr>
+          </a:p>
+        </p:txBody>
+      </p:sp>
+    </p:spTree>
+  </p:cSld>
+  <p:clrMapOvr>
+    <a:masterClrMapping/>
+  </p:clrMapOvr>
+</p:sld>
+</file>
+
+<file path=ppt/slides/slide24.xml><?xml version="1.0" encoding="utf-8"?>
+<p:sld xmlns:a="http://schemas.openxmlformats.org/drawingml/2006/main" xmlns:r="http://schemas.openxmlformats.org/officeDocument/2006/relationships" xmlns:mc="http://schemas.openxmlformats.org/markup-compatibility/2006" xmlns:mv="urn:schemas-microsoft-com:mac:vml" xmlns:p="http://schemas.openxmlformats.org/presentationml/2006/main" xmlns:c="http://schemas.openxmlformats.org/drawingml/2006/chart" xmlns:dgm="http://schemas.openxmlformats.org/drawingml/2006/diagram" xmlns:o="urn:schemas-microsoft-com:office:office" xmlns:v="urn:schemas-microsoft-com:vml" xmlns:pvml="urn:schemas-microsoft-com:office:powerpoint" xmlns:com="http://schemas.openxmlformats.org/drawingml/2006/compatibility" xmlns:p14="http://schemas.microsoft.com/office/powerpoint/2010/main" xmlns:p15="http://schemas.microsoft.com/office/powerpoint/2012/main" xmlns:ahyp="http://schemas.microsoft.com/office/drawing/2018/hyperlinkcolor">
+  <p:cSld>
+    <p:spTree>
+      <p:nvGrpSpPr>
+        <p:cNvPr id="293" name="Shape 293"/>
+        <p:cNvGrpSpPr/>
+        <p:nvPr/>
+      </p:nvGrpSpPr>
+      <p:grpSpPr>
+        <a:xfrm>
+          <a:off x="0" y="0"/>
+          <a:ext cx="0" cy="0"/>
+          <a:chOff x="0" y="0"/>
+          <a:chExt cx="0" cy="0"/>
+        </a:xfrm>
+      </p:grpSpPr>
+      <p:sp>
+        <p:nvSpPr>
+          <p:cNvPr id="294" name="Google Shape;294;p48"/>
+          <p:cNvSpPr txBox="1"/>
+          <p:nvPr>
+            <p:ph type="title"/>
+          </p:nvPr>
+        </p:nvSpPr>
+        <p:spPr>
+          <a:xfrm>
+            <a:off x="685800" y="239485"/>
+            <a:ext cx="6847200" cy="503400"/>
+          </a:xfrm>
+          <a:prstGeom prst="rect">
+            <a:avLst/>
+          </a:prstGeom>
+        </p:spPr>
+        <p:txBody>
+          <a:bodyPr anchorCtr="0" anchor="ctr" bIns="45700" lIns="91425" spcFirstLastPara="1" rIns="91425" wrap="square" tIns="45700">
+            <a:normAutofit fontScale="90000"/>
+          </a:bodyPr>
+          <a:lstStyle/>
+          <a:p>
+            <a:pPr indent="0" lvl="0" marL="0" rtl="0" algn="l">
+              <a:spcBef>
+                <a:spcPts val="0"/>
+              </a:spcBef>
+              <a:spcAft>
+                <a:spcPts val="0"/>
+              </a:spcAft>
+              <a:buNone/>
+            </a:pPr>
+            <a:r>
+              <a:rPr lang="en"/>
+              <a:t>Future Work</a:t>
+            </a:r>
+            <a:endParaRPr/>
+          </a:p>
+        </p:txBody>
+      </p:sp>
+      <p:sp>
+        <p:nvSpPr>
+          <p:cNvPr id="295" name="Google Shape;295;p48"/>
           <p:cNvSpPr txBox="1"/>
           <p:nvPr/>
         </p:nvSpPr>
@@ -22655,7 +23572,7 @@
       </p:sp>
       <p:sp>
         <p:nvSpPr>
-          <p:cNvPr id="290" name="Google Shape;290;p47"/>
+          <p:cNvPr id="296" name="Google Shape;296;p48"/>
           <p:cNvSpPr txBox="1"/>
           <p:nvPr/>
         </p:nvSpPr>
@@ -22730,7 +23647,7 @@
       </p:sp>
       <p:sp>
         <p:nvSpPr>
-          <p:cNvPr id="291" name="Google Shape;291;p47"/>
+          <p:cNvPr id="297" name="Google Shape;297;p48"/>
           <p:cNvSpPr txBox="1"/>
           <p:nvPr/>
         </p:nvSpPr>
@@ -22831,7 +23748,7 @@
       </p:sp>
       <p:sp>
         <p:nvSpPr>
-          <p:cNvPr id="292" name="Google Shape;292;p47"/>
+          <p:cNvPr id="298" name="Google Shape;298;p48"/>
           <p:cNvSpPr txBox="1"/>
           <p:nvPr/>
         </p:nvSpPr>
@@ -22958,7 +23875,7 @@
       </p:sp>
       <p:sp>
         <p:nvSpPr>
-          <p:cNvPr id="293" name="Google Shape;293;p47"/>
+          <p:cNvPr id="299" name="Google Shape;299;p48"/>
           <p:cNvSpPr txBox="1"/>
           <p:nvPr/>
         </p:nvSpPr>
@@ -23033,7 +23950,7 @@
       </p:sp>
       <p:sp>
         <p:nvSpPr>
-          <p:cNvPr id="294" name="Google Shape;294;p47"/>
+          <p:cNvPr id="300" name="Google Shape;300;p48"/>
           <p:cNvSpPr txBox="1"/>
           <p:nvPr/>
         </p:nvSpPr>
@@ -23114,12 +24031,12 @@
 </p:sld>
 </file>
 
-<file path=ppt/slides/slide24.xml><?xml version="1.0" encoding="utf-8"?>
+<file path=ppt/slides/slide25.xml><?xml version="1.0" encoding="utf-8"?>
 <p:sld xmlns:a="http://schemas.openxmlformats.org/drawingml/2006/main" xmlns:r="http://schemas.openxmlformats.org/officeDocument/2006/relationships" xmlns:mc="http://schemas.openxmlformats.org/markup-compatibility/2006" xmlns:mv="urn:schemas-microsoft-com:mac:vml" xmlns:p="http://schemas.openxmlformats.org/presentationml/2006/main" xmlns:c="http://schemas.openxmlformats.org/drawingml/2006/chart" xmlns:dgm="http://schemas.openxmlformats.org/drawingml/2006/diagram" xmlns:o="urn:schemas-microsoft-com:office:office" xmlns:v="urn:schemas-microsoft-com:vml" xmlns:pvml="urn:schemas-microsoft-com:office:powerpoint" xmlns:com="http://schemas.openxmlformats.org/drawingml/2006/compatibility" xmlns:p14="http://schemas.microsoft.com/office/powerpoint/2010/main" xmlns:p15="http://schemas.microsoft.com/office/powerpoint/2012/main" xmlns:ahyp="http://schemas.microsoft.com/office/drawing/2018/hyperlinkcolor">
   <p:cSld>
     <p:spTree>
       <p:nvGrpSpPr>
-        <p:cNvPr id="298" name="Shape 298"/>
+        <p:cNvPr id="304" name="Shape 304"/>
         <p:cNvGrpSpPr/>
         <p:nvPr/>
       </p:nvGrpSpPr>
@@ -23133,7 +24050,7 @@
       </p:grpSpPr>
       <p:sp>
         <p:nvSpPr>
-          <p:cNvPr id="299" name="Google Shape;299;p48"/>
+          <p:cNvPr id="305" name="Google Shape;305;p49"/>
           <p:cNvSpPr txBox="1"/>
           <p:nvPr>
             <p:ph idx="1" type="body"/>
@@ -25720,7 +26637,7 @@
             </a:pPr>
             <a:r>
               <a:rPr lang="en"/>
-              <a:t>RAG on AQUA</a:t>
+              <a:t>Baselines: Multi-Agent</a:t>
             </a:r>
             <a:endParaRPr/>
           </a:p>
@@ -25736,8 +26653,8 @@
         </p:nvSpPr>
         <p:spPr>
           <a:xfrm>
-            <a:off x="685800" y="1294601"/>
-            <a:ext cx="7772400" cy="3065700"/>
+            <a:off x="685800" y="965551"/>
+            <a:ext cx="7772400" cy="3402900"/>
           </a:xfrm>
           <a:prstGeom prst="rect">
             <a:avLst/>
@@ -25745,11 +26662,11 @@
         </p:spPr>
         <p:txBody>
           <a:bodyPr anchorCtr="0" anchor="t" bIns="45700" lIns="91425" spcFirstLastPara="1" rIns="91425" wrap="square" tIns="45700">
-            <a:normAutofit/>
+            <a:noAutofit/>
           </a:bodyPr>
           <a:lstStyle/>
           <a:p>
-            <a:pPr indent="-317500" lvl="0" marL="457200" rtl="0" algn="l">
+            <a:pPr indent="0" lvl="0" marL="0" rtl="0" algn="l">
               <a:spcBef>
                 <a:spcPts val="1000"/>
               </a:spcBef>
@@ -25759,9 +26676,9 @@
               <a:buClr>
                 <a:schemeClr val="dk1"/>
               </a:buClr>
-              <a:buSzPts val="1400"/>
-              <a:buFont typeface="Helvetica Neue"/>
-              <a:buChar char="●"/>
+              <a:buSzPts val="1100"/>
+              <a:buFont typeface="Arial"/>
+              <a:buNone/>
             </a:pPr>
             <a:r>
               <a:rPr b="1" lang="en" sz="1400">
@@ -25773,8 +26690,28 @@
                 <a:cs typeface="Helvetica Neue"/>
                 <a:sym typeface="Helvetica Neue"/>
               </a:rPr>
-              <a:t>RAG Integration:</a:t>
-            </a:r>
+              <a:t>Core Principle:</a:t>
+            </a:r>
+            <a:endParaRPr b="1" sz="1400">
+              <a:solidFill>
+                <a:schemeClr val="dk1"/>
+              </a:solidFill>
+              <a:latin typeface="Helvetica Neue"/>
+              <a:ea typeface="Helvetica Neue"/>
+              <a:cs typeface="Helvetica Neue"/>
+              <a:sym typeface="Helvetica Neue"/>
+            </a:endParaRPr>
+          </a:p>
+          <a:p>
+            <a:pPr indent="0" lvl="0" marL="0" rtl="0" algn="l">
+              <a:spcBef>
+                <a:spcPts val="1000"/>
+              </a:spcBef>
+              <a:spcAft>
+                <a:spcPts val="0"/>
+              </a:spcAft>
+              <a:buNone/>
+            </a:pPr>
             <a:r>
               <a:rPr lang="en" sz="1400">
                 <a:solidFill>
@@ -25785,10 +26722,10 @@
                 <a:cs typeface="Helvetica Neue"/>
                 <a:sym typeface="Helvetica Neue"/>
               </a:rPr>
-              <a:t> Combines Retrieval-Augmented Generation with LLMs by </a:t>
-            </a:r>
-            <a:r>
-              <a:rPr lang="en" sz="1400">
+              <a:t>A collaborative framework where the </a:t>
+            </a:r>
+            <a:r>
+              <a:rPr b="1" lang="en" sz="1400">
                 <a:solidFill>
                   <a:schemeClr val="dk1"/>
                 </a:solidFill>
@@ -25797,7 +26734,7 @@
                 <a:cs typeface="Helvetica Neue"/>
                 <a:sym typeface="Helvetica Neue"/>
               </a:rPr>
-              <a:t>providing</a:t>
+              <a:t>Student LLM</a:t>
             </a:r>
             <a:r>
               <a:rPr lang="en" sz="1400">
@@ -25809,10 +26746,10 @@
                 <a:cs typeface="Helvetica Neue"/>
                 <a:sym typeface="Helvetica Neue"/>
               </a:rPr>
-              <a:t> suitable context.</a:t>
-            </a:r>
-            <a:br>
-              <a:rPr lang="en" sz="1400">
+              <a:t> generates solutions and the </a:t>
+            </a:r>
+            <a:r>
+              <a:rPr b="1" lang="en" sz="1400">
                 <a:solidFill>
                   <a:schemeClr val="dk1"/>
                 </a:solidFill>
@@ -25821,7 +26758,112 @@
                 <a:cs typeface="Helvetica Neue"/>
                 <a:sym typeface="Helvetica Neue"/>
               </a:rPr>
-            </a:br>
+              <a:t>Teacher LLM</a:t>
+            </a:r>
+            <a:r>
+              <a:rPr lang="en" sz="1400">
+                <a:solidFill>
+                  <a:schemeClr val="dk1"/>
+                </a:solidFill>
+                <a:latin typeface="Helvetica Neue"/>
+                <a:ea typeface="Helvetica Neue"/>
+                <a:cs typeface="Helvetica Neue"/>
+                <a:sym typeface="Helvetica Neue"/>
+              </a:rPr>
+              <a:t> evaluates and refines them through iterative feedback.</a:t>
+            </a:r>
+            <a:endParaRPr sz="1400">
+              <a:solidFill>
+                <a:schemeClr val="dk1"/>
+              </a:solidFill>
+              <a:latin typeface="Helvetica Neue"/>
+              <a:ea typeface="Helvetica Neue"/>
+              <a:cs typeface="Helvetica Neue"/>
+              <a:sym typeface="Helvetica Neue"/>
+            </a:endParaRPr>
+          </a:p>
+          <a:p>
+            <a:pPr indent="0" lvl="0" marL="0" rtl="0" algn="l">
+              <a:lnSpc>
+                <a:spcPct val="115000"/>
+              </a:lnSpc>
+              <a:spcBef>
+                <a:spcPts val="1200"/>
+              </a:spcBef>
+              <a:spcAft>
+                <a:spcPts val="0"/>
+              </a:spcAft>
+              <a:buClr>
+                <a:schemeClr val="dk1"/>
+              </a:buClr>
+              <a:buSzPts val="1100"/>
+              <a:buFont typeface="Arial"/>
+              <a:buNone/>
+            </a:pPr>
+            <a:r>
+              <a:rPr b="1" lang="en" sz="1400">
+                <a:solidFill>
+                  <a:schemeClr val="dk1"/>
+                </a:solidFill>
+                <a:latin typeface="Helvetica Neue"/>
+                <a:ea typeface="Helvetica Neue"/>
+                <a:cs typeface="Helvetica Neue"/>
+                <a:sym typeface="Helvetica Neue"/>
+              </a:rPr>
+              <a:t>Roles:</a:t>
+            </a:r>
+            <a:endParaRPr b="1" sz="1400">
+              <a:solidFill>
+                <a:schemeClr val="dk1"/>
+              </a:solidFill>
+              <a:latin typeface="Helvetica Neue"/>
+              <a:ea typeface="Helvetica Neue"/>
+              <a:cs typeface="Helvetica Neue"/>
+              <a:sym typeface="Helvetica Neue"/>
+            </a:endParaRPr>
+          </a:p>
+          <a:p>
+            <a:pPr indent="-317500" lvl="0" marL="457200" rtl="0" algn="l">
+              <a:lnSpc>
+                <a:spcPct val="115000"/>
+              </a:lnSpc>
+              <a:spcBef>
+                <a:spcPts val="1200"/>
+              </a:spcBef>
+              <a:spcAft>
+                <a:spcPts val="0"/>
+              </a:spcAft>
+              <a:buClr>
+                <a:schemeClr val="dk1"/>
+              </a:buClr>
+              <a:buSzPts val="1400"/>
+              <a:buFont typeface="Arial"/>
+              <a:buChar char="●"/>
+            </a:pPr>
+            <a:r>
+              <a:rPr b="1" lang="en" sz="1400">
+                <a:solidFill>
+                  <a:schemeClr val="dk1"/>
+                </a:solidFill>
+                <a:latin typeface="Helvetica Neue"/>
+                <a:ea typeface="Helvetica Neue"/>
+                <a:cs typeface="Helvetica Neue"/>
+                <a:sym typeface="Helvetica Neue"/>
+              </a:rPr>
+              <a:t>Student:</a:t>
+            </a:r>
+            <a:r>
+              <a:rPr lang="en" sz="1400">
+                <a:solidFill>
+                  <a:schemeClr val="dk1"/>
+                </a:solidFill>
+                <a:latin typeface="Helvetica Neue"/>
+                <a:ea typeface="Helvetica Neue"/>
+                <a:cs typeface="Helvetica Neue"/>
+                <a:sym typeface="Helvetica Neue"/>
+              </a:rPr>
+              <a:t> Solves problems, provides explanations, and generates answers in a fixed template.</a:t>
+            </a:r>
             <a:endParaRPr sz="1400">
               <a:solidFill>
                 <a:schemeClr val="dk1"/>
@@ -25834,6 +26876,9 @@
           </a:p>
           <a:p>
             <a:pPr indent="-317500" lvl="0" marL="457200" rtl="0" algn="l">
+              <a:lnSpc>
+                <a:spcPct val="115000"/>
+              </a:lnSpc>
               <a:spcBef>
                 <a:spcPts val="0"/>
               </a:spcBef>
@@ -25844,7 +26889,7 @@
                 <a:schemeClr val="dk1"/>
               </a:buClr>
               <a:buSzPts val="1400"/>
-              <a:buFont typeface="Helvetica Neue"/>
+              <a:buFont typeface="Arial"/>
               <a:buChar char="●"/>
             </a:pPr>
             <a:r>
@@ -25857,7 +26902,7 @@
                 <a:cs typeface="Helvetica Neue"/>
                 <a:sym typeface="Helvetica Neue"/>
               </a:rPr>
-              <a:t>Pinecone Utilization:</a:t>
+              <a:t>Teacher:</a:t>
             </a:r>
             <a:r>
               <a:rPr lang="en" sz="1400">
@@ -25869,19 +26914,8 @@
                 <a:cs typeface="Helvetica Neue"/>
                 <a:sym typeface="Helvetica Neue"/>
               </a:rPr>
-              <a:t> Leverages Pinecone to store and retrieve embeddings from a 1,000-sample AQUA-RAT subset.</a:t>
-            </a:r>
-            <a:br>
-              <a:rPr lang="en" sz="1400">
-                <a:solidFill>
-                  <a:schemeClr val="dk1"/>
-                </a:solidFill>
-                <a:latin typeface="Helvetica Neue"/>
-                <a:ea typeface="Helvetica Neue"/>
-                <a:cs typeface="Helvetica Neue"/>
-                <a:sym typeface="Helvetica Neue"/>
-              </a:rPr>
-            </a:br>
+              <a:t> Evaluates responses, identifies errors, and offers corrective feedback.</a:t>
+            </a:r>
             <a:endParaRPr sz="1400">
               <a:solidFill>
                 <a:schemeClr val="dk1"/>
@@ -25893,19 +26927,14 @@
             </a:endParaRPr>
           </a:p>
           <a:p>
-            <a:pPr indent="-317500" lvl="0" marL="457200" rtl="0" algn="l">
-              <a:spcBef>
-                <a:spcPts val="0"/>
-              </a:spcBef>
-              <a:spcAft>
-                <a:spcPts val="0"/>
-              </a:spcAft>
-              <a:buClr>
-                <a:schemeClr val="dk1"/>
-              </a:buClr>
-              <a:buSzPts val="1400"/>
-              <a:buFont typeface="Helvetica Neue"/>
-              <a:buChar char="●"/>
+            <a:pPr indent="0" lvl="0" marL="0" rtl="0" algn="l">
+              <a:spcBef>
+                <a:spcPts val="1200"/>
+              </a:spcBef>
+              <a:spcAft>
+                <a:spcPts val="0"/>
+              </a:spcAft>
+              <a:buNone/>
             </a:pPr>
             <a:r>
               <a:rPr b="1" lang="en" sz="1400">
@@ -25917,32 +26946,9 @@
                 <a:cs typeface="Helvetica Neue"/>
                 <a:sym typeface="Helvetica Neue"/>
               </a:rPr>
-              <a:t>Contextual Prompting:</a:t>
-            </a:r>
-            <a:r>
-              <a:rPr lang="en" sz="1400">
-                <a:solidFill>
-                  <a:schemeClr val="dk1"/>
-                </a:solidFill>
-                <a:latin typeface="Helvetica Neue"/>
-                <a:ea typeface="Helvetica Neue"/>
-                <a:cs typeface="Helvetica Neue"/>
-                <a:sym typeface="Helvetica Neue"/>
-              </a:rPr>
-              <a:t> Retrieves top-3 relevant question-answer pairs to create enriched prompts for better LLM responses.</a:t>
-            </a:r>
-            <a:br>
-              <a:rPr lang="en" sz="1400">
-                <a:solidFill>
-                  <a:schemeClr val="dk1"/>
-                </a:solidFill>
-                <a:latin typeface="Helvetica Neue"/>
-                <a:ea typeface="Helvetica Neue"/>
-                <a:cs typeface="Helvetica Neue"/>
-                <a:sym typeface="Helvetica Neue"/>
-              </a:rPr>
-            </a:br>
-            <a:endParaRPr sz="1400">
+              <a:t>Key Insight:</a:t>
+            </a:r>
+            <a:endParaRPr b="1" sz="1400">
               <a:solidFill>
                 <a:schemeClr val="dk1"/>
               </a:solidFill>
@@ -25953,22 +26959,17 @@
             </a:endParaRPr>
           </a:p>
           <a:p>
-            <a:pPr indent="-317500" lvl="0" marL="457200" rtl="0" algn="l">
-              <a:spcBef>
-                <a:spcPts val="0"/>
-              </a:spcBef>
-              <a:spcAft>
-                <a:spcPts val="0"/>
-              </a:spcAft>
-              <a:buClr>
-                <a:schemeClr val="dk1"/>
-              </a:buClr>
-              <a:buSzPts val="1400"/>
-              <a:buFont typeface="Helvetica Neue"/>
-              <a:buChar char="●"/>
+            <a:pPr indent="0" lvl="0" marL="0" rtl="0" algn="l">
+              <a:spcBef>
+                <a:spcPts val="1000"/>
+              </a:spcBef>
+              <a:spcAft>
+                <a:spcPts val="0"/>
+              </a:spcAft>
+              <a:buNone/>
             </a:pPr>
             <a:r>
-              <a:rPr b="1" lang="en" sz="1400">
+              <a:rPr lang="en" sz="1400">
                 <a:solidFill>
                   <a:schemeClr val="dk1"/>
                 </a:solidFill>
@@ -25977,10 +26978,10 @@
                 <a:cs typeface="Helvetica Neue"/>
                 <a:sym typeface="Helvetica Neue"/>
               </a:rPr>
-              <a:t>LLM Models Used:</a:t>
-            </a:r>
-            <a:r>
-              <a:rPr lang="en" sz="1400">
+              <a:t>Achieved </a:t>
+            </a:r>
+            <a:r>
+              <a:rPr b="1" lang="en" sz="1400">
                 <a:solidFill>
                   <a:schemeClr val="dk1"/>
                 </a:solidFill>
@@ -25989,9 +26990,9 @@
                 <a:cs typeface="Helvetica Neue"/>
                 <a:sym typeface="Helvetica Neue"/>
               </a:rPr>
-              <a:t> Processes enriched prompts with models like Meta-Llama 3.1-8B-Instruct , Gemma 9B , and Mixtral-8x-7b, ensuring standardized output.</a:t>
-            </a:r>
-            <a:br>
+              <a:t>92.00% on SVAMP</a:t>
+            </a:r>
+            <a:r>
               <a:rPr lang="en" sz="1400">
                 <a:solidFill>
                   <a:schemeClr val="dk1"/>
@@ -26001,7 +27002,8 @@
                 <a:cs typeface="Helvetica Neue"/>
                 <a:sym typeface="Helvetica Neue"/>
               </a:rPr>
-            </a:br>
+              <a:t> with LLAMA, highlighting the effectiveness of collaborative reasoning. GSM8k experiments were limited due to resource constraints.</a:t>
+            </a:r>
             <a:endParaRPr sz="1400">
               <a:solidFill>
                 <a:schemeClr val="dk1"/>
@@ -26011,47 +27013,6 @@
               <a:cs typeface="Helvetica Neue"/>
               <a:sym typeface="Helvetica Neue"/>
             </a:endParaRPr>
-          </a:p>
-          <a:p>
-            <a:pPr indent="-317500" lvl="0" marL="457200" rtl="0" algn="l">
-              <a:spcBef>
-                <a:spcPts val="0"/>
-              </a:spcBef>
-              <a:spcAft>
-                <a:spcPts val="0"/>
-              </a:spcAft>
-              <a:buClr>
-                <a:schemeClr val="dk1"/>
-              </a:buClr>
-              <a:buSzPts val="1400"/>
-              <a:buFont typeface="Helvetica Neue"/>
-              <a:buChar char="●"/>
-            </a:pPr>
-            <a:r>
-              <a:rPr b="1" lang="en" sz="1400">
-                <a:solidFill>
-                  <a:schemeClr val="dk1"/>
-                </a:solidFill>
-                <a:latin typeface="Helvetica Neue"/>
-                <a:ea typeface="Helvetica Neue"/>
-                <a:cs typeface="Helvetica Neue"/>
-                <a:sym typeface="Helvetica Neue"/>
-              </a:rPr>
-              <a:t>Dataset Evaluation:</a:t>
-            </a:r>
-            <a:r>
-              <a:rPr lang="en" sz="1400">
-                <a:solidFill>
-                  <a:schemeClr val="dk1"/>
-                </a:solidFill>
-                <a:latin typeface="Helvetica Neue"/>
-                <a:ea typeface="Helvetica Neue"/>
-                <a:cs typeface="Helvetica Neue"/>
-                <a:sym typeface="Helvetica Neue"/>
-              </a:rPr>
-              <a:t> Tested on GSM8K and SVAMP datasets (100 samples), achieving improved accuracy with manual evaluation. </a:t>
-            </a:r>
-            <a:endParaRPr/>
           </a:p>
         </p:txBody>
       </p:sp>
@@ -26114,7 +27075,7 @@
             </a:pPr>
             <a:r>
               <a:rPr lang="en"/>
-              <a:t>Fine Tuning: QLoRA</a:t>
+              <a:t>RAG on AQUA</a:t>
             </a:r>
             <a:endParaRPr/>
           </a:p>
@@ -26130,8 +27091,8 @@
         </p:nvSpPr>
         <p:spPr>
           <a:xfrm>
-            <a:off x="685800" y="897725"/>
-            <a:ext cx="8273100" cy="3737400"/>
+            <a:off x="685800" y="1294601"/>
+            <a:ext cx="7772400" cy="3065700"/>
           </a:xfrm>
           <a:prstGeom prst="rect">
             <a:avLst/>
@@ -26139,24 +27100,26 @@
         </p:spPr>
         <p:txBody>
           <a:bodyPr anchorCtr="0" anchor="t" bIns="45700" lIns="91425" spcFirstLastPara="1" rIns="91425" wrap="square" tIns="45700">
-            <a:noAutofit/>
+            <a:normAutofit/>
           </a:bodyPr>
           <a:lstStyle/>
           <a:p>
-            <a:pPr indent="0" lvl="0" marL="0" rtl="0" algn="l">
-              <a:lnSpc>
-                <a:spcPct val="115000"/>
-              </a:lnSpc>
-              <a:spcBef>
-                <a:spcPts val="1200"/>
-              </a:spcBef>
-              <a:spcAft>
-                <a:spcPts val="0"/>
-              </a:spcAft>
-              <a:buNone/>
+            <a:pPr indent="-317500" lvl="0" marL="457200" rtl="0" algn="l">
+              <a:spcBef>
+                <a:spcPts val="1000"/>
+              </a:spcBef>
+              <a:spcAft>
+                <a:spcPts val="0"/>
+              </a:spcAft>
+              <a:buClr>
+                <a:schemeClr val="dk1"/>
+              </a:buClr>
+              <a:buSzPts val="1400"/>
+              <a:buFont typeface="Helvetica Neue"/>
+              <a:buChar char="●"/>
             </a:pPr>
             <a:r>
-              <a:rPr lang="en" sz="1200">
+              <a:rPr b="1" lang="en" sz="1400">
                 <a:solidFill>
                   <a:schemeClr val="dk1"/>
                 </a:solidFill>
@@ -26165,9 +27128,56 @@
                 <a:cs typeface="Helvetica Neue"/>
                 <a:sym typeface="Helvetica Neue"/>
               </a:rPr>
-              <a:t>QLoRA fine-tunes large models efficiently by quantizing weights and updating low-rank matrices, enabling task-specific adaptation with minimal resources.</a:t>
-            </a:r>
-            <a:endParaRPr sz="1200">
+              <a:t>RAG Integration:</a:t>
+            </a:r>
+            <a:r>
+              <a:rPr lang="en" sz="1400">
+                <a:solidFill>
+                  <a:schemeClr val="dk1"/>
+                </a:solidFill>
+                <a:latin typeface="Helvetica Neue"/>
+                <a:ea typeface="Helvetica Neue"/>
+                <a:cs typeface="Helvetica Neue"/>
+                <a:sym typeface="Helvetica Neue"/>
+              </a:rPr>
+              <a:t> Combines Retrieval-Augmented Generation with LLMs by </a:t>
+            </a:r>
+            <a:r>
+              <a:rPr lang="en" sz="1400">
+                <a:solidFill>
+                  <a:schemeClr val="dk1"/>
+                </a:solidFill>
+                <a:latin typeface="Helvetica Neue"/>
+                <a:ea typeface="Helvetica Neue"/>
+                <a:cs typeface="Helvetica Neue"/>
+                <a:sym typeface="Helvetica Neue"/>
+              </a:rPr>
+              <a:t>providing</a:t>
+            </a:r>
+            <a:r>
+              <a:rPr lang="en" sz="1400">
+                <a:solidFill>
+                  <a:schemeClr val="dk1"/>
+                </a:solidFill>
+                <a:latin typeface="Helvetica Neue"/>
+                <a:ea typeface="Helvetica Neue"/>
+                <a:cs typeface="Helvetica Neue"/>
+                <a:sym typeface="Helvetica Neue"/>
+              </a:rPr>
+              <a:t> suitable context.</a:t>
+            </a:r>
+            <a:br>
+              <a:rPr lang="en" sz="1400">
+                <a:solidFill>
+                  <a:schemeClr val="dk1"/>
+                </a:solidFill>
+                <a:latin typeface="Helvetica Neue"/>
+                <a:ea typeface="Helvetica Neue"/>
+                <a:cs typeface="Helvetica Neue"/>
+                <a:sym typeface="Helvetica Neue"/>
+              </a:rPr>
+            </a:br>
+            <a:endParaRPr sz="1400">
               <a:solidFill>
                 <a:schemeClr val="dk1"/>
               </a:solidFill>
@@ -26178,12 +27188,9 @@
             </a:endParaRPr>
           </a:p>
           <a:p>
-            <a:pPr indent="0" lvl="0" marL="0" rtl="0" algn="l">
-              <a:lnSpc>
-                <a:spcPct val="115000"/>
-              </a:lnSpc>
-              <a:spcBef>
-                <a:spcPts val="1200"/>
+            <a:pPr indent="-317500" lvl="0" marL="457200" rtl="0" algn="l">
+              <a:spcBef>
+                <a:spcPts val="0"/>
               </a:spcBef>
               <a:spcAft>
                 <a:spcPts val="0"/>
@@ -26191,12 +27198,12 @@
               <a:buClr>
                 <a:schemeClr val="dk1"/>
               </a:buClr>
-              <a:buSzPts val="1100"/>
-              <a:buFont typeface="Arial"/>
-              <a:buNone/>
+              <a:buSzPts val="1400"/>
+              <a:buFont typeface="Helvetica Neue"/>
+              <a:buChar char="●"/>
             </a:pPr>
             <a:r>
-              <a:rPr b="1" lang="en" sz="1200">
+              <a:rPr b="1" lang="en" sz="1400">
                 <a:solidFill>
                   <a:schemeClr val="dk1"/>
                 </a:solidFill>
@@ -26205,9 +27212,32 @@
                 <a:cs typeface="Helvetica Neue"/>
                 <a:sym typeface="Helvetica Neue"/>
               </a:rPr>
-              <a:t>Experimental Setup</a:t>
-            </a:r>
-            <a:endParaRPr b="1" sz="1200">
+              <a:t>Pinecone Utilization:</a:t>
+            </a:r>
+            <a:r>
+              <a:rPr lang="en" sz="1400">
+                <a:solidFill>
+                  <a:schemeClr val="dk1"/>
+                </a:solidFill>
+                <a:latin typeface="Helvetica Neue"/>
+                <a:ea typeface="Helvetica Neue"/>
+                <a:cs typeface="Helvetica Neue"/>
+                <a:sym typeface="Helvetica Neue"/>
+              </a:rPr>
+              <a:t> Leverages Pinecone to store and retrieve embeddings from a 1,000-sample AQUA-RAT subset.</a:t>
+            </a:r>
+            <a:br>
+              <a:rPr lang="en" sz="1400">
+                <a:solidFill>
+                  <a:schemeClr val="dk1"/>
+                </a:solidFill>
+                <a:latin typeface="Helvetica Neue"/>
+                <a:ea typeface="Helvetica Neue"/>
+                <a:cs typeface="Helvetica Neue"/>
+                <a:sym typeface="Helvetica Neue"/>
+              </a:rPr>
+            </a:br>
+            <a:endParaRPr sz="1400">
               <a:solidFill>
                 <a:schemeClr val="dk1"/>
               </a:solidFill>
@@ -26218,12 +27248,9 @@
             </a:endParaRPr>
           </a:p>
           <a:p>
-            <a:pPr indent="-304800" lvl="0" marL="457200" rtl="0" algn="l">
-              <a:lnSpc>
-                <a:spcPct val="115000"/>
-              </a:lnSpc>
-              <a:spcBef>
-                <a:spcPts val="1200"/>
+            <a:pPr indent="-317500" lvl="0" marL="457200" rtl="0" algn="l">
+              <a:spcBef>
+                <a:spcPts val="0"/>
               </a:spcBef>
               <a:spcAft>
                 <a:spcPts val="0"/>
@@ -26231,12 +27258,12 @@
               <a:buClr>
                 <a:schemeClr val="dk1"/>
               </a:buClr>
-              <a:buSzPts val="1200"/>
-              <a:buFont typeface="Arial"/>
+              <a:buSzPts val="1400"/>
+              <a:buFont typeface="Helvetica Neue"/>
               <a:buChar char="●"/>
             </a:pPr>
             <a:r>
-              <a:rPr b="1" lang="en" sz="1200">
+              <a:rPr b="1" lang="en" sz="1400">
                 <a:solidFill>
                   <a:schemeClr val="dk1"/>
                 </a:solidFill>
@@ -26245,10 +27272,10 @@
                 <a:cs typeface="Helvetica Neue"/>
                 <a:sym typeface="Helvetica Neue"/>
               </a:rPr>
-              <a:t>Epochs:</a:t>
-            </a:r>
-            <a:r>
-              <a:rPr lang="en" sz="1200">
+              <a:t>Contextual Prompting:</a:t>
+            </a:r>
+            <a:r>
+              <a:rPr lang="en" sz="1400">
                 <a:solidFill>
                   <a:schemeClr val="dk1"/>
                 </a:solidFill>
@@ -26257,9 +27284,20 @@
                 <a:cs typeface="Helvetica Neue"/>
                 <a:sym typeface="Helvetica Neue"/>
               </a:rPr>
-              <a:t> 4,                               </a:t>
-            </a:r>
-            <a:endParaRPr sz="1200">
+              <a:t> Retrieves top-3 relevant question-answer pairs to create enriched prompts for better LLM responses.</a:t>
+            </a:r>
+            <a:br>
+              <a:rPr lang="en" sz="1400">
+                <a:solidFill>
+                  <a:schemeClr val="dk1"/>
+                </a:solidFill>
+                <a:latin typeface="Helvetica Neue"/>
+                <a:ea typeface="Helvetica Neue"/>
+                <a:cs typeface="Helvetica Neue"/>
+                <a:sym typeface="Helvetica Neue"/>
+              </a:rPr>
+            </a:br>
+            <a:endParaRPr sz="1400">
               <a:solidFill>
                 <a:schemeClr val="dk1"/>
               </a:solidFill>
@@ -26270,10 +27308,7 @@
             </a:endParaRPr>
           </a:p>
           <a:p>
-            <a:pPr indent="-304800" lvl="0" marL="457200" rtl="0" algn="l">
-              <a:lnSpc>
-                <a:spcPct val="115000"/>
-              </a:lnSpc>
+            <a:pPr indent="-317500" lvl="0" marL="457200" rtl="0" algn="l">
               <a:spcBef>
                 <a:spcPts val="0"/>
               </a:spcBef>
@@ -26283,12 +27318,12 @@
               <a:buClr>
                 <a:schemeClr val="dk1"/>
               </a:buClr>
-              <a:buSzPts val="1200"/>
-              <a:buFont typeface="Arial"/>
+              <a:buSzPts val="1400"/>
+              <a:buFont typeface="Helvetica Neue"/>
               <a:buChar char="●"/>
             </a:pPr>
             <a:r>
-              <a:rPr b="1" lang="en" sz="1200">
+              <a:rPr b="1" lang="en" sz="1400">
                 <a:solidFill>
                   <a:schemeClr val="dk1"/>
                 </a:solidFill>
@@ -26297,10 +27332,10 @@
                 <a:cs typeface="Helvetica Neue"/>
                 <a:sym typeface="Helvetica Neue"/>
               </a:rPr>
-              <a:t>Target Modules:</a:t>
-            </a:r>
-            <a:r>
-              <a:rPr lang="en" sz="1200">
+              <a:t>LLM Models Used:</a:t>
+            </a:r>
+            <a:r>
+              <a:rPr lang="en" sz="1400">
                 <a:solidFill>
                   <a:schemeClr val="dk1"/>
                 </a:solidFill>
@@ -26309,9 +27344,20 @@
                 <a:cs typeface="Helvetica Neue"/>
                 <a:sym typeface="Helvetica Neue"/>
               </a:rPr>
-              <a:t> 'q_proj', 'k_proj', 'v_proj', 'dense'</a:t>
-            </a:r>
-            <a:endParaRPr sz="1200">
+              <a:t> Processes enriched prompts with models like Meta-Llama 3.1-8B-Instruct , Gemma 9B , and Mixtral-8x-7b, ensuring standardized output.</a:t>
+            </a:r>
+            <a:br>
+              <a:rPr lang="en" sz="1400">
+                <a:solidFill>
+                  <a:schemeClr val="dk1"/>
+                </a:solidFill>
+                <a:latin typeface="Helvetica Neue"/>
+                <a:ea typeface="Helvetica Neue"/>
+                <a:cs typeface="Helvetica Neue"/>
+                <a:sym typeface="Helvetica Neue"/>
+              </a:rPr>
+            </a:br>
+            <a:endParaRPr sz="1400">
               <a:solidFill>
                 <a:schemeClr val="dk1"/>
               </a:solidFill>
@@ -26322,20 +27368,22 @@
             </a:endParaRPr>
           </a:p>
           <a:p>
-            <a:pPr indent="0" lvl="0" marL="0" rtl="0" algn="l">
-              <a:lnSpc>
-                <a:spcPct val="115000"/>
-              </a:lnSpc>
-              <a:spcBef>
-                <a:spcPts val="1200"/>
-              </a:spcBef>
-              <a:spcAft>
-                <a:spcPts val="0"/>
-              </a:spcAft>
-              <a:buNone/>
+            <a:pPr indent="-317500" lvl="0" marL="457200" rtl="0" algn="l">
+              <a:spcBef>
+                <a:spcPts val="0"/>
+              </a:spcBef>
+              <a:spcAft>
+                <a:spcPts val="0"/>
+              </a:spcAft>
+              <a:buClr>
+                <a:schemeClr val="dk1"/>
+              </a:buClr>
+              <a:buSzPts val="1400"/>
+              <a:buFont typeface="Helvetica Neue"/>
+              <a:buChar char="●"/>
             </a:pPr>
             <a:r>
-              <a:rPr b="1" lang="en" sz="1200">
+              <a:rPr b="1" lang="en" sz="1400">
                 <a:solidFill>
                   <a:schemeClr val="dk1"/>
                 </a:solidFill>
@@ -26344,38 +27392,10 @@
                 <a:cs typeface="Helvetica Neue"/>
                 <a:sym typeface="Helvetica Neue"/>
               </a:rPr>
-              <a:t>Results</a:t>
-            </a:r>
-            <a:endParaRPr b="1" sz="1200">
-              <a:solidFill>
-                <a:schemeClr val="dk1"/>
-              </a:solidFill>
-              <a:latin typeface="Helvetica Neue"/>
-              <a:ea typeface="Helvetica Neue"/>
-              <a:cs typeface="Helvetica Neue"/>
-              <a:sym typeface="Helvetica Neue"/>
-            </a:endParaRPr>
-          </a:p>
-          <a:p>
-            <a:pPr indent="-304800" lvl="0" marL="457200" rtl="0" algn="l">
-              <a:lnSpc>
-                <a:spcPct val="100000"/>
-              </a:lnSpc>
-              <a:spcBef>
-                <a:spcPts val="1200"/>
-              </a:spcBef>
-              <a:spcAft>
-                <a:spcPts val="0"/>
-              </a:spcAft>
-              <a:buClr>
-                <a:schemeClr val="dk1"/>
-              </a:buClr>
-              <a:buSzPts val="1200"/>
-              <a:buFont typeface="Arial"/>
-              <a:buChar char="●"/>
-            </a:pPr>
-            <a:r>
-              <a:rPr lang="en" sz="1200">
+              <a:t>Dataset Evaluation:</a:t>
+            </a:r>
+            <a:r>
+              <a:rPr lang="en" sz="1400">
                 <a:solidFill>
                   <a:schemeClr val="dk1"/>
                 </a:solidFill>
@@ -26384,447 +27404,9 @@
                 <a:cs typeface="Helvetica Neue"/>
                 <a:sym typeface="Helvetica Neue"/>
               </a:rPr>
-              <a:t>Fine-tuning with QLoRA led to a </a:t>
-            </a:r>
-            <a:r>
-              <a:rPr b="1" lang="en" sz="1200">
-                <a:solidFill>
-                  <a:schemeClr val="dk1"/>
-                </a:solidFill>
-                <a:latin typeface="Helvetica Neue"/>
-                <a:ea typeface="Helvetica Neue"/>
-                <a:cs typeface="Helvetica Neue"/>
-                <a:sym typeface="Helvetica Neue"/>
-              </a:rPr>
-              <a:t>significant drop in performance</a:t>
-            </a:r>
-            <a:r>
-              <a:rPr lang="en" sz="1200">
-                <a:solidFill>
-                  <a:schemeClr val="dk1"/>
-                </a:solidFill>
-                <a:latin typeface="Helvetica Neue"/>
-                <a:ea typeface="Helvetica Neue"/>
-                <a:cs typeface="Helvetica Neue"/>
-                <a:sym typeface="Helvetica Neue"/>
-              </a:rPr>
-              <a:t> across tasks on SVAMP and GSM8k datasets.</a:t>
-            </a:r>
-            <a:br>
-              <a:rPr lang="en" sz="1200">
-                <a:solidFill>
-                  <a:schemeClr val="dk1"/>
-                </a:solidFill>
-                <a:latin typeface="Helvetica Neue"/>
-                <a:ea typeface="Helvetica Neue"/>
-                <a:cs typeface="Helvetica Neue"/>
-                <a:sym typeface="Helvetica Neue"/>
-              </a:rPr>
-            </a:br>
-            <a:endParaRPr sz="1200">
-              <a:solidFill>
-                <a:schemeClr val="dk1"/>
-              </a:solidFill>
-              <a:latin typeface="Helvetica Neue"/>
-              <a:ea typeface="Helvetica Neue"/>
-              <a:cs typeface="Helvetica Neue"/>
-              <a:sym typeface="Helvetica Neue"/>
-            </a:endParaRPr>
-          </a:p>
-          <a:p>
-            <a:pPr indent="-304800" lvl="0" marL="457200" rtl="0" algn="l">
-              <a:lnSpc>
-                <a:spcPct val="100000"/>
-              </a:lnSpc>
-              <a:spcBef>
-                <a:spcPts val="0"/>
-              </a:spcBef>
-              <a:spcAft>
-                <a:spcPts val="0"/>
-              </a:spcAft>
-              <a:buClr>
-                <a:schemeClr val="dk1"/>
-              </a:buClr>
-              <a:buSzPts val="1200"/>
-              <a:buFont typeface="Arial"/>
-              <a:buChar char="●"/>
-            </a:pPr>
-            <a:r>
-              <a:rPr lang="en" sz="1200">
-                <a:solidFill>
-                  <a:schemeClr val="dk1"/>
-                </a:solidFill>
-                <a:latin typeface="Helvetica Neue"/>
-                <a:ea typeface="Helvetica Neue"/>
-                <a:cs typeface="Helvetica Neue"/>
-                <a:sym typeface="Helvetica Neue"/>
-              </a:rPr>
-              <a:t>These adaptations may cause the model to lose previously learned generalization capabilities, a phenomenon known as </a:t>
-            </a:r>
-            <a:r>
-              <a:rPr b="1" lang="en" sz="1200">
-                <a:solidFill>
-                  <a:schemeClr val="dk1"/>
-                </a:solidFill>
-                <a:latin typeface="Helvetica Neue"/>
-                <a:ea typeface="Helvetica Neue"/>
-                <a:cs typeface="Helvetica Neue"/>
-                <a:sym typeface="Helvetica Neue"/>
-              </a:rPr>
-              <a:t>catastrophic forgetting</a:t>
-            </a:r>
-            <a:r>
-              <a:rPr lang="en" sz="1200">
-                <a:solidFill>
-                  <a:schemeClr val="dk1"/>
-                </a:solidFill>
-                <a:latin typeface="Helvetica Neue"/>
-                <a:ea typeface="Helvetica Neue"/>
-                <a:cs typeface="Helvetica Neue"/>
-                <a:sym typeface="Helvetica Neue"/>
-              </a:rPr>
-              <a:t>, especially when the fine-tuning task is too narrowly focused.</a:t>
-            </a:r>
-            <a:br>
-              <a:rPr lang="en" sz="1200">
-                <a:solidFill>
-                  <a:schemeClr val="dk1"/>
-                </a:solidFill>
-                <a:latin typeface="Helvetica Neue"/>
-                <a:ea typeface="Helvetica Neue"/>
-                <a:cs typeface="Helvetica Neue"/>
-                <a:sym typeface="Helvetica Neue"/>
-              </a:rPr>
-            </a:br>
-            <a:endParaRPr sz="1200">
-              <a:solidFill>
-                <a:schemeClr val="dk1"/>
-              </a:solidFill>
-              <a:latin typeface="Helvetica Neue"/>
-              <a:ea typeface="Helvetica Neue"/>
-              <a:cs typeface="Helvetica Neue"/>
-              <a:sym typeface="Helvetica Neue"/>
-            </a:endParaRPr>
-          </a:p>
-          <a:p>
-            <a:pPr indent="-304800" lvl="0" marL="457200" rtl="0" algn="l">
-              <a:lnSpc>
-                <a:spcPct val="100000"/>
-              </a:lnSpc>
-              <a:spcBef>
-                <a:spcPts val="0"/>
-              </a:spcBef>
-              <a:spcAft>
-                <a:spcPts val="0"/>
-              </a:spcAft>
-              <a:buClr>
-                <a:schemeClr val="dk1"/>
-              </a:buClr>
-              <a:buSzPts val="1200"/>
-              <a:buFont typeface="Arial"/>
-              <a:buChar char="●"/>
-            </a:pPr>
-            <a:r>
-              <a:rPr lang="en" sz="1200">
-                <a:solidFill>
-                  <a:schemeClr val="dk1"/>
-                </a:solidFill>
-                <a:latin typeface="Helvetica Neue"/>
-                <a:ea typeface="Helvetica Neue"/>
-                <a:cs typeface="Helvetica Neue"/>
-                <a:sym typeface="Helvetica Neue"/>
-              </a:rPr>
-              <a:t>QLoRA relies on </a:t>
-            </a:r>
-            <a:r>
-              <a:rPr b="1" lang="en" sz="1200">
-                <a:solidFill>
-                  <a:schemeClr val="dk1"/>
-                </a:solidFill>
-                <a:latin typeface="Helvetica Neue"/>
-                <a:ea typeface="Helvetica Neue"/>
-                <a:cs typeface="Helvetica Neue"/>
-                <a:sym typeface="Helvetica Neue"/>
-              </a:rPr>
-              <a:t>low-precision quantization</a:t>
-            </a:r>
-            <a:r>
-              <a:rPr lang="en" sz="1200">
-                <a:solidFill>
-                  <a:schemeClr val="dk1"/>
-                </a:solidFill>
-                <a:latin typeface="Helvetica Neue"/>
-                <a:ea typeface="Helvetica Neue"/>
-                <a:cs typeface="Helvetica Neue"/>
-                <a:sym typeface="Helvetica Neue"/>
-              </a:rPr>
-              <a:t> (e.g., 4-bit/8-bit), which can result in a </a:t>
-            </a:r>
-            <a:r>
-              <a:rPr b="1" lang="en" sz="1200">
-                <a:solidFill>
-                  <a:schemeClr val="dk1"/>
-                </a:solidFill>
-                <a:latin typeface="Helvetica Neue"/>
-                <a:ea typeface="Helvetica Neue"/>
-                <a:cs typeface="Helvetica Neue"/>
-                <a:sym typeface="Helvetica Neue"/>
-              </a:rPr>
-              <a:t>loss of precision</a:t>
-            </a:r>
-            <a:r>
-              <a:rPr lang="en" sz="1200">
-                <a:solidFill>
-                  <a:schemeClr val="dk1"/>
-                </a:solidFill>
-                <a:latin typeface="Helvetica Neue"/>
-                <a:ea typeface="Helvetica Neue"/>
-                <a:cs typeface="Helvetica Neue"/>
-                <a:sym typeface="Helvetica Neue"/>
-              </a:rPr>
-              <a:t> for critical model weights.</a:t>
-            </a:r>
-            <a:endParaRPr sz="1200">
-              <a:solidFill>
-                <a:schemeClr val="dk1"/>
-              </a:solidFill>
-              <a:latin typeface="Helvetica Neue"/>
-              <a:ea typeface="Helvetica Neue"/>
-              <a:cs typeface="Helvetica Neue"/>
-              <a:sym typeface="Helvetica Neue"/>
-            </a:endParaRPr>
-          </a:p>
-          <a:p>
-            <a:pPr indent="0" lvl="0" marL="0" rtl="0" algn="l">
-              <a:lnSpc>
-                <a:spcPct val="115000"/>
-              </a:lnSpc>
-              <a:spcBef>
-                <a:spcPts val="1200"/>
-              </a:spcBef>
-              <a:spcAft>
-                <a:spcPts val="0"/>
-              </a:spcAft>
-              <a:buClr>
-                <a:schemeClr val="dk1"/>
-              </a:buClr>
-              <a:buSzPts val="1100"/>
-              <a:buFont typeface="Arial"/>
-              <a:buNone/>
-            </a:pPr>
-            <a:r>
-              <a:t/>
-            </a:r>
-            <a:endParaRPr sz="1100">
-              <a:solidFill>
-                <a:schemeClr val="dk1"/>
-              </a:solidFill>
-              <a:latin typeface="Helvetica Neue"/>
-              <a:ea typeface="Helvetica Neue"/>
-              <a:cs typeface="Helvetica Neue"/>
-              <a:sym typeface="Helvetica Neue"/>
-            </a:endParaRPr>
-          </a:p>
-          <a:p>
-            <a:pPr indent="0" lvl="0" marL="0" rtl="0" algn="l">
-              <a:lnSpc>
-                <a:spcPct val="115000"/>
-              </a:lnSpc>
-              <a:spcBef>
-                <a:spcPts val="1200"/>
-              </a:spcBef>
-              <a:spcAft>
-                <a:spcPts val="0"/>
-              </a:spcAft>
-              <a:buNone/>
-            </a:pPr>
-            <a:r>
-              <a:t/>
-            </a:r>
-            <a:endParaRPr sz="1100">
-              <a:solidFill>
-                <a:schemeClr val="dk1"/>
-              </a:solidFill>
-              <a:latin typeface="Helvetica Neue"/>
-              <a:ea typeface="Helvetica Neue"/>
-              <a:cs typeface="Helvetica Neue"/>
-              <a:sym typeface="Helvetica Neue"/>
-            </a:endParaRPr>
-          </a:p>
-          <a:p>
-            <a:pPr indent="0" lvl="0" marL="0" rtl="0" algn="l">
-              <a:spcBef>
-                <a:spcPts val="1200"/>
-              </a:spcBef>
-              <a:spcAft>
-                <a:spcPts val="0"/>
-              </a:spcAft>
-              <a:buNone/>
-            </a:pPr>
-            <a:r>
-              <a:t/>
-            </a:r>
-            <a:endParaRPr sz="1100">
-              <a:solidFill>
-                <a:schemeClr val="dk1"/>
-              </a:solidFill>
-              <a:latin typeface="Helvetica Neue"/>
-              <a:ea typeface="Helvetica Neue"/>
-              <a:cs typeface="Helvetica Neue"/>
-              <a:sym typeface="Helvetica Neue"/>
-            </a:endParaRPr>
-          </a:p>
-          <a:p>
-            <a:pPr indent="0" lvl="0" marL="0" rtl="0" algn="l">
-              <a:spcBef>
-                <a:spcPts val="1000"/>
-              </a:spcBef>
-              <a:spcAft>
-                <a:spcPts val="0"/>
-              </a:spcAft>
-              <a:buNone/>
-            </a:pPr>
-            <a:r>
-              <a:t/>
-            </a:r>
-            <a:endParaRPr sz="1100">
-              <a:solidFill>
-                <a:schemeClr val="dk1"/>
-              </a:solidFill>
-              <a:latin typeface="Helvetica Neue"/>
-              <a:ea typeface="Helvetica Neue"/>
-              <a:cs typeface="Helvetica Neue"/>
-              <a:sym typeface="Helvetica Neue"/>
-            </a:endParaRPr>
-          </a:p>
-        </p:txBody>
-      </p:sp>
-      <p:sp>
-        <p:nvSpPr>
-          <p:cNvPr id="200" name="Google Shape;200;p33"/>
-          <p:cNvSpPr txBox="1"/>
-          <p:nvPr/>
-        </p:nvSpPr>
-        <p:spPr>
-          <a:xfrm>
-            <a:off x="4977825" y="2101850"/>
-            <a:ext cx="3223200" cy="548700"/>
-          </a:xfrm>
-          <a:prstGeom prst="rect">
-            <a:avLst/>
-          </a:prstGeom>
-          <a:noFill/>
-          <a:ln>
-            <a:noFill/>
-          </a:ln>
-        </p:spPr>
-        <p:txBody>
-          <a:bodyPr anchorCtr="0" anchor="t" bIns="91425" lIns="91425" spcFirstLastPara="1" rIns="91425" wrap="square" tIns="91425">
-            <a:spAutoFit/>
-          </a:bodyPr>
-          <a:lstStyle/>
-          <a:p>
-            <a:pPr indent="-298450" lvl="0" marL="457200" rtl="0" algn="l">
-              <a:lnSpc>
-                <a:spcPct val="115000"/>
-              </a:lnSpc>
-              <a:spcBef>
-                <a:spcPts val="1200"/>
-              </a:spcBef>
-              <a:spcAft>
-                <a:spcPts val="0"/>
-              </a:spcAft>
-              <a:buClr>
-                <a:schemeClr val="dk1"/>
-              </a:buClr>
-              <a:buSzPts val="1100"/>
-              <a:buChar char="●"/>
-            </a:pPr>
-            <a:r>
-              <a:rPr b="1" lang="en" sz="1100">
-                <a:solidFill>
-                  <a:schemeClr val="dk1"/>
-                </a:solidFill>
-                <a:latin typeface="Helvetica Neue"/>
-                <a:ea typeface="Helvetica Neue"/>
-                <a:cs typeface="Helvetica Neue"/>
-                <a:sym typeface="Helvetica Neue"/>
-              </a:rPr>
-              <a:t>Learning Rate:</a:t>
-            </a:r>
-            <a:r>
-              <a:rPr lang="en" sz="1100">
-                <a:solidFill>
-                  <a:schemeClr val="dk1"/>
-                </a:solidFill>
-                <a:latin typeface="Helvetica Neue"/>
-                <a:ea typeface="Helvetica Neue"/>
-                <a:cs typeface="Helvetica Neue"/>
-                <a:sym typeface="Helvetica Neue"/>
-              </a:rPr>
-              <a:t> 5*10^-4</a:t>
-            </a:r>
-            <a:endParaRPr sz="1100">
-              <a:solidFill>
-                <a:schemeClr val="dk1"/>
-              </a:solidFill>
-              <a:latin typeface="Helvetica Neue"/>
-              <a:ea typeface="Helvetica Neue"/>
-              <a:cs typeface="Helvetica Neue"/>
-              <a:sym typeface="Helvetica Neue"/>
-            </a:endParaRPr>
-          </a:p>
-          <a:p>
-            <a:pPr indent="-298450" lvl="0" marL="457200" rtl="0" algn="l">
-              <a:lnSpc>
-                <a:spcPct val="115000"/>
-              </a:lnSpc>
-              <a:spcBef>
-                <a:spcPts val="0"/>
-              </a:spcBef>
-              <a:spcAft>
-                <a:spcPts val="0"/>
-              </a:spcAft>
-              <a:buClr>
-                <a:schemeClr val="dk1"/>
-              </a:buClr>
-              <a:buSzPts val="1100"/>
-              <a:buFont typeface="Helvetica Neue"/>
-              <a:buChar char="●"/>
-            </a:pPr>
-            <a:r>
-              <a:rPr b="1" lang="en" sz="1100">
-                <a:solidFill>
-                  <a:schemeClr val="dk1"/>
-                </a:solidFill>
-                <a:latin typeface="Helvetica Neue"/>
-                <a:ea typeface="Helvetica Neue"/>
-                <a:cs typeface="Helvetica Neue"/>
-                <a:sym typeface="Helvetica Neue"/>
-              </a:rPr>
-              <a:t>Rank (r):</a:t>
-            </a:r>
-            <a:r>
-              <a:rPr lang="en" sz="1100">
-                <a:solidFill>
-                  <a:schemeClr val="dk1"/>
-                </a:solidFill>
-                <a:latin typeface="Helvetica Neue"/>
-                <a:ea typeface="Helvetica Neue"/>
-                <a:cs typeface="Helvetica Neue"/>
-                <a:sym typeface="Helvetica Neue"/>
-              </a:rPr>
-              <a:t> 32</a:t>
-            </a:r>
-            <a:endParaRPr sz="1100">
-              <a:solidFill>
-                <a:schemeClr val="dk1"/>
-              </a:solidFill>
-              <a:latin typeface="Helvetica Neue"/>
-              <a:ea typeface="Helvetica Neue"/>
-              <a:cs typeface="Helvetica Neue"/>
-              <a:sym typeface="Helvetica Neue"/>
-            </a:endParaRPr>
+              <a:t> Tested on GSM8K and SVAMP datasets (100 samples), achieving improved accuracy with manual evaluation. </a:t>
+            </a:r>
+            <a:endParaRPr/>
           </a:p>
         </p:txBody>
       </p:sp>
@@ -26837,9 +27419,9 @@
 </file>
 
 <file path=ppt/theme/theme1.xml><?xml version="1.0" encoding="utf-8"?>
-<a:theme xmlns:a="http://schemas.openxmlformats.org/drawingml/2006/main" xmlns:r="http://schemas.openxmlformats.org/officeDocument/2006/relationships" name="Simple Light">
+<a:theme xmlns:a="http://schemas.openxmlformats.org/drawingml/2006/main" xmlns:r="http://schemas.openxmlformats.org/officeDocument/2006/relationships" name="DC-PPT-Style1">
   <a:themeElements>
-    <a:clrScheme name="Simple Light">
+    <a:clrScheme name="Office">
       <a:dk1>
         <a:srgbClr val="000000"/>
       </a:dk1>
@@ -26847,34 +27429,34 @@
         <a:srgbClr val="FFFFFF"/>
       </a:lt1>
       <a:dk2>
-        <a:srgbClr val="595959"/>
+        <a:srgbClr val="44546A"/>
       </a:dk2>
       <a:lt2>
-        <a:srgbClr val="EEEEEE"/>
+        <a:srgbClr val="E7E6E6"/>
       </a:lt2>
       <a:accent1>
-        <a:srgbClr val="4285F4"/>
+        <a:srgbClr val="5B9BD5"/>
       </a:accent1>
       <a:accent2>
-        <a:srgbClr val="212121"/>
+        <a:srgbClr val="ED7D31"/>
       </a:accent2>
       <a:accent3>
-        <a:srgbClr val="78909C"/>
+        <a:srgbClr val="A5A5A5"/>
       </a:accent3>
       <a:accent4>
-        <a:srgbClr val="FFAB40"/>
+        <a:srgbClr val="FFC000"/>
       </a:accent4>
       <a:accent5>
-        <a:srgbClr val="0097A7"/>
+        <a:srgbClr val="4472C4"/>
       </a:accent5>
       <a:accent6>
-        <a:srgbClr val="EEFF41"/>
+        <a:srgbClr val="70AD47"/>
       </a:accent6>
       <a:hlink>
-        <a:srgbClr val="0097A7"/>
+        <a:srgbClr val="0563C1"/>
       </a:hlink>
       <a:folHlink>
-        <a:srgbClr val="0097A7"/>
+        <a:srgbClr val="954F72"/>
       </a:folHlink>
     </a:clrScheme>
     <a:fontScheme name="Office">
@@ -27395,9 +27977,9 @@
 </file>
 
 <file path=ppt/theme/theme3.xml><?xml version="1.0" encoding="utf-8"?>
-<a:theme xmlns:a="http://schemas.openxmlformats.org/drawingml/2006/main" xmlns:r="http://schemas.openxmlformats.org/officeDocument/2006/relationships" name="DC-PPT-Style1">
+<a:theme xmlns:a="http://schemas.openxmlformats.org/drawingml/2006/main" xmlns:r="http://schemas.openxmlformats.org/officeDocument/2006/relationships" name="Simple Light">
   <a:themeElements>
-    <a:clrScheme name="Office">
+    <a:clrScheme name="Simple Light">
       <a:dk1>
         <a:srgbClr val="000000"/>
       </a:dk1>
@@ -27405,34 +27987,34 @@
         <a:srgbClr val="FFFFFF"/>
       </a:lt1>
       <a:dk2>
-        <a:srgbClr val="44546A"/>
+        <a:srgbClr val="595959"/>
       </a:dk2>
       <a:lt2>
-        <a:srgbClr val="E7E6E6"/>
+        <a:srgbClr val="EEEEEE"/>
       </a:lt2>
       <a:accent1>
-        <a:srgbClr val="5B9BD5"/>
+        <a:srgbClr val="4285F4"/>
       </a:accent1>
       <a:accent2>
-        <a:srgbClr val="ED7D31"/>
+        <a:srgbClr val="212121"/>
       </a:accent2>
       <a:accent3>
-        <a:srgbClr val="A5A5A5"/>
+        <a:srgbClr val="78909C"/>
       </a:accent3>
       <a:accent4>
-        <a:srgbClr val="FFC000"/>
+        <a:srgbClr val="FFAB40"/>
       </a:accent4>
       <a:accent5>
-        <a:srgbClr val="4472C4"/>
+        <a:srgbClr val="0097A7"/>
       </a:accent5>
       <a:accent6>
-        <a:srgbClr val="70AD47"/>
+        <a:srgbClr val="EEFF41"/>
       </a:accent6>
       <a:hlink>
-        <a:srgbClr val="0563C1"/>
+        <a:srgbClr val="0097A7"/>
       </a:hlink>
       <a:folHlink>
-        <a:srgbClr val="954F72"/>
+        <a:srgbClr val="0097A7"/>
       </a:folHlink>
     </a:clrScheme>
     <a:fontScheme name="Office">
